--- a/qualification/presentation/Presentation.pptx
+++ b/qualification/presentation/Presentation.pptx
@@ -35,6 +35,8 @@
     <p:sldId id="285" r:id="rId29"/>
     <p:sldId id="286" r:id="rId30"/>
     <p:sldId id="287" r:id="rId31"/>
+    <p:sldId id="288" r:id="rId32"/>
+    <p:sldId id="289" r:id="rId33"/>
   </p:sldIdLst>
   <p:sldSz cx="9144000" cy="6858000" type="screen4x3"/>
   <p:notesSz cx="7010400" cy="9296400"/>
@@ -11196,7 +11198,7 @@
         </p:nvGrpSpPr>
         <p:grpSpPr>
           <a:xfrm>
-            <a:off x="1430456" y="2348465"/>
+            <a:off x="275976" y="2635833"/>
             <a:ext cx="5129654" cy="1444556"/>
             <a:chOff x="1223375" y="2581057"/>
             <a:chExt cx="5129654" cy="1444556"/>
@@ -11506,7 +11508,7 @@
         </p:nvGrpSpPr>
         <p:grpSpPr>
           <a:xfrm>
-            <a:off x="1430456" y="3826121"/>
+            <a:off x="275976" y="4620549"/>
             <a:ext cx="5129654" cy="1444556"/>
             <a:chOff x="1223375" y="2581057"/>
             <a:chExt cx="5129654" cy="1444556"/>
@@ -11808,316 +11810,52 @@
           </p:txBody>
         </p:sp>
       </p:grpSp>
-      <p:grpSp>
-        <p:nvGrpSpPr>
-          <p:cNvPr id="35" name="Group 34"/>
-          <p:cNvGrpSpPr/>
+      <p:sp>
+        <p:nvSpPr>
+          <p:cNvPr id="43" name="TextBox 42"/>
+          <p:cNvSpPr txBox="1"/>
           <p:nvPr/>
-        </p:nvGrpSpPr>
-        <p:grpSpPr>
+        </p:nvSpPr>
+        <p:spPr>
           <a:xfrm>
-            <a:off x="1425872" y="5403885"/>
-            <a:ext cx="5129654" cy="1444556"/>
-            <a:chOff x="1223375" y="2581057"/>
-            <a:chExt cx="5129654" cy="1444556"/>
-          </a:xfrm>
-        </p:grpSpPr>
-        <p:sp>
-          <p:nvSpPr>
-            <p:cNvPr id="36" name="Can 35"/>
-            <p:cNvSpPr/>
-            <p:nvPr/>
-          </p:nvSpPr>
-          <p:spPr>
-            <a:xfrm>
-              <a:off x="1223375" y="2655618"/>
-              <a:ext cx="5129654" cy="1369995"/>
-            </a:xfrm>
-            <a:prstGeom prst="can">
-              <a:avLst/>
-            </a:prstGeom>
-          </p:spPr>
-          <p:style>
-            <a:lnRef idx="1">
-              <a:schemeClr val="accent1"/>
-            </a:lnRef>
-            <a:fillRef idx="3">
-              <a:schemeClr val="accent1"/>
-            </a:fillRef>
-            <a:effectRef idx="2">
-              <a:schemeClr val="accent1"/>
-            </a:effectRef>
-            <a:fontRef idx="minor">
-              <a:schemeClr val="lt1"/>
-            </a:fontRef>
-          </p:style>
-          <p:txBody>
-            <a:bodyPr rtlCol="0" anchor="ctr"/>
-            <a:lstStyle/>
-            <a:p>
-              <a:pPr algn="ctr"/>
-              <a:endParaRPr lang="en-US" dirty="0"/>
-            </a:p>
-          </p:txBody>
-        </p:sp>
-        <p:sp>
-          <p:nvSpPr>
-            <p:cNvPr id="37" name="Rounded Rectangle 36"/>
-            <p:cNvSpPr/>
-            <p:nvPr/>
-          </p:nvSpPr>
-          <p:spPr>
-            <a:xfrm>
-              <a:off x="1430456" y="3159134"/>
-              <a:ext cx="1097841" cy="633887"/>
-            </a:xfrm>
-            <a:prstGeom prst="roundRect">
-              <a:avLst/>
-            </a:prstGeom>
-            <a:solidFill>
-              <a:schemeClr val="accent3">
-                <a:lumMod val="75000"/>
-              </a:schemeClr>
-            </a:solidFill>
-          </p:spPr>
-          <p:style>
-            <a:lnRef idx="1">
-              <a:schemeClr val="accent1"/>
-            </a:lnRef>
-            <a:fillRef idx="3">
-              <a:schemeClr val="accent1"/>
-            </a:fillRef>
-            <a:effectRef idx="2">
-              <a:schemeClr val="accent1"/>
-            </a:effectRef>
-            <a:fontRef idx="minor">
-              <a:schemeClr val="lt1"/>
-            </a:fontRef>
-          </p:style>
-          <p:txBody>
-            <a:bodyPr rtlCol="0" anchor="ctr"/>
-            <a:lstStyle/>
-            <a:p>
-              <a:pPr algn="ctr"/>
-              <a:r>
-                <a:rPr lang="en-US" dirty="0" err="1" smtClean="0"/>
-                <a:t>Treino</a:t>
-              </a:r>
-              <a:endParaRPr lang="en-US" dirty="0"/>
-            </a:p>
-          </p:txBody>
-        </p:sp>
-        <p:sp>
-          <p:nvSpPr>
-            <p:cNvPr id="38" name="Rounded Rectangle 37"/>
-            <p:cNvSpPr/>
-            <p:nvPr/>
-          </p:nvSpPr>
-          <p:spPr>
-            <a:xfrm>
-              <a:off x="3064976" y="3159134"/>
-              <a:ext cx="1300398" cy="648000"/>
-            </a:xfrm>
-            <a:prstGeom prst="roundRect">
-              <a:avLst/>
-            </a:prstGeom>
-            <a:solidFill>
-              <a:srgbClr val="77933C"/>
-            </a:solidFill>
-          </p:spPr>
-          <p:style>
-            <a:lnRef idx="1">
-              <a:schemeClr val="accent1"/>
-            </a:lnRef>
-            <a:fillRef idx="3">
-              <a:schemeClr val="accent1"/>
-            </a:fillRef>
-            <a:effectRef idx="2">
-              <a:schemeClr val="accent1"/>
-            </a:effectRef>
-            <a:fontRef idx="minor">
-              <a:schemeClr val="lt1"/>
-            </a:fontRef>
-          </p:style>
-          <p:txBody>
-            <a:bodyPr rtlCol="0" anchor="ctr"/>
-            <a:lstStyle/>
-            <a:p>
-              <a:pPr algn="ctr"/>
-              <a:r>
-                <a:rPr lang="en-US" dirty="0" err="1" smtClean="0"/>
-                <a:t>Calibra</a:t>
-              </a:r>
-              <a:r>
-                <a:rPr lang="en-US" dirty="0" err="1" smtClean="0"/>
-                <a:t>ção</a:t>
-              </a:r>
-              <a:endParaRPr lang="en-US" dirty="0"/>
-            </a:p>
-          </p:txBody>
-        </p:sp>
-        <p:sp>
-          <p:nvSpPr>
-            <p:cNvPr id="39" name="Rounded Rectangle 38"/>
-            <p:cNvSpPr/>
-            <p:nvPr/>
-          </p:nvSpPr>
-          <p:spPr>
-            <a:xfrm>
-              <a:off x="4933739" y="3145021"/>
-              <a:ext cx="1207625" cy="648000"/>
-            </a:xfrm>
-            <a:prstGeom prst="roundRect">
-              <a:avLst/>
-            </a:prstGeom>
-            <a:solidFill>
-              <a:srgbClr val="77933C"/>
-            </a:solidFill>
-          </p:spPr>
-          <p:style>
-            <a:lnRef idx="1">
-              <a:schemeClr val="accent1"/>
-            </a:lnRef>
-            <a:fillRef idx="3">
-              <a:schemeClr val="accent1"/>
-            </a:fillRef>
-            <a:effectRef idx="2">
-              <a:schemeClr val="accent1"/>
-            </a:effectRef>
-            <a:fontRef idx="minor">
-              <a:schemeClr val="lt1"/>
-            </a:fontRef>
-          </p:style>
-          <p:txBody>
-            <a:bodyPr rtlCol="0" anchor="ctr"/>
-            <a:lstStyle/>
-            <a:p>
-              <a:pPr algn="ctr"/>
-              <a:r>
-                <a:rPr lang="en-US" dirty="0" err="1" smtClean="0"/>
-                <a:t>Teste</a:t>
-              </a:r>
-              <a:endParaRPr lang="en-US" dirty="0"/>
-            </a:p>
-          </p:txBody>
-        </p:sp>
-        <p:sp>
-          <p:nvSpPr>
-            <p:cNvPr id="40" name="TextBox 39"/>
-            <p:cNvSpPr txBox="1"/>
-            <p:nvPr/>
-          </p:nvSpPr>
-          <p:spPr>
-            <a:xfrm>
-              <a:off x="2985243" y="2581057"/>
-              <a:ext cx="1948496" cy="400110"/>
-            </a:xfrm>
-            <a:prstGeom prst="rect">
-              <a:avLst/>
-            </a:prstGeom>
-            <a:noFill/>
-          </p:spPr>
-          <p:txBody>
-            <a:bodyPr wrap="square" rtlCol="0">
-              <a:spAutoFit/>
-            </a:bodyPr>
-            <a:lstStyle/>
-            <a:p>
-              <a:r>
-                <a:rPr lang="en-US" sz="2000" b="1" dirty="0" smtClean="0"/>
-                <a:t>Base de dados n</a:t>
-              </a:r>
-              <a:endParaRPr lang="en-US" sz="2000" b="1" dirty="0"/>
-            </a:p>
-          </p:txBody>
-        </p:sp>
-        <p:sp>
-          <p:nvSpPr>
-            <p:cNvPr id="41" name="Right Arrow 40"/>
-            <p:cNvSpPr/>
-            <p:nvPr/>
-          </p:nvSpPr>
-          <p:spPr>
-            <a:xfrm>
-              <a:off x="2605031" y="3321416"/>
-              <a:ext cx="380212" cy="298147"/>
-            </a:xfrm>
-            <a:prstGeom prst="rightArrow">
-              <a:avLst/>
-            </a:prstGeom>
-            <a:solidFill>
-              <a:schemeClr val="accent6">
-                <a:lumMod val="75000"/>
-              </a:schemeClr>
-            </a:solidFill>
-          </p:spPr>
-          <p:style>
-            <a:lnRef idx="1">
-              <a:schemeClr val="accent1"/>
-            </a:lnRef>
-            <a:fillRef idx="3">
-              <a:schemeClr val="accent1"/>
-            </a:fillRef>
-            <a:effectRef idx="2">
-              <a:schemeClr val="accent1"/>
-            </a:effectRef>
-            <a:fontRef idx="minor">
-              <a:schemeClr val="lt1"/>
-            </a:fontRef>
-          </p:style>
-          <p:txBody>
-            <a:bodyPr rtlCol="0" anchor="ctr"/>
-            <a:lstStyle/>
-            <a:p>
-              <a:pPr algn="ctr"/>
-              <a:endParaRPr lang="en-US"/>
-            </a:p>
-          </p:txBody>
-        </p:sp>
-        <p:sp>
-          <p:nvSpPr>
-            <p:cNvPr id="42" name="Right Arrow 41"/>
-            <p:cNvSpPr/>
-            <p:nvPr/>
-          </p:nvSpPr>
-          <p:spPr>
-            <a:xfrm>
-              <a:off x="4449939" y="3324742"/>
-              <a:ext cx="380212" cy="298147"/>
-            </a:xfrm>
-            <a:prstGeom prst="rightArrow">
-              <a:avLst/>
-            </a:prstGeom>
-            <a:solidFill>
-              <a:schemeClr val="accent6">
-                <a:lumMod val="75000"/>
-              </a:schemeClr>
-            </a:solidFill>
-          </p:spPr>
-          <p:style>
-            <a:lnRef idx="1">
-              <a:schemeClr val="accent1"/>
-            </a:lnRef>
-            <a:fillRef idx="3">
-              <a:schemeClr val="accent1"/>
-            </a:fillRef>
-            <a:effectRef idx="2">
-              <a:schemeClr val="accent1"/>
-            </a:effectRef>
-            <a:fontRef idx="minor">
-              <a:schemeClr val="lt1"/>
-            </a:fontRef>
-          </p:style>
-          <p:txBody>
-            <a:bodyPr rtlCol="0" anchor="ctr"/>
-            <a:lstStyle/>
-            <a:p>
-              <a:pPr algn="ctr"/>
-              <a:endParaRPr lang="en-US"/>
-            </a:p>
-          </p:txBody>
-        </p:sp>
-      </p:grpSp>
+            <a:off x="5815792" y="2830465"/>
+            <a:ext cx="2871008" cy="369332"/>
+          </a:xfrm>
+          <a:prstGeom prst="rect">
+            <a:avLst/>
+          </a:prstGeom>
+          <a:noFill/>
+        </p:spPr>
+        <p:txBody>
+          <a:bodyPr wrap="square" rtlCol="0">
+            <a:spAutoFit/>
+          </a:bodyPr>
+          <a:lstStyle/>
+          <a:p>
+            <a:r>
+              <a:rPr lang="en-US" dirty="0" err="1" smtClean="0"/>
+              <a:t>Bla</a:t>
+            </a:r>
+            <a:r>
+              <a:rPr lang="en-US" dirty="0" smtClean="0"/>
+              <a:t> </a:t>
+            </a:r>
+            <a:r>
+              <a:rPr lang="en-US" dirty="0" err="1" smtClean="0"/>
+              <a:t>bla</a:t>
+            </a:r>
+            <a:r>
+              <a:rPr lang="en-US" dirty="0" smtClean="0"/>
+              <a:t> </a:t>
+            </a:r>
+            <a:r>
+              <a:rPr lang="en-US" dirty="0" err="1" smtClean="0"/>
+              <a:t>bla</a:t>
+            </a:r>
+            <a:endParaRPr lang="en-US" dirty="0"/>
+          </a:p>
+        </p:txBody>
+      </p:sp>
     </p:spTree>
     <p:extLst>
       <p:ext uri="{BB962C8B-B14F-4D97-AF65-F5344CB8AC3E}">
@@ -12290,7 +12028,7 @@
             </a:r>
             <a:r>
               <a:rPr lang="en-US" dirty="0" smtClean="0"/>
-              <a:t> Inter Base de Dados</a:t>
+              <a:t> Intra Base de Dados</a:t>
             </a:r>
           </a:p>
           <a:p>
@@ -12298,940 +12036,892 @@
           </a:p>
         </p:txBody>
       </p:sp>
-      <p:grpSp>
-        <p:nvGrpSpPr>
-          <p:cNvPr id="26" name="Group 25"/>
-          <p:cNvGrpSpPr/>
+      <p:sp>
+        <p:nvSpPr>
+          <p:cNvPr id="4" name="Can 3"/>
+          <p:cNvSpPr/>
           <p:nvPr/>
-        </p:nvGrpSpPr>
-        <p:grpSpPr>
+        </p:nvSpPr>
+        <p:spPr>
           <a:xfrm>
-            <a:off x="1430456" y="2348465"/>
-            <a:ext cx="5129654" cy="1444556"/>
-            <a:chOff x="1223375" y="2581057"/>
-            <a:chExt cx="5129654" cy="1444556"/>
-          </a:xfrm>
-        </p:grpSpPr>
-        <p:sp>
-          <p:nvSpPr>
-            <p:cNvPr id="4" name="Can 3"/>
-            <p:cNvSpPr/>
-            <p:nvPr/>
-          </p:nvSpPr>
-          <p:spPr>
-            <a:xfrm>
-              <a:off x="1223375" y="2655618"/>
-              <a:ext cx="5129654" cy="1369995"/>
-            </a:xfrm>
-            <a:prstGeom prst="can">
-              <a:avLst/>
-            </a:prstGeom>
-          </p:spPr>
-          <p:style>
-            <a:lnRef idx="1">
-              <a:schemeClr val="accent1"/>
-            </a:lnRef>
-            <a:fillRef idx="3">
-              <a:schemeClr val="accent1"/>
-            </a:fillRef>
-            <a:effectRef idx="2">
-              <a:schemeClr val="accent1"/>
-            </a:effectRef>
-            <a:fontRef idx="minor">
-              <a:schemeClr val="lt1"/>
-            </a:fontRef>
-          </p:style>
-          <p:txBody>
-            <a:bodyPr rtlCol="0" anchor="ctr"/>
-            <a:lstStyle/>
-            <a:p>
-              <a:pPr algn="ctr"/>
-              <a:endParaRPr lang="en-US" dirty="0"/>
-            </a:p>
-          </p:txBody>
-        </p:sp>
-        <p:sp>
-          <p:nvSpPr>
-            <p:cNvPr id="6" name="Rounded Rectangle 5"/>
-            <p:cNvSpPr/>
-            <p:nvPr/>
-          </p:nvSpPr>
-          <p:spPr>
-            <a:xfrm>
-              <a:off x="1430456" y="3159134"/>
-              <a:ext cx="1097841" cy="633887"/>
-            </a:xfrm>
-            <a:prstGeom prst="roundRect">
-              <a:avLst/>
-            </a:prstGeom>
-            <a:solidFill>
-              <a:schemeClr val="accent3">
-                <a:lumMod val="75000"/>
-              </a:schemeClr>
-            </a:solidFill>
-          </p:spPr>
-          <p:style>
-            <a:lnRef idx="1">
-              <a:schemeClr val="accent1"/>
-            </a:lnRef>
-            <a:fillRef idx="3">
-              <a:schemeClr val="accent1"/>
-            </a:fillRef>
-            <a:effectRef idx="2">
-              <a:schemeClr val="accent1"/>
-            </a:effectRef>
-            <a:fontRef idx="minor">
-              <a:schemeClr val="lt1"/>
-            </a:fontRef>
-          </p:style>
-          <p:txBody>
-            <a:bodyPr rtlCol="0" anchor="ctr"/>
-            <a:lstStyle/>
-            <a:p>
-              <a:pPr algn="ctr"/>
-              <a:r>
-                <a:rPr lang="en-US" dirty="0" err="1" smtClean="0"/>
-                <a:t>Treino</a:t>
-              </a:r>
-              <a:endParaRPr lang="en-US" dirty="0"/>
-            </a:p>
-          </p:txBody>
-        </p:sp>
-        <p:sp>
-          <p:nvSpPr>
-            <p:cNvPr id="7" name="Rounded Rectangle 6"/>
-            <p:cNvSpPr/>
-            <p:nvPr/>
-          </p:nvSpPr>
-          <p:spPr>
-            <a:xfrm>
-              <a:off x="3064976" y="3159134"/>
-              <a:ext cx="1300398" cy="648000"/>
-            </a:xfrm>
-            <a:prstGeom prst="roundRect">
-              <a:avLst/>
-            </a:prstGeom>
-            <a:solidFill>
-              <a:srgbClr val="77933C"/>
-            </a:solidFill>
-          </p:spPr>
-          <p:style>
-            <a:lnRef idx="1">
-              <a:schemeClr val="accent1"/>
-            </a:lnRef>
-            <a:fillRef idx="3">
-              <a:schemeClr val="accent1"/>
-            </a:fillRef>
-            <a:effectRef idx="2">
-              <a:schemeClr val="accent1"/>
-            </a:effectRef>
-            <a:fontRef idx="minor">
-              <a:schemeClr val="lt1"/>
-            </a:fontRef>
-          </p:style>
-          <p:txBody>
-            <a:bodyPr rtlCol="0" anchor="ctr"/>
-            <a:lstStyle/>
-            <a:p>
-              <a:pPr algn="ctr"/>
-              <a:r>
-                <a:rPr lang="en-US" dirty="0" err="1" smtClean="0"/>
-                <a:t>Calibra</a:t>
-              </a:r>
-              <a:r>
-                <a:rPr lang="en-US" dirty="0" err="1" smtClean="0"/>
-                <a:t>ção</a:t>
-              </a:r>
-              <a:endParaRPr lang="en-US" dirty="0"/>
-            </a:p>
-          </p:txBody>
-        </p:sp>
-        <p:sp>
-          <p:nvSpPr>
-            <p:cNvPr id="8" name="Rounded Rectangle 7"/>
-            <p:cNvSpPr/>
-            <p:nvPr/>
-          </p:nvSpPr>
-          <p:spPr>
-            <a:xfrm>
-              <a:off x="4933739" y="3145021"/>
-              <a:ext cx="1207625" cy="648000"/>
-            </a:xfrm>
-            <a:prstGeom prst="roundRect">
-              <a:avLst/>
-            </a:prstGeom>
-            <a:solidFill>
-              <a:srgbClr val="77933C"/>
-            </a:solidFill>
-          </p:spPr>
-          <p:style>
-            <a:lnRef idx="1">
-              <a:schemeClr val="accent1"/>
-            </a:lnRef>
-            <a:fillRef idx="3">
-              <a:schemeClr val="accent1"/>
-            </a:fillRef>
-            <a:effectRef idx="2">
-              <a:schemeClr val="accent1"/>
-            </a:effectRef>
-            <a:fontRef idx="minor">
-              <a:schemeClr val="lt1"/>
-            </a:fontRef>
-          </p:style>
-          <p:txBody>
-            <a:bodyPr rtlCol="0" anchor="ctr"/>
-            <a:lstStyle/>
-            <a:p>
-              <a:pPr algn="ctr"/>
-              <a:r>
-                <a:rPr lang="en-US" dirty="0" err="1" smtClean="0"/>
-                <a:t>Teste</a:t>
-              </a:r>
-              <a:endParaRPr lang="en-US" dirty="0"/>
-            </a:p>
-          </p:txBody>
-        </p:sp>
-        <p:sp>
-          <p:nvSpPr>
-            <p:cNvPr id="9" name="TextBox 8"/>
-            <p:cNvSpPr txBox="1"/>
-            <p:nvPr/>
-          </p:nvSpPr>
-          <p:spPr>
-            <a:xfrm>
-              <a:off x="2985243" y="2581057"/>
-              <a:ext cx="1948496" cy="400110"/>
-            </a:xfrm>
-            <a:prstGeom prst="rect">
-              <a:avLst/>
-            </a:prstGeom>
-            <a:noFill/>
-          </p:spPr>
-          <p:txBody>
-            <a:bodyPr wrap="square" rtlCol="0">
-              <a:spAutoFit/>
-            </a:bodyPr>
-            <a:lstStyle/>
-            <a:p>
-              <a:r>
-                <a:rPr lang="en-US" sz="2000" b="1" dirty="0" smtClean="0"/>
-                <a:t>Base de dados 1</a:t>
-              </a:r>
-              <a:endParaRPr lang="en-US" sz="2000" b="1" dirty="0"/>
-            </a:p>
-          </p:txBody>
-        </p:sp>
-        <p:sp>
-          <p:nvSpPr>
-            <p:cNvPr id="10" name="Right Arrow 9"/>
-            <p:cNvSpPr/>
-            <p:nvPr/>
-          </p:nvSpPr>
-          <p:spPr>
-            <a:xfrm>
-              <a:off x="2605031" y="3321416"/>
-              <a:ext cx="380212" cy="298147"/>
-            </a:xfrm>
-            <a:prstGeom prst="rightArrow">
-              <a:avLst/>
-            </a:prstGeom>
-            <a:solidFill>
-              <a:schemeClr val="accent6">
-                <a:lumMod val="75000"/>
-              </a:schemeClr>
-            </a:solidFill>
-          </p:spPr>
-          <p:style>
-            <a:lnRef idx="1">
-              <a:schemeClr val="accent1"/>
-            </a:lnRef>
-            <a:fillRef idx="3">
-              <a:schemeClr val="accent1"/>
-            </a:fillRef>
-            <a:effectRef idx="2">
-              <a:schemeClr val="accent1"/>
-            </a:effectRef>
-            <a:fontRef idx="minor">
-              <a:schemeClr val="lt1"/>
-            </a:fontRef>
-          </p:style>
-          <p:txBody>
-            <a:bodyPr rtlCol="0" anchor="ctr"/>
-            <a:lstStyle/>
-            <a:p>
-              <a:pPr algn="ctr"/>
-              <a:endParaRPr lang="en-US"/>
-            </a:p>
-          </p:txBody>
-        </p:sp>
-        <p:sp>
-          <p:nvSpPr>
-            <p:cNvPr id="25" name="Right Arrow 24"/>
-            <p:cNvSpPr/>
-            <p:nvPr/>
-          </p:nvSpPr>
-          <p:spPr>
-            <a:xfrm>
-              <a:off x="4449939" y="3324742"/>
-              <a:ext cx="380212" cy="298147"/>
-            </a:xfrm>
-            <a:prstGeom prst="rightArrow">
-              <a:avLst/>
-            </a:prstGeom>
-            <a:solidFill>
-              <a:schemeClr val="accent6">
-                <a:lumMod val="75000"/>
-              </a:schemeClr>
-            </a:solidFill>
-          </p:spPr>
-          <p:style>
-            <a:lnRef idx="1">
-              <a:schemeClr val="accent1"/>
-            </a:lnRef>
-            <a:fillRef idx="3">
-              <a:schemeClr val="accent1"/>
-            </a:fillRef>
-            <a:effectRef idx="2">
-              <a:schemeClr val="accent1"/>
-            </a:effectRef>
-            <a:fontRef idx="minor">
-              <a:schemeClr val="lt1"/>
-            </a:fontRef>
-          </p:style>
-          <p:txBody>
-            <a:bodyPr rtlCol="0" anchor="ctr"/>
-            <a:lstStyle/>
-            <a:p>
-              <a:pPr algn="ctr"/>
-              <a:endParaRPr lang="en-US"/>
-            </a:p>
-          </p:txBody>
-        </p:sp>
-      </p:grpSp>
-      <p:grpSp>
-        <p:nvGrpSpPr>
-          <p:cNvPr id="27" name="Group 26"/>
-          <p:cNvGrpSpPr/>
+            <a:off x="275976" y="2710394"/>
+            <a:ext cx="5129654" cy="1369995"/>
+          </a:xfrm>
+          <a:prstGeom prst="can">
+            <a:avLst/>
+          </a:prstGeom>
+        </p:spPr>
+        <p:style>
+          <a:lnRef idx="1">
+            <a:schemeClr val="accent1"/>
+          </a:lnRef>
+          <a:fillRef idx="3">
+            <a:schemeClr val="accent1"/>
+          </a:fillRef>
+          <a:effectRef idx="2">
+            <a:schemeClr val="accent1"/>
+          </a:effectRef>
+          <a:fontRef idx="minor">
+            <a:schemeClr val="lt1"/>
+          </a:fontRef>
+        </p:style>
+        <p:txBody>
+          <a:bodyPr rtlCol="0" anchor="ctr"/>
+          <a:lstStyle/>
+          <a:p>
+            <a:pPr algn="ctr"/>
+            <a:endParaRPr lang="en-US" dirty="0"/>
+          </a:p>
+        </p:txBody>
+      </p:sp>
+      <p:sp>
+        <p:nvSpPr>
+          <p:cNvPr id="6" name="Rounded Rectangle 5"/>
+          <p:cNvSpPr/>
           <p:nvPr/>
-        </p:nvGrpSpPr>
-        <p:grpSpPr>
+        </p:nvSpPr>
+        <p:spPr>
           <a:xfrm>
-            <a:off x="1430456" y="3826121"/>
-            <a:ext cx="5129654" cy="1444556"/>
-            <a:chOff x="1223375" y="2581057"/>
-            <a:chExt cx="5129654" cy="1444556"/>
-          </a:xfrm>
-        </p:grpSpPr>
-        <p:sp>
-          <p:nvSpPr>
-            <p:cNvPr id="28" name="Can 27"/>
-            <p:cNvSpPr/>
-            <p:nvPr/>
-          </p:nvSpPr>
-          <p:spPr>
-            <a:xfrm>
-              <a:off x="1223375" y="2655618"/>
-              <a:ext cx="5129654" cy="1369995"/>
-            </a:xfrm>
-            <a:prstGeom prst="can">
-              <a:avLst/>
-            </a:prstGeom>
-          </p:spPr>
-          <p:style>
-            <a:lnRef idx="1">
-              <a:schemeClr val="accent1"/>
-            </a:lnRef>
-            <a:fillRef idx="3">
-              <a:schemeClr val="accent1"/>
-            </a:fillRef>
-            <a:effectRef idx="2">
-              <a:schemeClr val="accent1"/>
-            </a:effectRef>
-            <a:fontRef idx="minor">
-              <a:schemeClr val="lt1"/>
-            </a:fontRef>
-          </p:style>
-          <p:txBody>
-            <a:bodyPr rtlCol="0" anchor="ctr"/>
-            <a:lstStyle/>
-            <a:p>
-              <a:pPr algn="ctr"/>
-              <a:endParaRPr lang="en-US" dirty="0"/>
-            </a:p>
-          </p:txBody>
-        </p:sp>
-        <p:sp>
-          <p:nvSpPr>
-            <p:cNvPr id="29" name="Rounded Rectangle 28"/>
-            <p:cNvSpPr/>
-            <p:nvPr/>
-          </p:nvSpPr>
-          <p:spPr>
-            <a:xfrm>
-              <a:off x="1430456" y="3159134"/>
-              <a:ext cx="1097841" cy="633887"/>
-            </a:xfrm>
-            <a:prstGeom prst="roundRect">
-              <a:avLst/>
-            </a:prstGeom>
-            <a:solidFill>
-              <a:schemeClr val="accent3">
-                <a:lumMod val="75000"/>
-              </a:schemeClr>
-            </a:solidFill>
-          </p:spPr>
-          <p:style>
-            <a:lnRef idx="1">
-              <a:schemeClr val="accent1"/>
-            </a:lnRef>
-            <a:fillRef idx="3">
-              <a:schemeClr val="accent1"/>
-            </a:fillRef>
-            <a:effectRef idx="2">
-              <a:schemeClr val="accent1"/>
-            </a:effectRef>
-            <a:fontRef idx="minor">
-              <a:schemeClr val="lt1"/>
-            </a:fontRef>
-          </p:style>
-          <p:txBody>
-            <a:bodyPr rtlCol="0" anchor="ctr"/>
-            <a:lstStyle/>
-            <a:p>
-              <a:pPr algn="ctr"/>
-              <a:r>
-                <a:rPr lang="en-US" dirty="0" err="1" smtClean="0"/>
-                <a:t>Treino</a:t>
-              </a:r>
-              <a:endParaRPr lang="en-US" dirty="0"/>
-            </a:p>
-          </p:txBody>
-        </p:sp>
-        <p:sp>
-          <p:nvSpPr>
-            <p:cNvPr id="30" name="Rounded Rectangle 29"/>
-            <p:cNvSpPr/>
-            <p:nvPr/>
-          </p:nvSpPr>
-          <p:spPr>
-            <a:xfrm>
-              <a:off x="3064976" y="3159134"/>
-              <a:ext cx="1300398" cy="648000"/>
-            </a:xfrm>
-            <a:prstGeom prst="roundRect">
-              <a:avLst/>
-            </a:prstGeom>
-            <a:solidFill>
-              <a:srgbClr val="77933C"/>
-            </a:solidFill>
-          </p:spPr>
-          <p:style>
-            <a:lnRef idx="1">
-              <a:schemeClr val="accent1"/>
-            </a:lnRef>
-            <a:fillRef idx="3">
-              <a:schemeClr val="accent1"/>
-            </a:fillRef>
-            <a:effectRef idx="2">
-              <a:schemeClr val="accent1"/>
-            </a:effectRef>
-            <a:fontRef idx="minor">
-              <a:schemeClr val="lt1"/>
-            </a:fontRef>
-          </p:style>
-          <p:txBody>
-            <a:bodyPr rtlCol="0" anchor="ctr"/>
-            <a:lstStyle/>
-            <a:p>
-              <a:pPr algn="ctr"/>
-              <a:r>
-                <a:rPr lang="en-US" dirty="0" err="1" smtClean="0"/>
-                <a:t>Calibra</a:t>
-              </a:r>
-              <a:r>
-                <a:rPr lang="en-US" dirty="0" err="1" smtClean="0"/>
-                <a:t>ção</a:t>
-              </a:r>
-              <a:endParaRPr lang="en-US" dirty="0"/>
-            </a:p>
-          </p:txBody>
-        </p:sp>
-        <p:sp>
-          <p:nvSpPr>
-            <p:cNvPr id="31" name="Rounded Rectangle 30"/>
-            <p:cNvSpPr/>
-            <p:nvPr/>
-          </p:nvSpPr>
-          <p:spPr>
-            <a:xfrm>
-              <a:off x="4933739" y="3145021"/>
-              <a:ext cx="1207625" cy="648000"/>
-            </a:xfrm>
-            <a:prstGeom prst="roundRect">
-              <a:avLst/>
-            </a:prstGeom>
-            <a:solidFill>
-              <a:srgbClr val="77933C"/>
-            </a:solidFill>
-          </p:spPr>
-          <p:style>
-            <a:lnRef idx="1">
-              <a:schemeClr val="accent1"/>
-            </a:lnRef>
-            <a:fillRef idx="3">
-              <a:schemeClr val="accent1"/>
-            </a:fillRef>
-            <a:effectRef idx="2">
-              <a:schemeClr val="accent1"/>
-            </a:effectRef>
-            <a:fontRef idx="minor">
-              <a:schemeClr val="lt1"/>
-            </a:fontRef>
-          </p:style>
-          <p:txBody>
-            <a:bodyPr rtlCol="0" anchor="ctr"/>
-            <a:lstStyle/>
-            <a:p>
-              <a:pPr algn="ctr"/>
-              <a:r>
-                <a:rPr lang="en-US" dirty="0" err="1" smtClean="0"/>
-                <a:t>Teste</a:t>
-              </a:r>
-              <a:endParaRPr lang="en-US" dirty="0"/>
-            </a:p>
-          </p:txBody>
-        </p:sp>
-        <p:sp>
-          <p:nvSpPr>
-            <p:cNvPr id="32" name="TextBox 31"/>
-            <p:cNvSpPr txBox="1"/>
-            <p:nvPr/>
-          </p:nvSpPr>
-          <p:spPr>
-            <a:xfrm>
-              <a:off x="2985243" y="2581057"/>
-              <a:ext cx="1948496" cy="400110"/>
-            </a:xfrm>
-            <a:prstGeom prst="rect">
-              <a:avLst/>
-            </a:prstGeom>
-            <a:noFill/>
-          </p:spPr>
-          <p:txBody>
-            <a:bodyPr wrap="square" rtlCol="0">
-              <a:spAutoFit/>
-            </a:bodyPr>
-            <a:lstStyle/>
-            <a:p>
-              <a:r>
-                <a:rPr lang="en-US" sz="2000" b="1" dirty="0" smtClean="0"/>
-                <a:t>Base de dados 2</a:t>
-              </a:r>
-              <a:endParaRPr lang="en-US" sz="2000" b="1" dirty="0"/>
-            </a:p>
-          </p:txBody>
-        </p:sp>
-        <p:sp>
-          <p:nvSpPr>
-            <p:cNvPr id="33" name="Right Arrow 32"/>
-            <p:cNvSpPr/>
-            <p:nvPr/>
-          </p:nvSpPr>
-          <p:spPr>
-            <a:xfrm>
-              <a:off x="2605031" y="3321416"/>
-              <a:ext cx="380212" cy="298147"/>
-            </a:xfrm>
-            <a:prstGeom prst="rightArrow">
-              <a:avLst/>
-            </a:prstGeom>
-            <a:solidFill>
-              <a:schemeClr val="accent6">
-                <a:lumMod val="75000"/>
-              </a:schemeClr>
-            </a:solidFill>
-          </p:spPr>
-          <p:style>
-            <a:lnRef idx="1">
-              <a:schemeClr val="accent1"/>
-            </a:lnRef>
-            <a:fillRef idx="3">
-              <a:schemeClr val="accent1"/>
-            </a:fillRef>
-            <a:effectRef idx="2">
-              <a:schemeClr val="accent1"/>
-            </a:effectRef>
-            <a:fontRef idx="minor">
-              <a:schemeClr val="lt1"/>
-            </a:fontRef>
-          </p:style>
-          <p:txBody>
-            <a:bodyPr rtlCol="0" anchor="ctr"/>
-            <a:lstStyle/>
-            <a:p>
-              <a:pPr algn="ctr"/>
-              <a:endParaRPr lang="en-US"/>
-            </a:p>
-          </p:txBody>
-        </p:sp>
-        <p:sp>
-          <p:nvSpPr>
-            <p:cNvPr id="34" name="Right Arrow 33"/>
-            <p:cNvSpPr/>
-            <p:nvPr/>
-          </p:nvSpPr>
-          <p:spPr>
-            <a:xfrm>
-              <a:off x="4449939" y="3324742"/>
-              <a:ext cx="380212" cy="298147"/>
-            </a:xfrm>
-            <a:prstGeom prst="rightArrow">
-              <a:avLst/>
-            </a:prstGeom>
-            <a:solidFill>
-              <a:schemeClr val="accent6">
-                <a:lumMod val="75000"/>
-              </a:schemeClr>
-            </a:solidFill>
-          </p:spPr>
-          <p:style>
-            <a:lnRef idx="1">
-              <a:schemeClr val="accent1"/>
-            </a:lnRef>
-            <a:fillRef idx="3">
-              <a:schemeClr val="accent1"/>
-            </a:fillRef>
-            <a:effectRef idx="2">
-              <a:schemeClr val="accent1"/>
-            </a:effectRef>
-            <a:fontRef idx="minor">
-              <a:schemeClr val="lt1"/>
-            </a:fontRef>
-          </p:style>
-          <p:txBody>
-            <a:bodyPr rtlCol="0" anchor="ctr"/>
-            <a:lstStyle/>
-            <a:p>
-              <a:pPr algn="ctr"/>
-              <a:endParaRPr lang="en-US"/>
-            </a:p>
-          </p:txBody>
-        </p:sp>
-      </p:grpSp>
-      <p:grpSp>
-        <p:nvGrpSpPr>
-          <p:cNvPr id="35" name="Group 34"/>
-          <p:cNvGrpSpPr/>
+            <a:off x="483057" y="3213910"/>
+            <a:ext cx="1097841" cy="633887"/>
+          </a:xfrm>
+          <a:prstGeom prst="roundRect">
+            <a:avLst/>
+          </a:prstGeom>
+          <a:solidFill>
+            <a:schemeClr val="accent3">
+              <a:lumMod val="75000"/>
+            </a:schemeClr>
+          </a:solidFill>
+        </p:spPr>
+        <p:style>
+          <a:lnRef idx="1">
+            <a:schemeClr val="accent1"/>
+          </a:lnRef>
+          <a:fillRef idx="3">
+            <a:schemeClr val="accent1"/>
+          </a:fillRef>
+          <a:effectRef idx="2">
+            <a:schemeClr val="accent1"/>
+          </a:effectRef>
+          <a:fontRef idx="minor">
+            <a:schemeClr val="lt1"/>
+          </a:fontRef>
+        </p:style>
+        <p:txBody>
+          <a:bodyPr rtlCol="0" anchor="ctr"/>
+          <a:lstStyle/>
+          <a:p>
+            <a:pPr algn="ctr"/>
+            <a:r>
+              <a:rPr lang="en-US" dirty="0" err="1" smtClean="0"/>
+              <a:t>Treino</a:t>
+            </a:r>
+            <a:endParaRPr lang="en-US" dirty="0"/>
+          </a:p>
+        </p:txBody>
+      </p:sp>
+      <p:sp>
+        <p:nvSpPr>
+          <p:cNvPr id="7" name="Rounded Rectangle 6"/>
+          <p:cNvSpPr/>
           <p:nvPr/>
-        </p:nvGrpSpPr>
-        <p:grpSpPr>
+        </p:nvSpPr>
+        <p:spPr>
           <a:xfrm>
-            <a:off x="1425872" y="5403885"/>
-            <a:ext cx="5129654" cy="1444556"/>
-            <a:chOff x="1223375" y="2581057"/>
-            <a:chExt cx="5129654" cy="1444556"/>
-          </a:xfrm>
-        </p:grpSpPr>
-        <p:sp>
-          <p:nvSpPr>
-            <p:cNvPr id="36" name="Can 35"/>
-            <p:cNvSpPr/>
-            <p:nvPr/>
-          </p:nvSpPr>
-          <p:spPr>
-            <a:xfrm>
-              <a:off x="1223375" y="2655618"/>
-              <a:ext cx="5129654" cy="1369995"/>
-            </a:xfrm>
-            <a:prstGeom prst="can">
-              <a:avLst/>
-            </a:prstGeom>
-          </p:spPr>
-          <p:style>
-            <a:lnRef idx="1">
-              <a:schemeClr val="accent1"/>
-            </a:lnRef>
-            <a:fillRef idx="3">
-              <a:schemeClr val="accent1"/>
-            </a:fillRef>
-            <a:effectRef idx="2">
-              <a:schemeClr val="accent1"/>
-            </a:effectRef>
-            <a:fontRef idx="minor">
-              <a:schemeClr val="lt1"/>
-            </a:fontRef>
-          </p:style>
-          <p:txBody>
-            <a:bodyPr rtlCol="0" anchor="ctr"/>
-            <a:lstStyle/>
-            <a:p>
-              <a:pPr algn="ctr"/>
-              <a:endParaRPr lang="en-US" dirty="0"/>
-            </a:p>
-          </p:txBody>
-        </p:sp>
-        <p:sp>
-          <p:nvSpPr>
-            <p:cNvPr id="37" name="Rounded Rectangle 36"/>
-            <p:cNvSpPr/>
-            <p:nvPr/>
-          </p:nvSpPr>
-          <p:spPr>
-            <a:xfrm>
-              <a:off x="1430456" y="3159134"/>
-              <a:ext cx="1097841" cy="633887"/>
-            </a:xfrm>
-            <a:prstGeom prst="roundRect">
-              <a:avLst/>
-            </a:prstGeom>
-            <a:solidFill>
-              <a:schemeClr val="accent3">
-                <a:lumMod val="75000"/>
-              </a:schemeClr>
-            </a:solidFill>
-          </p:spPr>
-          <p:style>
-            <a:lnRef idx="1">
-              <a:schemeClr val="accent1"/>
-            </a:lnRef>
-            <a:fillRef idx="3">
-              <a:schemeClr val="accent1"/>
-            </a:fillRef>
-            <a:effectRef idx="2">
-              <a:schemeClr val="accent1"/>
-            </a:effectRef>
-            <a:fontRef idx="minor">
-              <a:schemeClr val="lt1"/>
-            </a:fontRef>
-          </p:style>
-          <p:txBody>
-            <a:bodyPr rtlCol="0" anchor="ctr"/>
-            <a:lstStyle/>
-            <a:p>
-              <a:pPr algn="ctr"/>
-              <a:r>
-                <a:rPr lang="en-US" dirty="0" err="1" smtClean="0"/>
-                <a:t>Treino</a:t>
-              </a:r>
-              <a:endParaRPr lang="en-US" dirty="0"/>
-            </a:p>
-          </p:txBody>
-        </p:sp>
-        <p:sp>
-          <p:nvSpPr>
-            <p:cNvPr id="38" name="Rounded Rectangle 37"/>
-            <p:cNvSpPr/>
-            <p:nvPr/>
-          </p:nvSpPr>
-          <p:spPr>
-            <a:xfrm>
-              <a:off x="3064976" y="3159134"/>
-              <a:ext cx="1300398" cy="648000"/>
-            </a:xfrm>
-            <a:prstGeom prst="roundRect">
-              <a:avLst/>
-            </a:prstGeom>
-            <a:solidFill>
-              <a:srgbClr val="77933C"/>
-            </a:solidFill>
-          </p:spPr>
-          <p:style>
-            <a:lnRef idx="1">
-              <a:schemeClr val="accent1"/>
-            </a:lnRef>
-            <a:fillRef idx="3">
-              <a:schemeClr val="accent1"/>
-            </a:fillRef>
-            <a:effectRef idx="2">
-              <a:schemeClr val="accent1"/>
-            </a:effectRef>
-            <a:fontRef idx="minor">
-              <a:schemeClr val="lt1"/>
-            </a:fontRef>
-          </p:style>
-          <p:txBody>
-            <a:bodyPr rtlCol="0" anchor="ctr"/>
-            <a:lstStyle/>
-            <a:p>
-              <a:pPr algn="ctr"/>
-              <a:r>
-                <a:rPr lang="en-US" dirty="0" err="1" smtClean="0"/>
-                <a:t>Calibra</a:t>
-              </a:r>
-              <a:r>
-                <a:rPr lang="en-US" dirty="0" err="1" smtClean="0"/>
-                <a:t>ção</a:t>
-              </a:r>
-              <a:endParaRPr lang="en-US" dirty="0"/>
-            </a:p>
-          </p:txBody>
-        </p:sp>
-        <p:sp>
-          <p:nvSpPr>
-            <p:cNvPr id="39" name="Rounded Rectangle 38"/>
-            <p:cNvSpPr/>
-            <p:nvPr/>
-          </p:nvSpPr>
-          <p:spPr>
-            <a:xfrm>
-              <a:off x="4933739" y="3145021"/>
-              <a:ext cx="1207625" cy="648000"/>
-            </a:xfrm>
-            <a:prstGeom prst="roundRect">
-              <a:avLst/>
-            </a:prstGeom>
-            <a:solidFill>
-              <a:srgbClr val="77933C"/>
-            </a:solidFill>
-          </p:spPr>
-          <p:style>
-            <a:lnRef idx="1">
-              <a:schemeClr val="accent1"/>
-            </a:lnRef>
-            <a:fillRef idx="3">
-              <a:schemeClr val="accent1"/>
-            </a:fillRef>
-            <a:effectRef idx="2">
-              <a:schemeClr val="accent1"/>
-            </a:effectRef>
-            <a:fontRef idx="minor">
-              <a:schemeClr val="lt1"/>
-            </a:fontRef>
-          </p:style>
-          <p:txBody>
-            <a:bodyPr rtlCol="0" anchor="ctr"/>
-            <a:lstStyle/>
-            <a:p>
-              <a:pPr algn="ctr"/>
-              <a:r>
-                <a:rPr lang="en-US" dirty="0" err="1" smtClean="0"/>
-                <a:t>Teste</a:t>
-              </a:r>
-              <a:endParaRPr lang="en-US" dirty="0"/>
-            </a:p>
-          </p:txBody>
-        </p:sp>
-        <p:sp>
-          <p:nvSpPr>
-            <p:cNvPr id="40" name="TextBox 39"/>
-            <p:cNvSpPr txBox="1"/>
-            <p:nvPr/>
-          </p:nvSpPr>
-          <p:spPr>
-            <a:xfrm>
-              <a:off x="2985243" y="2581057"/>
-              <a:ext cx="1948496" cy="400110"/>
-            </a:xfrm>
-            <a:prstGeom prst="rect">
-              <a:avLst/>
-            </a:prstGeom>
-            <a:noFill/>
-          </p:spPr>
-          <p:txBody>
-            <a:bodyPr wrap="square" rtlCol="0">
-              <a:spAutoFit/>
-            </a:bodyPr>
-            <a:lstStyle/>
-            <a:p>
-              <a:r>
-                <a:rPr lang="en-US" sz="2000" b="1" dirty="0" smtClean="0"/>
-                <a:t>Base de dados n</a:t>
-              </a:r>
-              <a:endParaRPr lang="en-US" sz="2000" b="1" dirty="0"/>
-            </a:p>
-          </p:txBody>
-        </p:sp>
-        <p:sp>
-          <p:nvSpPr>
-            <p:cNvPr id="41" name="Right Arrow 40"/>
-            <p:cNvSpPr/>
-            <p:nvPr/>
-          </p:nvSpPr>
-          <p:spPr>
-            <a:xfrm>
-              <a:off x="2605031" y="3321416"/>
-              <a:ext cx="380212" cy="298147"/>
-            </a:xfrm>
-            <a:prstGeom prst="rightArrow">
-              <a:avLst/>
-            </a:prstGeom>
-            <a:solidFill>
-              <a:schemeClr val="accent6">
-                <a:lumMod val="75000"/>
-              </a:schemeClr>
-            </a:solidFill>
-          </p:spPr>
-          <p:style>
-            <a:lnRef idx="1">
-              <a:schemeClr val="accent1"/>
-            </a:lnRef>
-            <a:fillRef idx="3">
-              <a:schemeClr val="accent1"/>
-            </a:fillRef>
-            <a:effectRef idx="2">
-              <a:schemeClr val="accent1"/>
-            </a:effectRef>
-            <a:fontRef idx="minor">
-              <a:schemeClr val="lt1"/>
-            </a:fontRef>
-          </p:style>
-          <p:txBody>
-            <a:bodyPr rtlCol="0" anchor="ctr"/>
-            <a:lstStyle/>
-            <a:p>
-              <a:pPr algn="ctr"/>
-              <a:endParaRPr lang="en-US"/>
-            </a:p>
-          </p:txBody>
-        </p:sp>
-        <p:sp>
-          <p:nvSpPr>
-            <p:cNvPr id="42" name="Right Arrow 41"/>
-            <p:cNvSpPr/>
-            <p:nvPr/>
-          </p:nvSpPr>
-          <p:spPr>
-            <a:xfrm>
-              <a:off x="4449939" y="3324742"/>
-              <a:ext cx="380212" cy="298147"/>
-            </a:xfrm>
-            <a:prstGeom prst="rightArrow">
-              <a:avLst/>
-            </a:prstGeom>
-            <a:solidFill>
-              <a:schemeClr val="accent6">
-                <a:lumMod val="75000"/>
-              </a:schemeClr>
-            </a:solidFill>
-          </p:spPr>
-          <p:style>
-            <a:lnRef idx="1">
-              <a:schemeClr val="accent1"/>
-            </a:lnRef>
-            <a:fillRef idx="3">
-              <a:schemeClr val="accent1"/>
-            </a:fillRef>
-            <a:effectRef idx="2">
-              <a:schemeClr val="accent1"/>
-            </a:effectRef>
-            <a:fontRef idx="minor">
-              <a:schemeClr val="lt1"/>
-            </a:fontRef>
-          </p:style>
-          <p:txBody>
-            <a:bodyPr rtlCol="0" anchor="ctr"/>
-            <a:lstStyle/>
-            <a:p>
-              <a:pPr algn="ctr"/>
-              <a:endParaRPr lang="en-US"/>
-            </a:p>
-          </p:txBody>
-        </p:sp>
-      </p:grpSp>
+            <a:off x="2117577" y="3213910"/>
+            <a:ext cx="1300398" cy="648000"/>
+          </a:xfrm>
+          <a:prstGeom prst="roundRect">
+            <a:avLst/>
+          </a:prstGeom>
+          <a:solidFill>
+            <a:srgbClr val="77933C"/>
+          </a:solidFill>
+        </p:spPr>
+        <p:style>
+          <a:lnRef idx="1">
+            <a:schemeClr val="accent1"/>
+          </a:lnRef>
+          <a:fillRef idx="3">
+            <a:schemeClr val="accent1"/>
+          </a:fillRef>
+          <a:effectRef idx="2">
+            <a:schemeClr val="accent1"/>
+          </a:effectRef>
+          <a:fontRef idx="minor">
+            <a:schemeClr val="lt1"/>
+          </a:fontRef>
+        </p:style>
+        <p:txBody>
+          <a:bodyPr rtlCol="0" anchor="ctr"/>
+          <a:lstStyle/>
+          <a:p>
+            <a:pPr algn="ctr"/>
+            <a:r>
+              <a:rPr lang="en-US" dirty="0" err="1" smtClean="0"/>
+              <a:t>Calibra</a:t>
+            </a:r>
+            <a:r>
+              <a:rPr lang="en-US" dirty="0" err="1" smtClean="0"/>
+              <a:t>ção</a:t>
+            </a:r>
+            <a:endParaRPr lang="en-US" dirty="0"/>
+          </a:p>
+        </p:txBody>
+      </p:sp>
+      <p:sp>
+        <p:nvSpPr>
+          <p:cNvPr id="8" name="Rounded Rectangle 7"/>
+          <p:cNvSpPr/>
+          <p:nvPr/>
+        </p:nvSpPr>
+        <p:spPr>
+          <a:xfrm>
+            <a:off x="3986340" y="3199797"/>
+            <a:ext cx="1207625" cy="648000"/>
+          </a:xfrm>
+          <a:prstGeom prst="roundRect">
+            <a:avLst/>
+          </a:prstGeom>
+          <a:solidFill>
+            <a:srgbClr val="77933C"/>
+          </a:solidFill>
+        </p:spPr>
+        <p:style>
+          <a:lnRef idx="1">
+            <a:schemeClr val="accent1"/>
+          </a:lnRef>
+          <a:fillRef idx="3">
+            <a:schemeClr val="accent1"/>
+          </a:fillRef>
+          <a:effectRef idx="2">
+            <a:schemeClr val="accent1"/>
+          </a:effectRef>
+          <a:fontRef idx="minor">
+            <a:schemeClr val="lt1"/>
+          </a:fontRef>
+        </p:style>
+        <p:txBody>
+          <a:bodyPr rtlCol="0" anchor="ctr"/>
+          <a:lstStyle/>
+          <a:p>
+            <a:pPr algn="ctr"/>
+            <a:r>
+              <a:rPr lang="en-US" dirty="0" err="1" smtClean="0"/>
+              <a:t>Teste</a:t>
+            </a:r>
+            <a:endParaRPr lang="en-US" dirty="0"/>
+          </a:p>
+        </p:txBody>
+      </p:sp>
+      <p:sp>
+        <p:nvSpPr>
+          <p:cNvPr id="9" name="TextBox 8"/>
+          <p:cNvSpPr txBox="1"/>
+          <p:nvPr/>
+        </p:nvSpPr>
+        <p:spPr>
+          <a:xfrm>
+            <a:off x="2037844" y="2635833"/>
+            <a:ext cx="1948496" cy="400110"/>
+          </a:xfrm>
+          <a:prstGeom prst="rect">
+            <a:avLst/>
+          </a:prstGeom>
+          <a:noFill/>
+        </p:spPr>
+        <p:txBody>
+          <a:bodyPr wrap="square" rtlCol="0">
+            <a:spAutoFit/>
+          </a:bodyPr>
+          <a:lstStyle/>
+          <a:p>
+            <a:r>
+              <a:rPr lang="en-US" sz="2000" b="1" dirty="0" smtClean="0"/>
+              <a:t>Base de dados 1</a:t>
+            </a:r>
+            <a:endParaRPr lang="en-US" sz="2000" b="1" dirty="0"/>
+          </a:p>
+        </p:txBody>
+      </p:sp>
+      <p:sp>
+        <p:nvSpPr>
+          <p:cNvPr id="10" name="Right Arrow 9"/>
+          <p:cNvSpPr/>
+          <p:nvPr/>
+        </p:nvSpPr>
+        <p:spPr>
+          <a:xfrm>
+            <a:off x="1657632" y="3376192"/>
+            <a:ext cx="380212" cy="298147"/>
+          </a:xfrm>
+          <a:prstGeom prst="rightArrow">
+            <a:avLst/>
+          </a:prstGeom>
+          <a:solidFill>
+            <a:schemeClr val="accent6">
+              <a:lumMod val="75000"/>
+            </a:schemeClr>
+          </a:solidFill>
+        </p:spPr>
+        <p:style>
+          <a:lnRef idx="1">
+            <a:schemeClr val="accent1"/>
+          </a:lnRef>
+          <a:fillRef idx="3">
+            <a:schemeClr val="accent1"/>
+          </a:fillRef>
+          <a:effectRef idx="2">
+            <a:schemeClr val="accent1"/>
+          </a:effectRef>
+          <a:fontRef idx="minor">
+            <a:schemeClr val="lt1"/>
+          </a:fontRef>
+        </p:style>
+        <p:txBody>
+          <a:bodyPr rtlCol="0" anchor="ctr"/>
+          <a:lstStyle/>
+          <a:p>
+            <a:pPr algn="ctr"/>
+            <a:endParaRPr lang="en-US"/>
+          </a:p>
+        </p:txBody>
+      </p:sp>
+      <p:sp>
+        <p:nvSpPr>
+          <p:cNvPr id="28" name="Can 27"/>
+          <p:cNvSpPr/>
+          <p:nvPr/>
+        </p:nvSpPr>
+        <p:spPr>
+          <a:xfrm>
+            <a:off x="275976" y="4695110"/>
+            <a:ext cx="5129654" cy="1369995"/>
+          </a:xfrm>
+          <a:prstGeom prst="can">
+            <a:avLst/>
+          </a:prstGeom>
+        </p:spPr>
+        <p:style>
+          <a:lnRef idx="1">
+            <a:schemeClr val="accent1"/>
+          </a:lnRef>
+          <a:fillRef idx="3">
+            <a:schemeClr val="accent1"/>
+          </a:fillRef>
+          <a:effectRef idx="2">
+            <a:schemeClr val="accent1"/>
+          </a:effectRef>
+          <a:fontRef idx="minor">
+            <a:schemeClr val="lt1"/>
+          </a:fontRef>
+        </p:style>
+        <p:txBody>
+          <a:bodyPr rtlCol="0" anchor="ctr"/>
+          <a:lstStyle/>
+          <a:p>
+            <a:pPr algn="ctr"/>
+            <a:endParaRPr lang="en-US" dirty="0"/>
+          </a:p>
+        </p:txBody>
+      </p:sp>
+      <p:sp>
+        <p:nvSpPr>
+          <p:cNvPr id="29" name="Rounded Rectangle 28"/>
+          <p:cNvSpPr/>
+          <p:nvPr/>
+        </p:nvSpPr>
+        <p:spPr>
+          <a:xfrm>
+            <a:off x="483057" y="5198626"/>
+            <a:ext cx="1097841" cy="633887"/>
+          </a:xfrm>
+          <a:prstGeom prst="roundRect">
+            <a:avLst/>
+          </a:prstGeom>
+          <a:solidFill>
+            <a:schemeClr val="accent3">
+              <a:lumMod val="75000"/>
+            </a:schemeClr>
+          </a:solidFill>
+        </p:spPr>
+        <p:style>
+          <a:lnRef idx="1">
+            <a:schemeClr val="accent1"/>
+          </a:lnRef>
+          <a:fillRef idx="3">
+            <a:schemeClr val="accent1"/>
+          </a:fillRef>
+          <a:effectRef idx="2">
+            <a:schemeClr val="accent1"/>
+          </a:effectRef>
+          <a:fontRef idx="minor">
+            <a:schemeClr val="lt1"/>
+          </a:fontRef>
+        </p:style>
+        <p:txBody>
+          <a:bodyPr rtlCol="0" anchor="ctr"/>
+          <a:lstStyle/>
+          <a:p>
+            <a:pPr algn="ctr"/>
+            <a:r>
+              <a:rPr lang="en-US" dirty="0" err="1" smtClean="0"/>
+              <a:t>Treino</a:t>
+            </a:r>
+            <a:endParaRPr lang="en-US" dirty="0"/>
+          </a:p>
+        </p:txBody>
+      </p:sp>
+      <p:sp>
+        <p:nvSpPr>
+          <p:cNvPr id="30" name="Rounded Rectangle 29"/>
+          <p:cNvSpPr/>
+          <p:nvPr/>
+        </p:nvSpPr>
+        <p:spPr>
+          <a:xfrm>
+            <a:off x="2117577" y="5198626"/>
+            <a:ext cx="1300398" cy="648000"/>
+          </a:xfrm>
+          <a:prstGeom prst="roundRect">
+            <a:avLst/>
+          </a:prstGeom>
+          <a:solidFill>
+            <a:srgbClr val="77933C"/>
+          </a:solidFill>
+        </p:spPr>
+        <p:style>
+          <a:lnRef idx="1">
+            <a:schemeClr val="accent1"/>
+          </a:lnRef>
+          <a:fillRef idx="3">
+            <a:schemeClr val="accent1"/>
+          </a:fillRef>
+          <a:effectRef idx="2">
+            <a:schemeClr val="accent1"/>
+          </a:effectRef>
+          <a:fontRef idx="minor">
+            <a:schemeClr val="lt1"/>
+          </a:fontRef>
+        </p:style>
+        <p:txBody>
+          <a:bodyPr rtlCol="0" anchor="ctr"/>
+          <a:lstStyle/>
+          <a:p>
+            <a:pPr algn="ctr"/>
+            <a:r>
+              <a:rPr lang="en-US" dirty="0" err="1" smtClean="0"/>
+              <a:t>Calibra</a:t>
+            </a:r>
+            <a:r>
+              <a:rPr lang="en-US" dirty="0" err="1" smtClean="0"/>
+              <a:t>ção</a:t>
+            </a:r>
+            <a:endParaRPr lang="en-US" dirty="0"/>
+          </a:p>
+        </p:txBody>
+      </p:sp>
+      <p:sp>
+        <p:nvSpPr>
+          <p:cNvPr id="31" name="Rounded Rectangle 30"/>
+          <p:cNvSpPr/>
+          <p:nvPr/>
+        </p:nvSpPr>
+        <p:spPr>
+          <a:xfrm>
+            <a:off x="3986340" y="5184513"/>
+            <a:ext cx="1207625" cy="648000"/>
+          </a:xfrm>
+          <a:prstGeom prst="roundRect">
+            <a:avLst/>
+          </a:prstGeom>
+          <a:solidFill>
+            <a:srgbClr val="77933C"/>
+          </a:solidFill>
+        </p:spPr>
+        <p:style>
+          <a:lnRef idx="1">
+            <a:schemeClr val="accent1"/>
+          </a:lnRef>
+          <a:fillRef idx="3">
+            <a:schemeClr val="accent1"/>
+          </a:fillRef>
+          <a:effectRef idx="2">
+            <a:schemeClr val="accent1"/>
+          </a:effectRef>
+          <a:fontRef idx="minor">
+            <a:schemeClr val="lt1"/>
+          </a:fontRef>
+        </p:style>
+        <p:txBody>
+          <a:bodyPr rtlCol="0" anchor="ctr"/>
+          <a:lstStyle/>
+          <a:p>
+            <a:pPr algn="ctr"/>
+            <a:r>
+              <a:rPr lang="en-US" dirty="0" err="1" smtClean="0"/>
+              <a:t>Teste</a:t>
+            </a:r>
+            <a:endParaRPr lang="en-US" dirty="0"/>
+          </a:p>
+        </p:txBody>
+      </p:sp>
+      <p:sp>
+        <p:nvSpPr>
+          <p:cNvPr id="32" name="TextBox 31"/>
+          <p:cNvSpPr txBox="1"/>
+          <p:nvPr/>
+        </p:nvSpPr>
+        <p:spPr>
+          <a:xfrm>
+            <a:off x="2037844" y="4620549"/>
+            <a:ext cx="1948496" cy="400110"/>
+          </a:xfrm>
+          <a:prstGeom prst="rect">
+            <a:avLst/>
+          </a:prstGeom>
+          <a:noFill/>
+        </p:spPr>
+        <p:txBody>
+          <a:bodyPr wrap="square" rtlCol="0">
+            <a:spAutoFit/>
+          </a:bodyPr>
+          <a:lstStyle/>
+          <a:p>
+            <a:r>
+              <a:rPr lang="en-US" sz="2000" b="1" dirty="0" smtClean="0"/>
+              <a:t>Base de dados 2</a:t>
+            </a:r>
+            <a:endParaRPr lang="en-US" sz="2000" b="1" dirty="0"/>
+          </a:p>
+        </p:txBody>
+      </p:sp>
+      <p:sp>
+        <p:nvSpPr>
+          <p:cNvPr id="33" name="Right Arrow 32"/>
+          <p:cNvSpPr/>
+          <p:nvPr/>
+        </p:nvSpPr>
+        <p:spPr>
+          <a:xfrm>
+            <a:off x="1657632" y="5360908"/>
+            <a:ext cx="380212" cy="298147"/>
+          </a:xfrm>
+          <a:prstGeom prst="rightArrow">
+            <a:avLst/>
+          </a:prstGeom>
+          <a:solidFill>
+            <a:schemeClr val="accent6">
+              <a:lumMod val="75000"/>
+            </a:schemeClr>
+          </a:solidFill>
+        </p:spPr>
+        <p:style>
+          <a:lnRef idx="1">
+            <a:schemeClr val="accent1"/>
+          </a:lnRef>
+          <a:fillRef idx="3">
+            <a:schemeClr val="accent1"/>
+          </a:fillRef>
+          <a:effectRef idx="2">
+            <a:schemeClr val="accent1"/>
+          </a:effectRef>
+          <a:fontRef idx="minor">
+            <a:schemeClr val="lt1"/>
+          </a:fontRef>
+        </p:style>
+        <p:txBody>
+          <a:bodyPr rtlCol="0" anchor="ctr"/>
+          <a:lstStyle/>
+          <a:p>
+            <a:pPr algn="ctr"/>
+            <a:endParaRPr lang="en-US"/>
+          </a:p>
+        </p:txBody>
+      </p:sp>
+      <p:sp>
+        <p:nvSpPr>
+          <p:cNvPr id="34" name="Right Arrow 33"/>
+          <p:cNvSpPr/>
+          <p:nvPr/>
+        </p:nvSpPr>
+        <p:spPr>
+          <a:xfrm rot="17950688">
+            <a:off x="3138523" y="4647175"/>
+            <a:ext cx="1747066" cy="298147"/>
+          </a:xfrm>
+          <a:prstGeom prst="rightArrow">
+            <a:avLst/>
+          </a:prstGeom>
+          <a:solidFill>
+            <a:schemeClr val="accent6">
+              <a:lumMod val="75000"/>
+            </a:schemeClr>
+          </a:solidFill>
+        </p:spPr>
+        <p:style>
+          <a:lnRef idx="1">
+            <a:schemeClr val="accent1"/>
+          </a:lnRef>
+          <a:fillRef idx="3">
+            <a:schemeClr val="accent1"/>
+          </a:fillRef>
+          <a:effectRef idx="2">
+            <a:schemeClr val="accent1"/>
+          </a:effectRef>
+          <a:fontRef idx="minor">
+            <a:schemeClr val="lt1"/>
+          </a:fontRef>
+        </p:style>
+        <p:txBody>
+          <a:bodyPr rtlCol="0" anchor="ctr"/>
+          <a:lstStyle/>
+          <a:p>
+            <a:pPr algn="ctr"/>
+            <a:endParaRPr lang="en-US"/>
+          </a:p>
+        </p:txBody>
+      </p:sp>
+      <p:sp>
+        <p:nvSpPr>
+          <p:cNvPr id="25" name="Right Arrow 24"/>
+          <p:cNvSpPr/>
+          <p:nvPr/>
+        </p:nvSpPr>
+        <p:spPr>
+          <a:xfrm rot="3805625">
+            <a:off x="3081187" y="4149021"/>
+            <a:ext cx="1747066" cy="298147"/>
+          </a:xfrm>
+          <a:prstGeom prst="rightArrow">
+            <a:avLst/>
+          </a:prstGeom>
+          <a:solidFill>
+            <a:schemeClr val="accent6">
+              <a:lumMod val="75000"/>
+            </a:schemeClr>
+          </a:solidFill>
+        </p:spPr>
+        <p:style>
+          <a:lnRef idx="1">
+            <a:schemeClr val="accent1"/>
+          </a:lnRef>
+          <a:fillRef idx="3">
+            <a:schemeClr val="accent1"/>
+          </a:fillRef>
+          <a:effectRef idx="2">
+            <a:schemeClr val="accent1"/>
+          </a:effectRef>
+          <a:fontRef idx="minor">
+            <a:schemeClr val="lt1"/>
+          </a:fontRef>
+        </p:style>
+        <p:txBody>
+          <a:bodyPr rtlCol="0" anchor="ctr"/>
+          <a:lstStyle/>
+          <a:p>
+            <a:pPr algn="ctr"/>
+            <a:endParaRPr lang="en-US"/>
+          </a:p>
+        </p:txBody>
+      </p:sp>
+      <p:sp>
+        <p:nvSpPr>
+          <p:cNvPr id="20" name="TextBox 19"/>
+          <p:cNvSpPr txBox="1"/>
+          <p:nvPr/>
+        </p:nvSpPr>
+        <p:spPr>
+          <a:xfrm>
+            <a:off x="5815792" y="2830465"/>
+            <a:ext cx="2871008" cy="369332"/>
+          </a:xfrm>
+          <a:prstGeom prst="rect">
+            <a:avLst/>
+          </a:prstGeom>
+          <a:noFill/>
+        </p:spPr>
+        <p:txBody>
+          <a:bodyPr wrap="square" rtlCol="0">
+            <a:spAutoFit/>
+          </a:bodyPr>
+          <a:lstStyle/>
+          <a:p>
+            <a:r>
+              <a:rPr lang="en-US" dirty="0" err="1" smtClean="0"/>
+              <a:t>Bla</a:t>
+            </a:r>
+            <a:r>
+              <a:rPr lang="en-US" dirty="0" smtClean="0"/>
+              <a:t> </a:t>
+            </a:r>
+            <a:r>
+              <a:rPr lang="en-US" dirty="0" err="1" smtClean="0"/>
+              <a:t>bla</a:t>
+            </a:r>
+            <a:r>
+              <a:rPr lang="en-US" dirty="0" smtClean="0"/>
+              <a:t> </a:t>
+            </a:r>
+            <a:r>
+              <a:rPr lang="en-US" dirty="0" err="1" smtClean="0"/>
+              <a:t>bla</a:t>
+            </a:r>
+            <a:endParaRPr lang="en-US" dirty="0"/>
+          </a:p>
+        </p:txBody>
+      </p:sp>
     </p:spTree>
     <p:extLst>
       <p:ext uri="{BB962C8B-B14F-4D97-AF65-F5344CB8AC3E}">
-        <p14:creationId xmlns:p14="http://schemas.microsoft.com/office/powerpoint/2010/main" val="2603253481"/>
+        <p14:creationId xmlns:p14="http://schemas.microsoft.com/office/powerpoint/2010/main" val="1811669444"/>
+      </p:ext>
+    </p:extLst>
+  </p:cSld>
+  <p:clrMapOvr>
+    <a:masterClrMapping/>
+  </p:clrMapOvr>
+</p:sld>
+</file>
+
+<file path=ppt/slides/slide31.xml><?xml version="1.0" encoding="utf-8"?>
+<p:sld xmlns:a="http://schemas.openxmlformats.org/drawingml/2006/main" xmlns:r="http://schemas.openxmlformats.org/officeDocument/2006/relationships" xmlns:p="http://schemas.openxmlformats.org/presentationml/2006/main">
+  <p:cSld>
+    <p:spTree>
+      <p:nvGrpSpPr>
+        <p:cNvPr id="1" name=""/>
+        <p:cNvGrpSpPr/>
+        <p:nvPr/>
+      </p:nvGrpSpPr>
+      <p:grpSpPr>
+        <a:xfrm>
+          <a:off x="0" y="0"/>
+          <a:ext cx="0" cy="0"/>
+          <a:chOff x="0" y="0"/>
+          <a:chExt cx="0" cy="0"/>
+        </a:xfrm>
+      </p:grpSpPr>
+      <p:sp>
+        <p:nvSpPr>
+          <p:cNvPr id="2" name="Title 1"/>
+          <p:cNvSpPr>
+            <a:spLocks noGrp="1"/>
+          </p:cNvSpPr>
+          <p:nvPr>
+            <p:ph type="title"/>
+          </p:nvPr>
+        </p:nvSpPr>
+        <p:spPr/>
+        <p:txBody>
+          <a:bodyPr/>
+          <a:lstStyle/>
+          <a:p>
+            <a:r>
+              <a:rPr lang="en-US" dirty="0" err="1" smtClean="0"/>
+              <a:t>Resultados</a:t>
+            </a:r>
+            <a:r>
+              <a:rPr lang="en-US" dirty="0" smtClean="0"/>
+              <a:t> </a:t>
+            </a:r>
+            <a:r>
+              <a:rPr lang="en-US" dirty="0" err="1" smtClean="0"/>
+              <a:t>parciais</a:t>
+            </a:r>
+            <a:endParaRPr lang="en-US" dirty="0"/>
+          </a:p>
+        </p:txBody>
+      </p:sp>
+      <p:sp>
+        <p:nvSpPr>
+          <p:cNvPr id="3" name="Content Placeholder 2"/>
+          <p:cNvSpPr>
+            <a:spLocks noGrp="1"/>
+          </p:cNvSpPr>
+          <p:nvPr>
+            <p:ph idx="1"/>
+          </p:nvPr>
+        </p:nvSpPr>
+        <p:spPr/>
+        <p:txBody>
+          <a:bodyPr/>
+          <a:lstStyle/>
+          <a:p>
+            <a:pPr marL="0" indent="0">
+              <a:buNone/>
+            </a:pPr>
+            <a:r>
+              <a:rPr lang="en-US" dirty="0" err="1" smtClean="0"/>
+              <a:t>Contramedidas</a:t>
+            </a:r>
+            <a:r>
+              <a:rPr lang="en-US" dirty="0" smtClean="0"/>
+              <a:t> </a:t>
+            </a:r>
+            <a:r>
+              <a:rPr lang="en-US" dirty="0" err="1" smtClean="0"/>
+              <a:t>avaliadas</a:t>
+            </a:r>
+            <a:endParaRPr lang="en-US" dirty="0" smtClean="0"/>
+          </a:p>
+          <a:p>
+            <a:r>
+              <a:rPr lang="en-US" dirty="0" err="1" smtClean="0"/>
+              <a:t>Correla</a:t>
+            </a:r>
+            <a:r>
+              <a:rPr lang="en-US" dirty="0" err="1" smtClean="0"/>
+              <a:t>ção</a:t>
+            </a:r>
+            <a:r>
+              <a:rPr lang="en-US" dirty="0" smtClean="0"/>
+              <a:t> de </a:t>
+            </a:r>
+            <a:r>
+              <a:rPr lang="en-US" dirty="0" err="1" smtClean="0"/>
+              <a:t>movimento</a:t>
+            </a:r>
+            <a:endParaRPr lang="en-US" dirty="0" smtClean="0"/>
+          </a:p>
+          <a:p>
+            <a:endParaRPr lang="en-US" dirty="0" smtClean="0"/>
+          </a:p>
+          <a:p>
+            <a:r>
+              <a:rPr lang="en-US" dirty="0" err="1" smtClean="0"/>
+              <a:t>Texturas</a:t>
+            </a:r>
+            <a:r>
+              <a:rPr lang="en-US" dirty="0" smtClean="0"/>
+              <a:t> com Local Binary Pattern (LBP)</a:t>
+            </a:r>
+          </a:p>
+          <a:p>
+            <a:endParaRPr lang="en-US" dirty="0" smtClean="0"/>
+          </a:p>
+          <a:p>
+            <a:r>
+              <a:rPr lang="en-US" dirty="0" err="1" smtClean="0"/>
+              <a:t>Texturas</a:t>
+            </a:r>
+            <a:r>
+              <a:rPr lang="en-US" dirty="0" smtClean="0"/>
+              <a:t> com Local Binary Pattern from Three Orthogonal Plane (LBP-TOP)</a:t>
+            </a:r>
+            <a:endParaRPr lang="en-US" dirty="0"/>
+          </a:p>
+        </p:txBody>
+      </p:sp>
+    </p:spTree>
+    <p:extLst>
+      <p:ext uri="{BB962C8B-B14F-4D97-AF65-F5344CB8AC3E}">
+        <p14:creationId xmlns:p14="http://schemas.microsoft.com/office/powerpoint/2010/main" val="3888849979"/>
+      </p:ext>
+    </p:extLst>
+  </p:cSld>
+  <p:clrMapOvr>
+    <a:masterClrMapping/>
+  </p:clrMapOvr>
+</p:sld>
+</file>
+
+<file path=ppt/slides/slide32.xml><?xml version="1.0" encoding="utf-8"?>
+<p:sld xmlns:a="http://schemas.openxmlformats.org/drawingml/2006/main" xmlns:r="http://schemas.openxmlformats.org/officeDocument/2006/relationships" xmlns:p="http://schemas.openxmlformats.org/presentationml/2006/main">
+  <p:cSld>
+    <p:spTree>
+      <p:nvGrpSpPr>
+        <p:cNvPr id="1" name=""/>
+        <p:cNvGrpSpPr/>
+        <p:nvPr/>
+      </p:nvGrpSpPr>
+      <p:grpSpPr>
+        <a:xfrm>
+          <a:off x="0" y="0"/>
+          <a:ext cx="0" cy="0"/>
+          <a:chOff x="0" y="0"/>
+          <a:chExt cx="0" cy="0"/>
+        </a:xfrm>
+      </p:grpSpPr>
+      <p:sp>
+        <p:nvSpPr>
+          <p:cNvPr id="2" name="Title 1"/>
+          <p:cNvSpPr>
+            <a:spLocks noGrp="1"/>
+          </p:cNvSpPr>
+          <p:nvPr>
+            <p:ph type="title"/>
+          </p:nvPr>
+        </p:nvSpPr>
+        <p:spPr/>
+        <p:txBody>
+          <a:bodyPr/>
+          <a:lstStyle/>
+          <a:p>
+            <a:r>
+              <a:rPr lang="en-US" dirty="0" err="1" smtClean="0"/>
+              <a:t>Resultados</a:t>
+            </a:r>
+            <a:r>
+              <a:rPr lang="en-US" dirty="0" smtClean="0"/>
+              <a:t> </a:t>
+            </a:r>
+            <a:r>
+              <a:rPr lang="en-US" dirty="0" err="1" smtClean="0"/>
+              <a:t>parciais</a:t>
+            </a:r>
+            <a:endParaRPr lang="en-US" dirty="0"/>
+          </a:p>
+        </p:txBody>
+      </p:sp>
+      <p:sp>
+        <p:nvSpPr>
+          <p:cNvPr id="3" name="Content Placeholder 2"/>
+          <p:cNvSpPr>
+            <a:spLocks noGrp="1"/>
+          </p:cNvSpPr>
+          <p:nvPr>
+            <p:ph idx="1"/>
+          </p:nvPr>
+        </p:nvSpPr>
+        <p:spPr/>
+        <p:txBody>
+          <a:bodyPr/>
+          <a:lstStyle/>
+          <a:p>
+            <a:pPr marL="0" indent="0">
+              <a:buNone/>
+            </a:pPr>
+            <a:r>
+              <a:rPr lang="en-US" dirty="0" err="1" smtClean="0"/>
+              <a:t>Correla</a:t>
+            </a:r>
+            <a:r>
+              <a:rPr lang="en-US" dirty="0" err="1" smtClean="0"/>
+              <a:t>ção</a:t>
+            </a:r>
+            <a:r>
+              <a:rPr lang="en-US" dirty="0" smtClean="0"/>
+              <a:t> de </a:t>
+            </a:r>
+            <a:r>
+              <a:rPr lang="en-US" dirty="0" err="1" smtClean="0"/>
+              <a:t>movimento</a:t>
+            </a:r>
+            <a:endParaRPr lang="en-US" dirty="0" smtClean="0"/>
+          </a:p>
+          <a:p>
+            <a:pPr marL="0" indent="0">
+              <a:buNone/>
+            </a:pPr>
+            <a:endParaRPr lang="en-US" dirty="0"/>
+          </a:p>
+        </p:txBody>
+      </p:sp>
+    </p:spTree>
+    <p:extLst>
+      <p:ext uri="{BB962C8B-B14F-4D97-AF65-F5344CB8AC3E}">
+        <p14:creationId xmlns:p14="http://schemas.microsoft.com/office/powerpoint/2010/main" val="793847295"/>
       </p:ext>
     </p:extLst>
   </p:cSld>

--- a/qualification/presentation/Presentation.pptx
+++ b/qualification/presentation/Presentation.pptx
@@ -37,6 +37,11 @@
     <p:sldId id="287" r:id="rId31"/>
     <p:sldId id="288" r:id="rId32"/>
     <p:sldId id="289" r:id="rId33"/>
+    <p:sldId id="290" r:id="rId34"/>
+    <p:sldId id="291" r:id="rId35"/>
+    <p:sldId id="293" r:id="rId36"/>
+    <p:sldId id="294" r:id="rId37"/>
+    <p:sldId id="295" r:id="rId38"/>
   </p:sldIdLst>
   <p:sldSz cx="9144000" cy="6858000" type="screen4x3"/>
   <p:notesSz cx="7010400" cy="9296400"/>
@@ -3202,11 +3207,7 @@
             </a:r>
             <a:r>
               <a:rPr lang="en-US" sz="4400" dirty="0" err="1" smtClean="0"/>
-              <a:t>Detec</a:t>
-            </a:r>
-            <a:r>
-              <a:rPr lang="en-US" sz="4400" dirty="0" err="1" smtClean="0"/>
-              <a:t>ção</a:t>
+              <a:t>Detecção</a:t>
             </a:r>
             <a:r>
               <a:rPr lang="en-US" sz="4400" dirty="0" smtClean="0"/>
@@ -3261,8 +3262,34 @@
           <a:lstStyle/>
           <a:p>
             <a:r>
-              <a:rPr lang="en-US" dirty="0" smtClean="0"/>
-              <a:t>Tiago de Freitas Pereira</a:t>
+              <a:rPr lang="en-US" dirty="0" err="1" smtClean="0"/>
+              <a:t>Aluno</a:t>
+            </a:r>
+            <a:r>
+              <a:rPr lang="en-US" dirty="0" smtClean="0"/>
+              <a:t>: Tiago </a:t>
+            </a:r>
+            <a:r>
+              <a:rPr lang="en-US" dirty="0" smtClean="0"/>
+              <a:t>de Freitas </a:t>
+            </a:r>
+            <a:r>
+              <a:rPr lang="en-US" dirty="0" smtClean="0"/>
+              <a:t>Pereira</a:t>
+            </a:r>
+          </a:p>
+          <a:p>
+            <a:r>
+              <a:rPr lang="en-US" dirty="0" err="1" smtClean="0"/>
+              <a:t>Orientador</a:t>
+            </a:r>
+            <a:r>
+              <a:rPr lang="en-US" dirty="0" smtClean="0"/>
+              <a:t>: Jos</a:t>
+            </a:r>
+            <a:r>
+              <a:rPr lang="en-US" dirty="0" smtClean="0"/>
+              <a:t>é Mario De Martino</a:t>
             </a:r>
             <a:endParaRPr lang="en-US" dirty="0"/>
           </a:p>
@@ -3361,11 +3388,7 @@
             </a:r>
             <a:r>
               <a:rPr lang="en-US" dirty="0" err="1" smtClean="0"/>
-              <a:t>b</a:t>
-            </a:r>
-            <a:r>
-              <a:rPr lang="en-US" dirty="0" err="1" smtClean="0"/>
-              <a:t>ásico</a:t>
+              <a:t>básico</a:t>
             </a:r>
             <a:r>
               <a:rPr lang="en-US" dirty="0" smtClean="0"/>
@@ -3991,11 +4014,7 @@
             </a:r>
             <a:r>
               <a:rPr lang="en-US" dirty="0" err="1" smtClean="0"/>
-              <a:t>b</a:t>
-            </a:r>
-            <a:r>
-              <a:rPr lang="en-US" dirty="0" err="1" smtClean="0"/>
-              <a:t>ásico</a:t>
+              <a:t>básico</a:t>
             </a:r>
             <a:r>
               <a:rPr lang="en-US" dirty="0" smtClean="0"/>
@@ -5042,11 +5061,7 @@
             </a:r>
             <a:r>
               <a:rPr lang="en-US" dirty="0" err="1" smtClean="0"/>
-              <a:t>b</a:t>
-            </a:r>
-            <a:r>
-              <a:rPr lang="en-US" dirty="0" err="1" smtClean="0"/>
-              <a:t>ásico</a:t>
+              <a:t>básico</a:t>
             </a:r>
             <a:r>
               <a:rPr lang="en-US" dirty="0" smtClean="0"/>
@@ -6243,11 +6258,7 @@
             </a:r>
             <a:r>
               <a:rPr lang="en-US" dirty="0" err="1" smtClean="0"/>
-              <a:t>b</a:t>
-            </a:r>
-            <a:r>
-              <a:rPr lang="en-US" dirty="0" err="1" smtClean="0"/>
-              <a:t>ásico</a:t>
+              <a:t>básico</a:t>
             </a:r>
             <a:r>
               <a:rPr lang="en-US" dirty="0" smtClean="0"/>
@@ -7525,19 +7536,11 @@
             </a:r>
             <a:r>
               <a:rPr lang="en-US" dirty="0" err="1" smtClean="0"/>
-              <a:t>autentica</a:t>
-            </a:r>
-            <a:r>
-              <a:rPr lang="en-US" dirty="0" err="1" smtClean="0"/>
-              <a:t>ção</a:t>
-            </a:r>
-            <a:r>
-              <a:rPr lang="en-US" dirty="0" smtClean="0"/>
-              <a:t> </a:t>
-            </a:r>
-            <a:r>
-              <a:rPr lang="en-US" dirty="0" smtClean="0"/>
-              <a:t>de face</a:t>
+              <a:t>autenticação</a:t>
+            </a:r>
+            <a:r>
+              <a:rPr lang="en-US" dirty="0" smtClean="0"/>
+              <a:t> de face</a:t>
             </a:r>
             <a:endParaRPr lang="en-US" dirty="0"/>
           </a:p>
@@ -7943,11 +7946,7 @@
             </a:r>
             <a:r>
               <a:rPr lang="en-US" dirty="0" err="1" smtClean="0"/>
-              <a:t>autentica</a:t>
-            </a:r>
-            <a:r>
-              <a:rPr lang="en-US" dirty="0" err="1" smtClean="0"/>
-              <a:t>ção</a:t>
+              <a:t>autenticação</a:t>
             </a:r>
             <a:r>
               <a:rPr lang="en-US" dirty="0" smtClean="0"/>
@@ -8537,11 +8536,7 @@
             </a:r>
             <a:r>
               <a:rPr lang="en-US" sz="2000" dirty="0" smtClean="0"/>
-              <a:t> </a:t>
-            </a:r>
-            <a:r>
-              <a:rPr lang="en-US" sz="2000" dirty="0" smtClean="0"/>
-              <a:t>a </a:t>
+              <a:t> a </a:t>
             </a:r>
             <a:r>
               <a:rPr lang="en-US" sz="2000" dirty="0" err="1" smtClean="0"/>
@@ -9270,6 +9265,10 @@
             </a:r>
             <a:r>
               <a:rPr lang="en-US" dirty="0" smtClean="0"/>
+              <a:t>:</a:t>
+            </a:r>
+            <a:r>
+              <a:rPr lang="en-US" dirty="0" smtClean="0"/>
               <a:t/>
             </a:r>
             <a:br>
@@ -9280,11 +9279,7 @@
           <a:p>
             <a:r>
               <a:rPr lang="en-US" dirty="0" err="1" smtClean="0"/>
-              <a:t>Depend</a:t>
-            </a:r>
-            <a:r>
-              <a:rPr lang="en-US" dirty="0" err="1" smtClean="0"/>
-              <a:t>ência</a:t>
+              <a:t>Dependência</a:t>
             </a:r>
             <a:r>
               <a:rPr lang="en-US" dirty="0" smtClean="0"/>
@@ -9474,11 +9469,7 @@
           <a:p>
             <a:r>
               <a:rPr lang="en-US" dirty="0" err="1" smtClean="0"/>
-              <a:t>Depend</a:t>
-            </a:r>
-            <a:r>
-              <a:rPr lang="en-US" dirty="0" err="1" smtClean="0"/>
-              <a:t>ência</a:t>
+              <a:t>Dependência</a:t>
             </a:r>
             <a:r>
               <a:rPr lang="en-US" dirty="0" smtClean="0"/>
@@ -9604,11 +9595,7 @@
           <a:p>
             <a:r>
               <a:rPr lang="en-US" dirty="0" err="1" smtClean="0"/>
-              <a:t>Sum</a:t>
-            </a:r>
-            <a:r>
-              <a:rPr lang="en-US" dirty="0" err="1" smtClean="0"/>
-              <a:t>ário</a:t>
+              <a:t>Sumário</a:t>
             </a:r>
             <a:endParaRPr lang="en-US" dirty="0"/>
           </a:p>
@@ -9745,11 +9732,7 @@
             </a:r>
             <a:r>
               <a:rPr lang="en-US" dirty="0" err="1" smtClean="0"/>
-              <a:t>n</a:t>
-            </a:r>
-            <a:r>
-              <a:rPr lang="en-US" dirty="0" err="1" smtClean="0"/>
-              <a:t>ão</a:t>
+              <a:t>não</a:t>
             </a:r>
             <a:r>
               <a:rPr lang="en-US" dirty="0" smtClean="0"/>
@@ -10029,11 +10012,7 @@
             </a:pPr>
             <a:r>
               <a:rPr lang="en-US" b="1" dirty="0" err="1" smtClean="0"/>
-              <a:t>Presen</a:t>
-            </a:r>
-            <a:r>
-              <a:rPr lang="en-US" b="1" dirty="0" err="1" smtClean="0"/>
-              <a:t>ça</a:t>
+              <a:t>Presença</a:t>
             </a:r>
             <a:r>
               <a:rPr lang="en-US" b="1" dirty="0" smtClean="0"/>
@@ -10237,11 +10216,7 @@
             </a:pPr>
             <a:r>
               <a:rPr lang="en-US" b="1" dirty="0" err="1" smtClean="0"/>
-              <a:t>Caracter</a:t>
-            </a:r>
-            <a:r>
-              <a:rPr lang="en-US" b="1" dirty="0" err="1" smtClean="0"/>
-              <a:t>ísticas</a:t>
+              <a:t>Características</a:t>
             </a:r>
             <a:r>
               <a:rPr lang="en-US" b="1" dirty="0" smtClean="0"/>
@@ -10871,11 +10846,7 @@
             </a:r>
             <a:r>
               <a:rPr lang="en-US" dirty="0" err="1" smtClean="0"/>
-              <a:t>Compara</a:t>
-            </a:r>
-            <a:r>
-              <a:rPr lang="en-US" dirty="0" err="1" smtClean="0"/>
-              <a:t>ção</a:t>
+              <a:t>Comparação</a:t>
             </a:r>
             <a:endParaRPr lang="en-US" dirty="0"/>
           </a:p>
@@ -10920,10 +10891,20 @@
             </a:r>
           </a:p>
           <a:p>
-            <a:r>
-              <a:rPr lang="en-US" dirty="0" smtClean="0"/>
-              <a:t>FAR 100</a:t>
-            </a:r>
+            <a:endParaRPr lang="en-US" dirty="0" smtClean="0"/>
+          </a:p>
+          <a:p>
+            <a:r>
+              <a:rPr lang="en-US" dirty="0" smtClean="0"/>
+              <a:t>FAR </a:t>
+            </a:r>
+            <a:r>
+              <a:rPr lang="en-US" dirty="0" smtClean="0"/>
+              <a:t>100</a:t>
+            </a:r>
+          </a:p>
+          <a:p>
+            <a:endParaRPr lang="en-US" dirty="0" smtClean="0"/>
           </a:p>
           <a:p>
             <a:r>
@@ -10988,11 +10969,7 @@
             </a:r>
             <a:r>
               <a:rPr lang="en-US" dirty="0" err="1" smtClean="0"/>
-              <a:t>Compara</a:t>
-            </a:r>
-            <a:r>
-              <a:rPr lang="en-US" dirty="0" err="1" smtClean="0"/>
-              <a:t>ção</a:t>
+              <a:t>Comparação</a:t>
             </a:r>
             <a:endParaRPr lang="en-US" dirty="0"/>
           </a:p>
@@ -11026,11 +11003,7 @@
             </a:r>
             <a:r>
               <a:rPr lang="en-US" dirty="0" err="1" smtClean="0"/>
-              <a:t>Avalia</a:t>
-            </a:r>
-            <a:r>
-              <a:rPr lang="en-US" dirty="0" err="1" smtClean="0"/>
-              <a:t>ção</a:t>
+              <a:t>Avaliação</a:t>
             </a:r>
             <a:endParaRPr lang="en-US" dirty="0" smtClean="0"/>
           </a:p>
@@ -11055,11 +11028,7 @@
             </a:r>
             <a:r>
               <a:rPr lang="en-US" dirty="0" err="1" smtClean="0"/>
-              <a:t>valia</a:t>
-            </a:r>
-            <a:r>
-              <a:rPr lang="en-US" dirty="0" err="1" smtClean="0"/>
-              <a:t>ção</a:t>
+              <a:t>valiação</a:t>
             </a:r>
             <a:r>
               <a:rPr lang="en-US" dirty="0" smtClean="0"/>
@@ -11328,11 +11297,7 @@
               <a:pPr algn="ctr"/>
               <a:r>
                 <a:rPr lang="en-US" dirty="0" err="1" smtClean="0"/>
-                <a:t>Calibra</a:t>
-              </a:r>
-              <a:r>
-                <a:rPr lang="en-US" dirty="0" err="1" smtClean="0"/>
-                <a:t>ção</a:t>
+                <a:t>Calibração</a:t>
               </a:r>
               <a:endParaRPr lang="en-US" dirty="0"/>
             </a:p>
@@ -11638,11 +11603,7 @@
               <a:pPr algn="ctr"/>
               <a:r>
                 <a:rPr lang="en-US" dirty="0" err="1" smtClean="0"/>
-                <a:t>Calibra</a:t>
-              </a:r>
-              <a:r>
-                <a:rPr lang="en-US" dirty="0" err="1" smtClean="0"/>
-                <a:t>ção</a:t>
+                <a:t>Calibração</a:t>
               </a:r>
               <a:endParaRPr lang="en-US" dirty="0"/>
             </a:p>
@@ -11818,8 +11779,8 @@
         </p:nvSpPr>
         <p:spPr>
           <a:xfrm>
-            <a:off x="5815792" y="2830465"/>
-            <a:ext cx="2871008" cy="369332"/>
+            <a:off x="5600922" y="2830465"/>
+            <a:ext cx="3473920" cy="1631216"/>
           </a:xfrm>
           <a:prstGeom prst="rect">
             <a:avLst/>
@@ -11833,26 +11794,74 @@
           <a:lstStyle/>
           <a:p>
             <a:r>
-              <a:rPr lang="en-US" dirty="0" err="1" smtClean="0"/>
-              <a:t>Bla</a:t>
-            </a:r>
-            <a:r>
-              <a:rPr lang="en-US" dirty="0" smtClean="0"/>
+              <a:rPr lang="en-US" sz="2000" dirty="0" err="1" smtClean="0"/>
+              <a:t>Avaliar</a:t>
+            </a:r>
+            <a:r>
+              <a:rPr lang="en-US" sz="2000" dirty="0" err="1" smtClean="0"/>
+              <a:t>á</a:t>
+            </a:r>
+            <a:r>
+              <a:rPr lang="en-US" sz="2000" dirty="0" smtClean="0"/>
+              <a:t> a performance das </a:t>
+            </a:r>
+            <a:r>
+              <a:rPr lang="en-US" sz="2000" dirty="0" err="1" smtClean="0"/>
+              <a:t>contramedidas</a:t>
+            </a:r>
+            <a:r>
+              <a:rPr lang="en-US" sz="2000" dirty="0" smtClean="0"/>
               <a:t> </a:t>
             </a:r>
             <a:r>
-              <a:rPr lang="en-US" dirty="0" err="1" smtClean="0"/>
-              <a:t>bla</a:t>
-            </a:r>
-            <a:r>
-              <a:rPr lang="en-US" dirty="0" smtClean="0"/>
+              <a:rPr lang="en-US" sz="2000" dirty="0" err="1" smtClean="0"/>
+              <a:t>em</a:t>
+            </a:r>
+            <a:r>
+              <a:rPr lang="en-US" sz="2000" dirty="0" smtClean="0"/>
               <a:t> </a:t>
             </a:r>
             <a:r>
-              <a:rPr lang="en-US" dirty="0" err="1" smtClean="0"/>
-              <a:t>bla</a:t>
-            </a:r>
-            <a:endParaRPr lang="en-US" dirty="0"/>
+              <a:rPr lang="en-US" sz="2000" dirty="0" err="1" smtClean="0"/>
+              <a:t>termos</a:t>
+            </a:r>
+            <a:r>
+              <a:rPr lang="en-US" sz="2000" dirty="0" smtClean="0"/>
+              <a:t> de </a:t>
+            </a:r>
+            <a:r>
+              <a:rPr lang="en-US" sz="2000" dirty="0" err="1" smtClean="0"/>
+              <a:t>detecção</a:t>
+            </a:r>
+            <a:r>
+              <a:rPr lang="en-US" sz="2000" dirty="0" smtClean="0"/>
+              <a:t> de </a:t>
+            </a:r>
+            <a:r>
+              <a:rPr lang="en-US" sz="2000" dirty="0" err="1" smtClean="0"/>
+              <a:t>ataques</a:t>
+            </a:r>
+            <a:r>
+              <a:rPr lang="en-US" sz="2000" dirty="0" smtClean="0"/>
+              <a:t> </a:t>
+            </a:r>
+            <a:r>
+              <a:rPr lang="en-US" sz="2000" dirty="0" err="1" smtClean="0"/>
+              <a:t>em</a:t>
+            </a:r>
+            <a:r>
+              <a:rPr lang="en-US" sz="2000" dirty="0" smtClean="0"/>
+              <a:t> </a:t>
+            </a:r>
+            <a:r>
+              <a:rPr lang="en-US" sz="2000" dirty="0" err="1" smtClean="0"/>
+              <a:t>cada</a:t>
+            </a:r>
+            <a:r>
+              <a:rPr lang="en-US" sz="2000" dirty="0" smtClean="0"/>
+              <a:t> base de dados</a:t>
+            </a:r>
+            <a:endParaRPr lang="en-US" sz="2000" dirty="0"/>
           </a:p>
         </p:txBody>
       </p:sp>
@@ -11903,7 +11912,11 @@
           <a:p>
             <a:r>
               <a:rPr lang="en-US" dirty="0" err="1" smtClean="0"/>
-              <a:t>Objetivos</a:t>
+              <a:t>Contribui</a:t>
+            </a:r>
+            <a:r>
+              <a:rPr lang="en-US" dirty="0" err="1" smtClean="0"/>
+              <a:t>ções</a:t>
             </a:r>
             <a:endParaRPr lang="en-US" dirty="0"/>
           </a:p>
@@ -11924,6 +11937,91 @@
           <a:bodyPr/>
           <a:lstStyle/>
           <a:p>
+            <a:r>
+              <a:rPr lang="en-US" dirty="0" err="1" smtClean="0"/>
+              <a:t>Proposta</a:t>
+            </a:r>
+            <a:r>
+              <a:rPr lang="en-US" dirty="0" smtClean="0"/>
+              <a:t> e </a:t>
+            </a:r>
+            <a:r>
+              <a:rPr lang="en-US" dirty="0" err="1" smtClean="0"/>
+              <a:t>desenvolvimento</a:t>
+            </a:r>
+            <a:r>
+              <a:rPr lang="en-US" dirty="0" smtClean="0"/>
+              <a:t> de </a:t>
+            </a:r>
+            <a:r>
+              <a:rPr lang="en-US" dirty="0" err="1" smtClean="0"/>
+              <a:t>contramedidas</a:t>
+            </a:r>
+            <a:r>
+              <a:rPr lang="en-US" dirty="0" smtClean="0"/>
+              <a:t> </a:t>
+            </a:r>
+            <a:r>
+              <a:rPr lang="en-US" dirty="0" err="1" smtClean="0"/>
+              <a:t>para</a:t>
+            </a:r>
+            <a:r>
+              <a:rPr lang="en-US" dirty="0" smtClean="0"/>
+              <a:t> </a:t>
+            </a:r>
+            <a:r>
+              <a:rPr lang="en-US" dirty="0" err="1" smtClean="0"/>
+              <a:t>detec</a:t>
+            </a:r>
+            <a:r>
+              <a:rPr lang="en-US" dirty="0" err="1" smtClean="0"/>
+              <a:t>ção</a:t>
+            </a:r>
+            <a:r>
+              <a:rPr lang="en-US" dirty="0" smtClean="0"/>
+              <a:t> de </a:t>
+            </a:r>
+            <a:r>
+              <a:rPr lang="en-US" dirty="0" err="1" smtClean="0"/>
+              <a:t>ataques</a:t>
+            </a:r>
+            <a:r>
+              <a:rPr lang="en-US" dirty="0" smtClean="0"/>
+              <a:t> de spoofing</a:t>
+            </a:r>
+          </a:p>
+          <a:p>
+            <a:endParaRPr lang="en-US" dirty="0" smtClean="0"/>
+          </a:p>
+          <a:p>
+            <a:r>
+              <a:rPr lang="en-US" dirty="0" err="1" smtClean="0"/>
+              <a:t>Desenvolvimento</a:t>
+            </a:r>
+            <a:r>
+              <a:rPr lang="en-US" dirty="0" smtClean="0"/>
+              <a:t> de </a:t>
+            </a:r>
+            <a:r>
+              <a:rPr lang="en-US" dirty="0" err="1" smtClean="0"/>
+              <a:t>protocolos</a:t>
+            </a:r>
+            <a:r>
+              <a:rPr lang="en-US" dirty="0" smtClean="0"/>
+              <a:t> de </a:t>
+            </a:r>
+            <a:r>
+              <a:rPr lang="en-US" dirty="0" err="1" smtClean="0"/>
+              <a:t>avaliação</a:t>
+            </a:r>
+            <a:r>
+              <a:rPr lang="en-US" dirty="0" smtClean="0"/>
+              <a:t> de </a:t>
+            </a:r>
+            <a:r>
+              <a:rPr lang="en-US" dirty="0" err="1" smtClean="0"/>
+              <a:t>contramedidas</a:t>
+            </a:r>
             <a:endParaRPr lang="en-US" dirty="0"/>
           </a:p>
         </p:txBody>
@@ -12160,11 +12258,7 @@
             <a:pPr algn="ctr"/>
             <a:r>
               <a:rPr lang="en-US" dirty="0" err="1" smtClean="0"/>
-              <a:t>Calibra</a:t>
-            </a:r>
-            <a:r>
-              <a:rPr lang="en-US" dirty="0" err="1" smtClean="0"/>
-              <a:t>ção</a:t>
+              <a:t>Calibração</a:t>
             </a:r>
             <a:endParaRPr lang="en-US" dirty="0"/>
           </a:p>
@@ -12412,11 +12506,7 @@
             <a:pPr algn="ctr"/>
             <a:r>
               <a:rPr lang="en-US" dirty="0" err="1" smtClean="0"/>
-              <a:t>Calibra</a:t>
-            </a:r>
-            <a:r>
-              <a:rPr lang="en-US" dirty="0" err="1" smtClean="0"/>
-              <a:t>ção</a:t>
+              <a:t>Calibração</a:t>
             </a:r>
             <a:endParaRPr lang="en-US" dirty="0"/>
           </a:p>
@@ -12628,14 +12718,14 @@
       </p:sp>
       <p:sp>
         <p:nvSpPr>
-          <p:cNvPr id="20" name="TextBox 19"/>
+          <p:cNvPr id="19" name="TextBox 18"/>
           <p:cNvSpPr txBox="1"/>
           <p:nvPr/>
         </p:nvSpPr>
         <p:spPr>
           <a:xfrm>
-            <a:off x="5815792" y="2830465"/>
-            <a:ext cx="2871008" cy="369332"/>
+            <a:off x="5600922" y="2830465"/>
+            <a:ext cx="3473920" cy="1015663"/>
           </a:xfrm>
           <a:prstGeom prst="rect">
             <a:avLst/>
@@ -12649,26 +12739,62 @@
           <a:lstStyle/>
           <a:p>
             <a:r>
-              <a:rPr lang="en-US" dirty="0" err="1" smtClean="0"/>
-              <a:t>Bla</a:t>
-            </a:r>
-            <a:r>
-              <a:rPr lang="en-US" dirty="0" smtClean="0"/>
+              <a:rPr lang="en-US" sz="2000" dirty="0" err="1" smtClean="0"/>
+              <a:t>Cria</a:t>
+            </a:r>
+            <a:r>
+              <a:rPr lang="en-US" sz="2000" dirty="0" err="1" smtClean="0"/>
+              <a:t>ção</a:t>
+            </a:r>
+            <a:r>
+              <a:rPr lang="en-US" sz="2000" dirty="0" smtClean="0"/>
+              <a:t> de um </a:t>
+            </a:r>
+            <a:r>
+              <a:rPr lang="en-US" sz="2000" dirty="0" err="1" smtClean="0"/>
+              <a:t>cenário</a:t>
+            </a:r>
+            <a:r>
+              <a:rPr lang="en-US" sz="2000" dirty="0" smtClean="0"/>
               <a:t> </a:t>
             </a:r>
             <a:r>
-              <a:rPr lang="en-US" dirty="0" err="1" smtClean="0"/>
-              <a:t>bla</a:t>
-            </a:r>
-            <a:r>
-              <a:rPr lang="en-US" dirty="0" smtClean="0"/>
+              <a:rPr lang="en-US" sz="2000" dirty="0" err="1" smtClean="0"/>
+              <a:t>mais</a:t>
+            </a:r>
+            <a:r>
+              <a:rPr lang="en-US" sz="2000" dirty="0" smtClean="0"/>
               <a:t> </a:t>
             </a:r>
             <a:r>
-              <a:rPr lang="en-US" dirty="0" err="1" smtClean="0"/>
-              <a:t>bla</a:t>
-            </a:r>
-            <a:endParaRPr lang="en-US" dirty="0"/>
+              <a:rPr lang="en-US" sz="2000" dirty="0" err="1" smtClean="0"/>
+              <a:t>realístico</a:t>
+            </a:r>
+            <a:r>
+              <a:rPr lang="en-US" sz="2000" dirty="0" smtClean="0"/>
+              <a:t> </a:t>
+            </a:r>
+            <a:r>
+              <a:rPr lang="en-US" sz="2000" dirty="0" err="1" smtClean="0"/>
+              <a:t>para</a:t>
+            </a:r>
+            <a:r>
+              <a:rPr lang="en-US" sz="2000" dirty="0" smtClean="0"/>
+              <a:t> </a:t>
+            </a:r>
+            <a:r>
+              <a:rPr lang="en-US" sz="2000" dirty="0" err="1" smtClean="0"/>
+              <a:t>avaliar</a:t>
+            </a:r>
+            <a:r>
+              <a:rPr lang="en-US" sz="2000" dirty="0" smtClean="0"/>
+              <a:t> a performance de </a:t>
+            </a:r>
+            <a:r>
+              <a:rPr lang="en-US" sz="2000" dirty="0" err="1" smtClean="0"/>
+              <a:t>contramedidas</a:t>
+            </a:r>
+            <a:endParaRPr lang="en-US" sz="2000" dirty="0"/>
           </a:p>
         </p:txBody>
       </p:sp>
@@ -12768,11 +12894,7 @@
           <a:p>
             <a:r>
               <a:rPr lang="en-US" dirty="0" err="1" smtClean="0"/>
-              <a:t>Correla</a:t>
-            </a:r>
-            <a:r>
-              <a:rPr lang="en-US" dirty="0" err="1" smtClean="0"/>
-              <a:t>ção</a:t>
+              <a:t>Correlação</a:t>
             </a:r>
             <a:r>
               <a:rPr lang="en-US" dirty="0" smtClean="0"/>
@@ -12894,7 +13016,46 @@
             </a:pPr>
             <a:r>
               <a:rPr lang="en-US" dirty="0" err="1" smtClean="0"/>
-              <a:t>Correla</a:t>
+              <a:t>Correlação</a:t>
+            </a:r>
+            <a:r>
+              <a:rPr lang="en-US" dirty="0" smtClean="0"/>
+              <a:t> de </a:t>
+            </a:r>
+            <a:r>
+              <a:rPr lang="en-US" dirty="0" err="1" smtClean="0"/>
+              <a:t>movimento</a:t>
+            </a:r>
+            <a:r>
+              <a:rPr lang="en-US" dirty="0" smtClean="0"/>
+              <a:t> (</a:t>
+            </a:r>
+            <a:r>
+              <a:rPr lang="en-US" dirty="0" err="1" smtClean="0"/>
+              <a:t>Anjos</a:t>
+            </a:r>
+            <a:r>
+              <a:rPr lang="en-US" dirty="0" smtClean="0"/>
+              <a:t> &amp; Marcel 2011)</a:t>
+            </a:r>
+          </a:p>
+          <a:p>
+            <a:pPr marL="0" indent="0">
+              <a:buNone/>
+            </a:pPr>
+            <a:endParaRPr lang="en-US" dirty="0" smtClean="0"/>
+          </a:p>
+          <a:p>
+            <a:pPr marL="0" indent="0">
+              <a:buNone/>
+            </a:pPr>
+            <a:r>
+              <a:rPr lang="en-US" dirty="0" smtClean="0"/>
+              <a:t>Mede a </a:t>
+            </a:r>
+            <a:r>
+              <a:rPr lang="en-US" dirty="0" err="1" smtClean="0"/>
+              <a:t>correla</a:t>
             </a:r>
             <a:r>
               <a:rPr lang="en-US" dirty="0" err="1" smtClean="0"/>
@@ -12902,12 +13063,34 @@
             </a:r>
             <a:r>
               <a:rPr lang="en-US" dirty="0" smtClean="0"/>
-              <a:t> de </a:t>
-            </a:r>
-            <a:r>
-              <a:rPr lang="en-US" dirty="0" err="1" smtClean="0"/>
-              <a:t>movimento</a:t>
-            </a:r>
+              <a:t> da </a:t>
+            </a:r>
+            <a:r>
+              <a:rPr lang="en-US" dirty="0" err="1" smtClean="0"/>
+              <a:t>região</a:t>
+            </a:r>
+            <a:r>
+              <a:rPr lang="en-US" dirty="0" smtClean="0"/>
+              <a:t> facial com o </a:t>
+            </a:r>
+            <a:r>
+              <a:rPr lang="en-US" dirty="0" err="1" smtClean="0"/>
+              <a:t>seu</a:t>
+            </a:r>
+            <a:r>
+              <a:rPr lang="en-US" dirty="0" smtClean="0"/>
+              <a:t> </a:t>
+            </a:r>
+            <a:r>
+              <a:rPr lang="en-US" dirty="0" err="1" smtClean="0"/>
+              <a:t>fundo</a:t>
+            </a:r>
+            <a:endParaRPr lang="en-US" dirty="0"/>
+          </a:p>
+          <a:p>
+            <a:pPr marL="0" indent="0">
+              <a:buNone/>
+            </a:pPr>
             <a:endParaRPr lang="en-US" dirty="0" smtClean="0"/>
           </a:p>
           <a:p>
@@ -12918,10 +13101,2948 @@
           </a:p>
         </p:txBody>
       </p:sp>
+      <p:grpSp>
+        <p:nvGrpSpPr>
+          <p:cNvPr id="6" name="Group 5"/>
+          <p:cNvGrpSpPr/>
+          <p:nvPr/>
+        </p:nvGrpSpPr>
+        <p:grpSpPr>
+          <a:xfrm>
+            <a:off x="4904003" y="4099161"/>
+            <a:ext cx="2744899" cy="2027002"/>
+            <a:chOff x="1094154" y="3628795"/>
+            <a:chExt cx="2744899" cy="2027002"/>
+          </a:xfrm>
+        </p:grpSpPr>
+        <p:pic>
+          <p:nvPicPr>
+            <p:cNvPr id="4" name="Picture 3" descr="Screen Shot 2013-01-11 at 4.35.48 PM.png"/>
+            <p:cNvPicPr>
+              <a:picLocks noChangeAspect="1"/>
+            </p:cNvPicPr>
+            <p:nvPr/>
+          </p:nvPicPr>
+          <p:blipFill>
+            <a:blip r:embed="rId2">
+              <a:extLst>
+                <a:ext uri="{28A0092B-C50C-407E-A947-70E740481C1C}">
+                  <a14:useLocalDpi xmlns:a14="http://schemas.microsoft.com/office/drawing/2010/main" val="0"/>
+                </a:ext>
+              </a:extLst>
+            </a:blip>
+            <a:stretch>
+              <a:fillRect/>
+            </a:stretch>
+          </p:blipFill>
+          <p:spPr>
+            <a:xfrm>
+              <a:off x="1094154" y="3628795"/>
+              <a:ext cx="2744899" cy="2027002"/>
+            </a:xfrm>
+            <a:prstGeom prst="rect">
+              <a:avLst/>
+            </a:prstGeom>
+          </p:spPr>
+        </p:pic>
+        <p:sp>
+          <p:nvSpPr>
+            <p:cNvPr id="5" name="Rectangle 4"/>
+            <p:cNvSpPr/>
+            <p:nvPr/>
+          </p:nvSpPr>
+          <p:spPr>
+            <a:xfrm>
+              <a:off x="2019242" y="4158692"/>
+              <a:ext cx="752695" cy="970767"/>
+            </a:xfrm>
+            <a:prstGeom prst="rect">
+              <a:avLst/>
+            </a:prstGeom>
+            <a:noFill/>
+          </p:spPr>
+          <p:style>
+            <a:lnRef idx="1">
+              <a:schemeClr val="accent1"/>
+            </a:lnRef>
+            <a:fillRef idx="3">
+              <a:schemeClr val="accent1"/>
+            </a:fillRef>
+            <a:effectRef idx="2">
+              <a:schemeClr val="accent1"/>
+            </a:effectRef>
+            <a:fontRef idx="minor">
+              <a:schemeClr val="lt1"/>
+            </a:fontRef>
+          </p:style>
+          <p:txBody>
+            <a:bodyPr rtlCol="0" anchor="ctr"/>
+            <a:lstStyle/>
+            <a:p>
+              <a:pPr algn="ctr"/>
+              <a:endParaRPr lang="en-US"/>
+            </a:p>
+          </p:txBody>
+        </p:sp>
+      </p:grpSp>
+      <p:grpSp>
+        <p:nvGrpSpPr>
+          <p:cNvPr id="10" name="Group 9"/>
+          <p:cNvGrpSpPr/>
+          <p:nvPr/>
+        </p:nvGrpSpPr>
+        <p:grpSpPr>
+          <a:xfrm>
+            <a:off x="5329943" y="4352573"/>
+            <a:ext cx="2744899" cy="2027002"/>
+            <a:chOff x="1094154" y="3628795"/>
+            <a:chExt cx="2744899" cy="2027002"/>
+          </a:xfrm>
+        </p:grpSpPr>
+        <p:pic>
+          <p:nvPicPr>
+            <p:cNvPr id="11" name="Picture 10" descr="Screen Shot 2013-01-11 at 4.35.48 PM.png"/>
+            <p:cNvPicPr>
+              <a:picLocks noChangeAspect="1"/>
+            </p:cNvPicPr>
+            <p:nvPr/>
+          </p:nvPicPr>
+          <p:blipFill>
+            <a:blip r:embed="rId2">
+              <a:extLst>
+                <a:ext uri="{28A0092B-C50C-407E-A947-70E740481C1C}">
+                  <a14:useLocalDpi xmlns:a14="http://schemas.microsoft.com/office/drawing/2010/main" val="0"/>
+                </a:ext>
+              </a:extLst>
+            </a:blip>
+            <a:stretch>
+              <a:fillRect/>
+            </a:stretch>
+          </p:blipFill>
+          <p:spPr>
+            <a:xfrm>
+              <a:off x="1094154" y="3628795"/>
+              <a:ext cx="2744899" cy="2027002"/>
+            </a:xfrm>
+            <a:prstGeom prst="rect">
+              <a:avLst/>
+            </a:prstGeom>
+          </p:spPr>
+        </p:pic>
+        <p:sp>
+          <p:nvSpPr>
+            <p:cNvPr id="12" name="Rectangle 11"/>
+            <p:cNvSpPr/>
+            <p:nvPr/>
+          </p:nvSpPr>
+          <p:spPr>
+            <a:xfrm>
+              <a:off x="2019242" y="4158692"/>
+              <a:ext cx="752695" cy="970767"/>
+            </a:xfrm>
+            <a:prstGeom prst="rect">
+              <a:avLst/>
+            </a:prstGeom>
+            <a:noFill/>
+          </p:spPr>
+          <p:style>
+            <a:lnRef idx="1">
+              <a:schemeClr val="accent1"/>
+            </a:lnRef>
+            <a:fillRef idx="3">
+              <a:schemeClr val="accent1"/>
+            </a:fillRef>
+            <a:effectRef idx="2">
+              <a:schemeClr val="accent1"/>
+            </a:effectRef>
+            <a:fontRef idx="minor">
+              <a:schemeClr val="lt1"/>
+            </a:fontRef>
+          </p:style>
+          <p:txBody>
+            <a:bodyPr rtlCol="0" anchor="ctr"/>
+            <a:lstStyle/>
+            <a:p>
+              <a:pPr algn="ctr"/>
+              <a:endParaRPr lang="en-US"/>
+            </a:p>
+          </p:txBody>
+        </p:sp>
+      </p:grpSp>
+      <p:grpSp>
+        <p:nvGrpSpPr>
+          <p:cNvPr id="13" name="Group 12"/>
+          <p:cNvGrpSpPr/>
+          <p:nvPr/>
+        </p:nvGrpSpPr>
+        <p:grpSpPr>
+          <a:xfrm>
+            <a:off x="5941901" y="4629058"/>
+            <a:ext cx="2744899" cy="2027002"/>
+            <a:chOff x="1094154" y="3628795"/>
+            <a:chExt cx="2744899" cy="2027002"/>
+          </a:xfrm>
+        </p:grpSpPr>
+        <p:pic>
+          <p:nvPicPr>
+            <p:cNvPr id="14" name="Picture 13" descr="Screen Shot 2013-01-11 at 4.35.48 PM.png"/>
+            <p:cNvPicPr>
+              <a:picLocks noChangeAspect="1"/>
+            </p:cNvPicPr>
+            <p:nvPr/>
+          </p:nvPicPr>
+          <p:blipFill>
+            <a:blip r:embed="rId2">
+              <a:extLst>
+                <a:ext uri="{28A0092B-C50C-407E-A947-70E740481C1C}">
+                  <a14:useLocalDpi xmlns:a14="http://schemas.microsoft.com/office/drawing/2010/main" val="0"/>
+                </a:ext>
+              </a:extLst>
+            </a:blip>
+            <a:stretch>
+              <a:fillRect/>
+            </a:stretch>
+          </p:blipFill>
+          <p:spPr>
+            <a:xfrm>
+              <a:off x="1094154" y="3628795"/>
+              <a:ext cx="2744899" cy="2027002"/>
+            </a:xfrm>
+            <a:prstGeom prst="rect">
+              <a:avLst/>
+            </a:prstGeom>
+          </p:spPr>
+        </p:pic>
+        <p:sp>
+          <p:nvSpPr>
+            <p:cNvPr id="15" name="Rectangle 14"/>
+            <p:cNvSpPr/>
+            <p:nvPr/>
+          </p:nvSpPr>
+          <p:spPr>
+            <a:xfrm>
+              <a:off x="2019242" y="4158692"/>
+              <a:ext cx="752695" cy="970767"/>
+            </a:xfrm>
+            <a:prstGeom prst="rect">
+              <a:avLst/>
+            </a:prstGeom>
+            <a:noFill/>
+          </p:spPr>
+          <p:style>
+            <a:lnRef idx="1">
+              <a:schemeClr val="accent1"/>
+            </a:lnRef>
+            <a:fillRef idx="3">
+              <a:schemeClr val="accent1"/>
+            </a:fillRef>
+            <a:effectRef idx="2">
+              <a:schemeClr val="accent1"/>
+            </a:effectRef>
+            <a:fontRef idx="minor">
+              <a:schemeClr val="lt1"/>
+            </a:fontRef>
+          </p:style>
+          <p:txBody>
+            <a:bodyPr rtlCol="0" anchor="ctr"/>
+            <a:lstStyle/>
+            <a:p>
+              <a:pPr algn="ctr"/>
+              <a:endParaRPr lang="en-US"/>
+            </a:p>
+          </p:txBody>
+        </p:sp>
+      </p:grpSp>
     </p:spTree>
     <p:extLst>
       <p:ext uri="{BB962C8B-B14F-4D97-AF65-F5344CB8AC3E}">
         <p14:creationId xmlns:p14="http://schemas.microsoft.com/office/powerpoint/2010/main" val="793847295"/>
+      </p:ext>
+    </p:extLst>
+  </p:cSld>
+  <p:clrMapOvr>
+    <a:masterClrMapping/>
+  </p:clrMapOvr>
+</p:sld>
+</file>
+
+<file path=ppt/slides/slide33.xml><?xml version="1.0" encoding="utf-8"?>
+<p:sld xmlns:a="http://schemas.openxmlformats.org/drawingml/2006/main" xmlns:r="http://schemas.openxmlformats.org/officeDocument/2006/relationships" xmlns:p="http://schemas.openxmlformats.org/presentationml/2006/main">
+  <p:cSld>
+    <p:spTree>
+      <p:nvGrpSpPr>
+        <p:cNvPr id="1" name=""/>
+        <p:cNvGrpSpPr/>
+        <p:nvPr/>
+      </p:nvGrpSpPr>
+      <p:grpSpPr>
+        <a:xfrm>
+          <a:off x="0" y="0"/>
+          <a:ext cx="0" cy="0"/>
+          <a:chOff x="0" y="0"/>
+          <a:chExt cx="0" cy="0"/>
+        </a:xfrm>
+      </p:grpSpPr>
+      <p:sp>
+        <p:nvSpPr>
+          <p:cNvPr id="2" name="Title 1"/>
+          <p:cNvSpPr>
+            <a:spLocks noGrp="1"/>
+          </p:cNvSpPr>
+          <p:nvPr>
+            <p:ph type="title"/>
+          </p:nvPr>
+        </p:nvSpPr>
+        <p:spPr/>
+        <p:txBody>
+          <a:bodyPr/>
+          <a:lstStyle/>
+          <a:p>
+            <a:r>
+              <a:rPr lang="en-US" dirty="0" err="1" smtClean="0"/>
+              <a:t>Resultados</a:t>
+            </a:r>
+            <a:r>
+              <a:rPr lang="en-US" dirty="0" smtClean="0"/>
+              <a:t> </a:t>
+            </a:r>
+            <a:r>
+              <a:rPr lang="en-US" dirty="0" err="1" smtClean="0"/>
+              <a:t>parciais</a:t>
+            </a:r>
+            <a:endParaRPr lang="en-US" dirty="0"/>
+          </a:p>
+        </p:txBody>
+      </p:sp>
+      <p:sp>
+        <p:nvSpPr>
+          <p:cNvPr id="3" name="Content Placeholder 2"/>
+          <p:cNvSpPr>
+            <a:spLocks noGrp="1"/>
+          </p:cNvSpPr>
+          <p:nvPr>
+            <p:ph idx="1"/>
+          </p:nvPr>
+        </p:nvSpPr>
+        <p:spPr/>
+        <p:txBody>
+          <a:bodyPr/>
+          <a:lstStyle/>
+          <a:p>
+            <a:pPr marL="0" indent="0">
+              <a:buNone/>
+            </a:pPr>
+            <a:r>
+              <a:rPr lang="en-US" dirty="0" err="1"/>
+              <a:t>Texturas</a:t>
+            </a:r>
+            <a:r>
+              <a:rPr lang="en-US" dirty="0"/>
+              <a:t> com Local Binary Pattern </a:t>
+            </a:r>
+            <a:r>
+              <a:rPr lang="en-US" dirty="0" smtClean="0"/>
+              <a:t>– LBP (</a:t>
+            </a:r>
+            <a:r>
+              <a:rPr lang="en-US" dirty="0" err="1" smtClean="0"/>
+              <a:t>Chingovska</a:t>
+            </a:r>
+            <a:r>
+              <a:rPr lang="en-US" dirty="0" smtClean="0"/>
+              <a:t> et al. 2012)</a:t>
+            </a:r>
+            <a:endParaRPr lang="en-US" dirty="0"/>
+          </a:p>
+          <a:p>
+            <a:pPr marL="0" indent="0">
+              <a:buNone/>
+            </a:pPr>
+            <a:endParaRPr lang="en-US" dirty="0"/>
+          </a:p>
+        </p:txBody>
+      </p:sp>
+      <p:pic>
+        <p:nvPicPr>
+          <p:cNvPr id="4" name="Picture 3" descr="Screen Shot 2013-01-12 at 11.06.41 AM.png"/>
+          <p:cNvPicPr>
+            <a:picLocks noChangeAspect="1"/>
+          </p:cNvPicPr>
+          <p:nvPr/>
+        </p:nvPicPr>
+        <p:blipFill>
+          <a:blip r:embed="rId2">
+            <a:extLst>
+              <a:ext uri="{28A0092B-C50C-407E-A947-70E740481C1C}">
+                <a14:useLocalDpi xmlns:a14="http://schemas.microsoft.com/office/drawing/2010/main" val="0"/>
+              </a:ext>
+            </a:extLst>
+          </a:blip>
+          <a:stretch>
+            <a:fillRect/>
+          </a:stretch>
+        </p:blipFill>
+        <p:spPr>
+          <a:xfrm>
+            <a:off x="4380812" y="3650073"/>
+            <a:ext cx="1866241" cy="1944000"/>
+          </a:xfrm>
+          <a:prstGeom prst="rect">
+            <a:avLst/>
+          </a:prstGeom>
+        </p:spPr>
+      </p:pic>
+      <p:pic>
+        <p:nvPicPr>
+          <p:cNvPr id="5" name="Picture 4" descr="Screen Shot 2013-01-12 at 11.06.31 AM.png"/>
+          <p:cNvPicPr>
+            <a:picLocks noChangeAspect="1"/>
+          </p:cNvPicPr>
+          <p:nvPr/>
+        </p:nvPicPr>
+        <p:blipFill>
+          <a:blip r:embed="rId3">
+            <a:extLst>
+              <a:ext uri="{28A0092B-C50C-407E-A947-70E740481C1C}">
+                <a14:useLocalDpi xmlns:a14="http://schemas.microsoft.com/office/drawing/2010/main" val="0"/>
+              </a:ext>
+            </a:extLst>
+          </a:blip>
+          <a:stretch>
+            <a:fillRect/>
+          </a:stretch>
+        </p:blipFill>
+        <p:spPr>
+          <a:xfrm>
+            <a:off x="2196522" y="3698525"/>
+            <a:ext cx="1847965" cy="1920435"/>
+          </a:xfrm>
+          <a:prstGeom prst="rect">
+            <a:avLst/>
+          </a:prstGeom>
+        </p:spPr>
+      </p:pic>
+    </p:spTree>
+    <p:extLst>
+      <p:ext uri="{BB962C8B-B14F-4D97-AF65-F5344CB8AC3E}">
+        <p14:creationId xmlns:p14="http://schemas.microsoft.com/office/powerpoint/2010/main" val="3274790820"/>
+      </p:ext>
+    </p:extLst>
+  </p:cSld>
+  <p:clrMapOvr>
+    <a:masterClrMapping/>
+  </p:clrMapOvr>
+</p:sld>
+</file>
+
+<file path=ppt/slides/slide34.xml><?xml version="1.0" encoding="utf-8"?>
+<p:sld xmlns:a="http://schemas.openxmlformats.org/drawingml/2006/main" xmlns:r="http://schemas.openxmlformats.org/officeDocument/2006/relationships" xmlns:p="http://schemas.openxmlformats.org/presentationml/2006/main">
+  <p:cSld>
+    <p:spTree>
+      <p:nvGrpSpPr>
+        <p:cNvPr id="1" name=""/>
+        <p:cNvGrpSpPr/>
+        <p:nvPr/>
+      </p:nvGrpSpPr>
+      <p:grpSpPr>
+        <a:xfrm>
+          <a:off x="0" y="0"/>
+          <a:ext cx="0" cy="0"/>
+          <a:chOff x="0" y="0"/>
+          <a:chExt cx="0" cy="0"/>
+        </a:xfrm>
+      </p:grpSpPr>
+      <p:sp>
+        <p:nvSpPr>
+          <p:cNvPr id="2" name="Title 1"/>
+          <p:cNvSpPr>
+            <a:spLocks noGrp="1"/>
+          </p:cNvSpPr>
+          <p:nvPr>
+            <p:ph type="title"/>
+          </p:nvPr>
+        </p:nvSpPr>
+        <p:spPr/>
+        <p:txBody>
+          <a:bodyPr/>
+          <a:lstStyle/>
+          <a:p>
+            <a:r>
+              <a:rPr lang="en-US" dirty="0" err="1" smtClean="0"/>
+              <a:t>Resultados</a:t>
+            </a:r>
+            <a:r>
+              <a:rPr lang="en-US" dirty="0" smtClean="0"/>
+              <a:t> </a:t>
+            </a:r>
+            <a:r>
+              <a:rPr lang="en-US" dirty="0" err="1" smtClean="0"/>
+              <a:t>parciais</a:t>
+            </a:r>
+            <a:endParaRPr lang="en-US" dirty="0"/>
+          </a:p>
+        </p:txBody>
+      </p:sp>
+      <p:sp>
+        <p:nvSpPr>
+          <p:cNvPr id="3" name="Content Placeholder 2"/>
+          <p:cNvSpPr>
+            <a:spLocks noGrp="1"/>
+          </p:cNvSpPr>
+          <p:nvPr>
+            <p:ph idx="1"/>
+          </p:nvPr>
+        </p:nvSpPr>
+        <p:spPr/>
+        <p:txBody>
+          <a:bodyPr/>
+          <a:lstStyle/>
+          <a:p>
+            <a:pPr marL="0" indent="0">
+              <a:buNone/>
+            </a:pPr>
+            <a:r>
+              <a:rPr lang="en-US" dirty="0" err="1"/>
+              <a:t>Texturas</a:t>
+            </a:r>
+            <a:r>
+              <a:rPr lang="en-US" dirty="0"/>
+              <a:t> com Local Binary Pattern from Three Orthogonal Plane </a:t>
+            </a:r>
+            <a:r>
+              <a:rPr lang="en-US" dirty="0" smtClean="0"/>
+              <a:t>- LBP</a:t>
+            </a:r>
+            <a:r>
+              <a:rPr lang="en-US" dirty="0"/>
+              <a:t>-</a:t>
+            </a:r>
+            <a:r>
+              <a:rPr lang="en-US" dirty="0" smtClean="0"/>
+              <a:t>TOP  (Freitas Pereira et al. 2012)</a:t>
+            </a:r>
+            <a:endParaRPr lang="en-US" dirty="0"/>
+          </a:p>
+          <a:p>
+            <a:pPr marL="0" indent="0">
+              <a:buNone/>
+            </a:pPr>
+            <a:endParaRPr lang="en-US" dirty="0"/>
+          </a:p>
+        </p:txBody>
+      </p:sp>
+      <p:pic>
+        <p:nvPicPr>
+          <p:cNvPr id="4" name="Picture 3" descr="Screen Shot 2013-01-12 at 12.45.53 PM.png"/>
+          <p:cNvPicPr>
+            <a:picLocks noChangeAspect="1"/>
+          </p:cNvPicPr>
+          <p:nvPr/>
+        </p:nvPicPr>
+        <p:blipFill>
+          <a:blip r:embed="rId2">
+            <a:extLst>
+              <a:ext uri="{28A0092B-C50C-407E-A947-70E740481C1C}">
+                <a14:useLocalDpi xmlns:a14="http://schemas.microsoft.com/office/drawing/2010/main" val="0"/>
+              </a:ext>
+            </a:extLst>
+          </a:blip>
+          <a:stretch>
+            <a:fillRect/>
+          </a:stretch>
+        </p:blipFill>
+        <p:spPr>
+          <a:xfrm>
+            <a:off x="1785860" y="3487326"/>
+            <a:ext cx="5051425" cy="2784760"/>
+          </a:xfrm>
+          <a:prstGeom prst="rect">
+            <a:avLst/>
+          </a:prstGeom>
+        </p:spPr>
+      </p:pic>
+      <p:sp>
+        <p:nvSpPr>
+          <p:cNvPr id="5" name="TextBox 4"/>
+          <p:cNvSpPr txBox="1"/>
+          <p:nvPr/>
+        </p:nvSpPr>
+        <p:spPr>
+          <a:xfrm>
+            <a:off x="2042781" y="3439700"/>
+            <a:ext cx="2343761" cy="646331"/>
+          </a:xfrm>
+          <a:prstGeom prst="rect">
+            <a:avLst/>
+          </a:prstGeom>
+          <a:noFill/>
+        </p:spPr>
+        <p:txBody>
+          <a:bodyPr wrap="none" rtlCol="0">
+            <a:spAutoFit/>
+          </a:bodyPr>
+          <a:lstStyle/>
+          <a:p>
+            <a:pPr algn="ctr"/>
+            <a:r>
+              <a:rPr lang="en-US" dirty="0" err="1" smtClean="0"/>
+              <a:t>Três</a:t>
+            </a:r>
+            <a:r>
+              <a:rPr lang="en-US" dirty="0" smtClean="0"/>
+              <a:t> </a:t>
+            </a:r>
+            <a:r>
+              <a:rPr lang="en-US" dirty="0" err="1" smtClean="0"/>
+              <a:t>planos</a:t>
+            </a:r>
+            <a:endParaRPr lang="en-US" dirty="0" smtClean="0"/>
+          </a:p>
+          <a:p>
+            <a:pPr algn="ctr"/>
+            <a:r>
+              <a:rPr lang="en-US" dirty="0" err="1"/>
+              <a:t>i</a:t>
+            </a:r>
+            <a:r>
+              <a:rPr lang="en-US" dirty="0" err="1" smtClean="0"/>
+              <a:t>ntersectando</a:t>
+            </a:r>
+            <a:r>
+              <a:rPr lang="en-US" dirty="0" smtClean="0"/>
+              <a:t> um pixel</a:t>
+            </a:r>
+            <a:endParaRPr lang="en-US" dirty="0"/>
+          </a:p>
+        </p:txBody>
+      </p:sp>
+      <p:sp>
+        <p:nvSpPr>
+          <p:cNvPr id="6" name="TextBox 5"/>
+          <p:cNvSpPr txBox="1"/>
+          <p:nvPr/>
+        </p:nvSpPr>
+        <p:spPr>
+          <a:xfrm>
+            <a:off x="4749671" y="3810491"/>
+            <a:ext cx="1679779" cy="646331"/>
+          </a:xfrm>
+          <a:prstGeom prst="rect">
+            <a:avLst/>
+          </a:prstGeom>
+          <a:noFill/>
+        </p:spPr>
+        <p:txBody>
+          <a:bodyPr wrap="none" rtlCol="0">
+            <a:spAutoFit/>
+          </a:bodyPr>
+          <a:lstStyle/>
+          <a:p>
+            <a:pPr algn="ctr"/>
+            <a:r>
+              <a:rPr lang="en-US" dirty="0" err="1" smtClean="0"/>
+              <a:t>Histogramas</a:t>
+            </a:r>
+            <a:endParaRPr lang="en-US" dirty="0" smtClean="0"/>
+          </a:p>
+          <a:p>
+            <a:pPr algn="ctr"/>
+            <a:r>
+              <a:rPr lang="en-US" dirty="0" err="1"/>
+              <a:t>p</a:t>
+            </a:r>
+            <a:r>
+              <a:rPr lang="en-US" dirty="0" err="1" smtClean="0"/>
+              <a:t>ara</a:t>
+            </a:r>
+            <a:r>
+              <a:rPr lang="en-US" dirty="0" smtClean="0"/>
+              <a:t> </a:t>
+            </a:r>
+            <a:r>
+              <a:rPr lang="en-US" dirty="0" err="1" smtClean="0"/>
+              <a:t>cada</a:t>
+            </a:r>
+            <a:r>
+              <a:rPr lang="en-US" dirty="0" smtClean="0"/>
+              <a:t> </a:t>
+            </a:r>
+            <a:r>
+              <a:rPr lang="en-US" dirty="0" err="1" smtClean="0"/>
+              <a:t>plano</a:t>
+            </a:r>
+            <a:endParaRPr lang="en-US" dirty="0"/>
+          </a:p>
+        </p:txBody>
+      </p:sp>
+    </p:spTree>
+    <p:extLst>
+      <p:ext uri="{BB962C8B-B14F-4D97-AF65-F5344CB8AC3E}">
+        <p14:creationId xmlns:p14="http://schemas.microsoft.com/office/powerpoint/2010/main" val="3067147947"/>
+      </p:ext>
+    </p:extLst>
+  </p:cSld>
+  <p:clrMapOvr>
+    <a:masterClrMapping/>
+  </p:clrMapOvr>
+  <p:timing>
+    <p:tnLst>
+      <p:par>
+        <p:cTn xmlns:p14="http://schemas.microsoft.com/office/powerpoint/2010/main" id="1" dur="indefinite" restart="never" nodeType="tmRoot"/>
+      </p:par>
+    </p:tnLst>
+  </p:timing>
+</p:sld>
+</file>
+
+<file path=ppt/slides/slide35.xml><?xml version="1.0" encoding="utf-8"?>
+<p:sld xmlns:a="http://schemas.openxmlformats.org/drawingml/2006/main" xmlns:r="http://schemas.openxmlformats.org/officeDocument/2006/relationships" xmlns:p="http://schemas.openxmlformats.org/presentationml/2006/main">
+  <p:cSld>
+    <p:spTree>
+      <p:nvGrpSpPr>
+        <p:cNvPr id="1" name=""/>
+        <p:cNvGrpSpPr/>
+        <p:nvPr/>
+      </p:nvGrpSpPr>
+      <p:grpSpPr>
+        <a:xfrm>
+          <a:off x="0" y="0"/>
+          <a:ext cx="0" cy="0"/>
+          <a:chOff x="0" y="0"/>
+          <a:chExt cx="0" cy="0"/>
+        </a:xfrm>
+      </p:grpSpPr>
+      <p:sp>
+        <p:nvSpPr>
+          <p:cNvPr id="2" name="Title 1"/>
+          <p:cNvSpPr>
+            <a:spLocks noGrp="1"/>
+          </p:cNvSpPr>
+          <p:nvPr>
+            <p:ph type="title"/>
+          </p:nvPr>
+        </p:nvSpPr>
+        <p:spPr/>
+        <p:txBody>
+          <a:bodyPr/>
+          <a:lstStyle/>
+          <a:p>
+            <a:r>
+              <a:rPr lang="en-US" dirty="0" err="1" smtClean="0"/>
+              <a:t>Resultados</a:t>
+            </a:r>
+            <a:r>
+              <a:rPr lang="en-US" dirty="0" smtClean="0"/>
+              <a:t> </a:t>
+            </a:r>
+            <a:r>
+              <a:rPr lang="en-US" dirty="0" err="1" smtClean="0"/>
+              <a:t>Parciais</a:t>
+            </a:r>
+            <a:endParaRPr lang="en-US" dirty="0"/>
+          </a:p>
+        </p:txBody>
+      </p:sp>
+      <p:sp>
+        <p:nvSpPr>
+          <p:cNvPr id="3" name="Content Placeholder 2"/>
+          <p:cNvSpPr>
+            <a:spLocks noGrp="1"/>
+          </p:cNvSpPr>
+          <p:nvPr>
+            <p:ph idx="1"/>
+          </p:nvPr>
+        </p:nvSpPr>
+        <p:spPr/>
+        <p:txBody>
+          <a:bodyPr/>
+          <a:lstStyle/>
+          <a:p>
+            <a:pPr marL="0" indent="0">
+              <a:buNone/>
+            </a:pPr>
+            <a:r>
+              <a:rPr lang="en-US" dirty="0" err="1"/>
+              <a:t>Protocolo</a:t>
+            </a:r>
+            <a:r>
+              <a:rPr lang="en-US" dirty="0"/>
+              <a:t> de </a:t>
+            </a:r>
+            <a:r>
+              <a:rPr lang="en-US" dirty="0" err="1"/>
+              <a:t>Avaliação</a:t>
+            </a:r>
+            <a:r>
+              <a:rPr lang="en-US" dirty="0"/>
+              <a:t> Intra Base de Dados</a:t>
+            </a:r>
+          </a:p>
+          <a:p>
+            <a:pPr marL="0" indent="0">
+              <a:buNone/>
+            </a:pPr>
+            <a:endParaRPr lang="en-US" dirty="0"/>
+          </a:p>
+        </p:txBody>
+      </p:sp>
+      <p:graphicFrame>
+        <p:nvGraphicFramePr>
+          <p:cNvPr id="4" name="Content Placeholder 3"/>
+          <p:cNvGraphicFramePr>
+            <a:graphicFrameLocks/>
+          </p:cNvGraphicFramePr>
+          <p:nvPr>
+            <p:extLst>
+              <p:ext uri="{D42A27DB-BD31-4B8C-83A1-F6EECF244321}">
+                <p14:modId xmlns:p14="http://schemas.microsoft.com/office/powerpoint/2010/main" val="3426919928"/>
+              </p:ext>
+            </p:extLst>
+          </p:nvPr>
+        </p:nvGraphicFramePr>
+        <p:xfrm>
+          <a:off x="457202" y="2624752"/>
+          <a:ext cx="8229598" cy="3210560"/>
+        </p:xfrm>
+        <a:graphic>
+          <a:graphicData uri="http://schemas.openxmlformats.org/drawingml/2006/table">
+            <a:tbl>
+              <a:tblPr firstRow="1" bandRow="1">
+                <a:tableStyleId>{5C22544A-7EE6-4342-B048-85BDC9FD1C3A}</a:tableStyleId>
+              </a:tblPr>
+              <a:tblGrid>
+                <a:gridCol w="1981681"/>
+                <a:gridCol w="1587437"/>
+                <a:gridCol w="764857"/>
+                <a:gridCol w="966893"/>
+                <a:gridCol w="1356538"/>
+                <a:gridCol w="1572192"/>
+              </a:tblGrid>
+              <a:tr h="370840">
+                <a:tc rowSpan="2">
+                  <a:txBody>
+                    <a:bodyPr/>
+                    <a:lstStyle/>
+                    <a:p>
+                      <a:pPr algn="ctr"/>
+                      <a:r>
+                        <a:rPr lang="en-US" dirty="0" err="1" smtClean="0"/>
+                        <a:t>Contramedida</a:t>
+                      </a:r>
+                      <a:endParaRPr lang="en-US" dirty="0"/>
+                    </a:p>
+                  </a:txBody>
+                  <a:tcPr anchor="ctr"/>
+                </a:tc>
+                <a:tc rowSpan="2">
+                  <a:txBody>
+                    <a:bodyPr/>
+                    <a:lstStyle/>
+                    <a:p>
+                      <a:r>
+                        <a:rPr lang="en-US" dirty="0" smtClean="0"/>
+                        <a:t>Base de Dados</a:t>
+                      </a:r>
+                      <a:endParaRPr lang="en-US" dirty="0"/>
+                    </a:p>
+                  </a:txBody>
+                  <a:tcPr anchor="ctr"/>
+                </a:tc>
+                <a:tc gridSpan="2">
+                  <a:txBody>
+                    <a:bodyPr/>
+                    <a:lstStyle/>
+                    <a:p>
+                      <a:pPr algn="ctr"/>
+                      <a:r>
+                        <a:rPr lang="en-US" dirty="0" smtClean="0"/>
+                        <a:t>HTER (%)</a:t>
+                      </a:r>
+                      <a:endParaRPr lang="en-US" dirty="0"/>
+                    </a:p>
+                  </a:txBody>
+                  <a:tcPr/>
+                </a:tc>
+                <a:tc hMerge="1">
+                  <a:txBody>
+                    <a:bodyPr/>
+                    <a:lstStyle/>
+                    <a:p>
+                      <a:endParaRPr lang="en-US" dirty="0"/>
+                    </a:p>
+                  </a:txBody>
+                  <a:tcPr/>
+                </a:tc>
+                <a:tc rowSpan="2">
+                  <a:txBody>
+                    <a:bodyPr/>
+                    <a:lstStyle/>
+                    <a:p>
+                      <a:pPr algn="ctr"/>
+                      <a:r>
+                        <a:rPr lang="en-US" dirty="0" smtClean="0"/>
+                        <a:t>FAR</a:t>
+                      </a:r>
+                      <a:r>
+                        <a:rPr lang="en-US" baseline="0" dirty="0" smtClean="0"/>
+                        <a:t> 100 (%)</a:t>
+                      </a:r>
+                      <a:endParaRPr lang="en-US" dirty="0"/>
+                    </a:p>
+                  </a:txBody>
+                  <a:tcPr anchor="ctr"/>
+                </a:tc>
+                <a:tc rowSpan="2">
+                  <a:txBody>
+                    <a:bodyPr/>
+                    <a:lstStyle/>
+                    <a:p>
+                      <a:pPr algn="ctr"/>
+                      <a:r>
+                        <a:rPr lang="en-US" dirty="0" smtClean="0"/>
+                        <a:t>FAR</a:t>
+                      </a:r>
+                      <a:r>
+                        <a:rPr lang="en-US" baseline="0" dirty="0" smtClean="0"/>
+                        <a:t> 1000 (%)</a:t>
+                      </a:r>
+                      <a:endParaRPr lang="en-US" dirty="0"/>
+                    </a:p>
+                  </a:txBody>
+                  <a:tcPr anchor="ctr"/>
+                </a:tc>
+              </a:tr>
+              <a:tr h="370840">
+                <a:tc vMerge="1">
+                  <a:txBody>
+                    <a:bodyPr/>
+                    <a:lstStyle/>
+                    <a:p>
+                      <a:endParaRPr lang="en-US" dirty="0"/>
+                    </a:p>
+                  </a:txBody>
+                  <a:tcPr>
+                    <a:solidFill>
+                      <a:srgbClr val="4F81BD"/>
+                    </a:solidFill>
+                  </a:tcPr>
+                </a:tc>
+                <a:tc vMerge="1">
+                  <a:txBody>
+                    <a:bodyPr/>
+                    <a:lstStyle/>
+                    <a:p>
+                      <a:endParaRPr lang="en-US" dirty="0"/>
+                    </a:p>
+                  </a:txBody>
+                  <a:tcPr>
+                    <a:solidFill>
+                      <a:srgbClr val="4F81BD"/>
+                    </a:solidFill>
+                  </a:tcPr>
+                </a:tc>
+                <a:tc>
+                  <a:txBody>
+                    <a:bodyPr/>
+                    <a:lstStyle/>
+                    <a:p>
+                      <a:pPr algn="ctr"/>
+                      <a:r>
+                        <a:rPr lang="en-US" b="1" dirty="0" err="1" smtClean="0">
+                          <a:solidFill>
+                            <a:srgbClr val="FFFFFF"/>
+                          </a:solidFill>
+                        </a:rPr>
+                        <a:t>dev</a:t>
+                      </a:r>
+                      <a:endParaRPr lang="en-US" b="1" dirty="0">
+                        <a:solidFill>
+                          <a:srgbClr val="FFFFFF"/>
+                        </a:solidFill>
+                      </a:endParaRPr>
+                    </a:p>
+                  </a:txBody>
+                  <a:tcPr>
+                    <a:solidFill>
+                      <a:srgbClr val="4F81BD"/>
+                    </a:solidFill>
+                  </a:tcPr>
+                </a:tc>
+                <a:tc>
+                  <a:txBody>
+                    <a:bodyPr/>
+                    <a:lstStyle/>
+                    <a:p>
+                      <a:pPr algn="ctr"/>
+                      <a:r>
+                        <a:rPr lang="en-US" b="1" dirty="0" err="1" smtClean="0">
+                          <a:solidFill>
+                            <a:srgbClr val="FFFFFF"/>
+                          </a:solidFill>
+                        </a:rPr>
+                        <a:t>teste</a:t>
+                      </a:r>
+                      <a:endParaRPr lang="en-US" b="1" dirty="0">
+                        <a:solidFill>
+                          <a:srgbClr val="FFFFFF"/>
+                        </a:solidFill>
+                      </a:endParaRPr>
+                    </a:p>
+                  </a:txBody>
+                  <a:tcPr>
+                    <a:solidFill>
+                      <a:srgbClr val="4F81BD"/>
+                    </a:solidFill>
+                  </a:tcPr>
+                </a:tc>
+                <a:tc vMerge="1">
+                  <a:txBody>
+                    <a:bodyPr/>
+                    <a:lstStyle/>
+                    <a:p>
+                      <a:endParaRPr lang="en-US" dirty="0"/>
+                    </a:p>
+                  </a:txBody>
+                  <a:tcPr>
+                    <a:solidFill>
+                      <a:srgbClr val="4F81BD"/>
+                    </a:solidFill>
+                  </a:tcPr>
+                </a:tc>
+                <a:tc vMerge="1">
+                  <a:txBody>
+                    <a:bodyPr/>
+                    <a:lstStyle/>
+                    <a:p>
+                      <a:endParaRPr lang="en-US" dirty="0"/>
+                    </a:p>
+                  </a:txBody>
+                  <a:tcPr>
+                    <a:solidFill>
+                      <a:srgbClr val="4F81BD"/>
+                    </a:solidFill>
+                  </a:tcPr>
+                </a:tc>
+              </a:tr>
+              <a:tr h="370840">
+                <a:tc rowSpan="2">
+                  <a:txBody>
+                    <a:bodyPr/>
+                    <a:lstStyle/>
+                    <a:p>
+                      <a:pPr algn="ctr"/>
+                      <a:r>
+                        <a:rPr lang="en-US" dirty="0" err="1" smtClean="0"/>
+                        <a:t>Correla</a:t>
+                      </a:r>
+                      <a:r>
+                        <a:rPr lang="en-US" dirty="0" err="1" smtClean="0"/>
+                        <a:t>ção</a:t>
+                      </a:r>
+                      <a:r>
+                        <a:rPr lang="en-US" dirty="0" smtClean="0"/>
+                        <a:t> de </a:t>
+                      </a:r>
+                      <a:r>
+                        <a:rPr lang="en-US" dirty="0" err="1" smtClean="0"/>
+                        <a:t>movimento</a:t>
+                      </a:r>
+                      <a:endParaRPr lang="en-US" dirty="0"/>
+                    </a:p>
+                  </a:txBody>
+                  <a:tcPr/>
+                </a:tc>
+                <a:tc>
+                  <a:txBody>
+                    <a:bodyPr/>
+                    <a:lstStyle/>
+                    <a:p>
+                      <a:r>
+                        <a:rPr lang="en-US" dirty="0" smtClean="0"/>
+                        <a:t>Replay Attack</a:t>
+                      </a:r>
+                      <a:endParaRPr lang="en-US" dirty="0"/>
+                    </a:p>
+                  </a:txBody>
+                  <a:tcPr/>
+                </a:tc>
+                <a:tc>
+                  <a:txBody>
+                    <a:bodyPr/>
+                    <a:lstStyle/>
+                    <a:p>
+                      <a:pPr algn="ctr"/>
+                      <a:r>
+                        <a:rPr lang="en-US" dirty="0" smtClean="0"/>
+                        <a:t>11.66</a:t>
+                      </a:r>
+                      <a:endParaRPr lang="en-US" dirty="0"/>
+                    </a:p>
+                  </a:txBody>
+                  <a:tcPr/>
+                </a:tc>
+                <a:tc>
+                  <a:txBody>
+                    <a:bodyPr/>
+                    <a:lstStyle/>
+                    <a:p>
+                      <a:pPr algn="ctr"/>
+                      <a:r>
+                        <a:rPr lang="en-US" dirty="0" smtClean="0"/>
+                        <a:t>11.79</a:t>
+                      </a:r>
+                      <a:endParaRPr lang="en-US" dirty="0"/>
+                    </a:p>
+                  </a:txBody>
+                  <a:tcPr/>
+                </a:tc>
+                <a:tc>
+                  <a:txBody>
+                    <a:bodyPr/>
+                    <a:lstStyle/>
+                    <a:p>
+                      <a:pPr algn="ctr"/>
+                      <a:r>
+                        <a:rPr lang="en-US" dirty="0" smtClean="0"/>
+                        <a:t>41.31</a:t>
+                      </a:r>
+                      <a:endParaRPr lang="en-US" dirty="0"/>
+                    </a:p>
+                  </a:txBody>
+                  <a:tcPr/>
+                </a:tc>
+                <a:tc>
+                  <a:txBody>
+                    <a:bodyPr/>
+                    <a:lstStyle/>
+                    <a:p>
+                      <a:pPr algn="ctr"/>
+                      <a:r>
+                        <a:rPr lang="en-US" dirty="0" smtClean="0"/>
+                        <a:t>66.11</a:t>
+                      </a:r>
+                      <a:endParaRPr lang="en-US" dirty="0"/>
+                    </a:p>
+                  </a:txBody>
+                  <a:tcPr/>
+                </a:tc>
+              </a:tr>
+              <a:tr h="370840">
+                <a:tc vMerge="1">
+                  <a:txBody>
+                    <a:bodyPr/>
+                    <a:lstStyle/>
+                    <a:p>
+                      <a:endParaRPr lang="en-US" dirty="0"/>
+                    </a:p>
+                  </a:txBody>
+                  <a:tcPr/>
+                </a:tc>
+                <a:tc>
+                  <a:txBody>
+                    <a:bodyPr/>
+                    <a:lstStyle/>
+                    <a:p>
+                      <a:r>
+                        <a:rPr lang="en-US" dirty="0" smtClean="0"/>
+                        <a:t>CASIA FASD</a:t>
+                      </a:r>
+                      <a:endParaRPr lang="en-US" dirty="0"/>
+                    </a:p>
+                  </a:txBody>
+                  <a:tcPr/>
+                </a:tc>
+                <a:tc>
+                  <a:txBody>
+                    <a:bodyPr/>
+                    <a:lstStyle/>
+                    <a:p>
+                      <a:pPr algn="ctr"/>
+                      <a:r>
+                        <a:rPr lang="en-US" dirty="0" smtClean="0"/>
+                        <a:t>24.91</a:t>
+                      </a:r>
+                      <a:endParaRPr lang="en-US" dirty="0"/>
+                    </a:p>
+                  </a:txBody>
+                  <a:tcPr/>
+                </a:tc>
+                <a:tc>
+                  <a:txBody>
+                    <a:bodyPr/>
+                    <a:lstStyle/>
+                    <a:p>
+                      <a:pPr algn="ctr"/>
+                      <a:r>
+                        <a:rPr lang="en-US" dirty="0" smtClean="0"/>
+                        <a:t>31.36</a:t>
+                      </a:r>
+                      <a:endParaRPr lang="en-US" dirty="0"/>
+                    </a:p>
+                  </a:txBody>
+                  <a:tcPr/>
+                </a:tc>
+                <a:tc>
+                  <a:txBody>
+                    <a:bodyPr/>
+                    <a:lstStyle/>
+                    <a:p>
+                      <a:pPr algn="ctr"/>
+                      <a:r>
+                        <a:rPr lang="en-US" dirty="0" smtClean="0"/>
+                        <a:t>97.32</a:t>
+                      </a:r>
+                      <a:endParaRPr lang="en-US" dirty="0"/>
+                    </a:p>
+                  </a:txBody>
+                  <a:tcPr/>
+                </a:tc>
+                <a:tc>
+                  <a:txBody>
+                    <a:bodyPr/>
+                    <a:lstStyle/>
+                    <a:p>
+                      <a:pPr algn="ctr"/>
+                      <a:r>
+                        <a:rPr lang="en-US" dirty="0" smtClean="0"/>
+                        <a:t>98.92</a:t>
+                      </a:r>
+                      <a:endParaRPr lang="en-US" dirty="0"/>
+                    </a:p>
+                  </a:txBody>
+                  <a:tcPr/>
+                </a:tc>
+              </a:tr>
+              <a:tr h="0">
+                <a:tc gridSpan="6">
+                  <a:txBody>
+                    <a:bodyPr/>
+                    <a:lstStyle/>
+                    <a:p>
+                      <a:endParaRPr lang="en-US" sz="200" dirty="0"/>
+                    </a:p>
+                  </a:txBody>
+                  <a:tcPr>
+                    <a:solidFill>
+                      <a:schemeClr val="tx1">
+                        <a:lumMod val="85000"/>
+                        <a:lumOff val="15000"/>
+                      </a:schemeClr>
+                    </a:solidFill>
+                  </a:tcPr>
+                </a:tc>
+                <a:tc hMerge="1">
+                  <a:txBody>
+                    <a:bodyPr/>
+                    <a:lstStyle/>
+                    <a:p>
+                      <a:endParaRPr lang="en-US" dirty="0"/>
+                    </a:p>
+                  </a:txBody>
+                  <a:tcPr>
+                    <a:solidFill>
+                      <a:schemeClr val="tx1">
+                        <a:lumMod val="85000"/>
+                        <a:lumOff val="15000"/>
+                      </a:schemeClr>
+                    </a:solidFill>
+                  </a:tcPr>
+                </a:tc>
+                <a:tc hMerge="1">
+                  <a:txBody>
+                    <a:bodyPr/>
+                    <a:lstStyle/>
+                    <a:p>
+                      <a:endParaRPr lang="en-US" dirty="0"/>
+                    </a:p>
+                  </a:txBody>
+                  <a:tcPr>
+                    <a:solidFill>
+                      <a:schemeClr val="tx1">
+                        <a:lumMod val="85000"/>
+                        <a:lumOff val="15000"/>
+                      </a:schemeClr>
+                    </a:solidFill>
+                  </a:tcPr>
+                </a:tc>
+                <a:tc hMerge="1">
+                  <a:txBody>
+                    <a:bodyPr/>
+                    <a:lstStyle/>
+                    <a:p>
+                      <a:endParaRPr lang="en-US" dirty="0"/>
+                    </a:p>
+                  </a:txBody>
+                  <a:tcPr>
+                    <a:solidFill>
+                      <a:schemeClr val="tx1">
+                        <a:lumMod val="85000"/>
+                        <a:lumOff val="15000"/>
+                      </a:schemeClr>
+                    </a:solidFill>
+                  </a:tcPr>
+                </a:tc>
+                <a:tc hMerge="1">
+                  <a:txBody>
+                    <a:bodyPr/>
+                    <a:lstStyle/>
+                    <a:p>
+                      <a:endParaRPr lang="en-US" dirty="0"/>
+                    </a:p>
+                  </a:txBody>
+                  <a:tcPr>
+                    <a:solidFill>
+                      <a:schemeClr val="tx1">
+                        <a:lumMod val="85000"/>
+                        <a:lumOff val="15000"/>
+                      </a:schemeClr>
+                    </a:solidFill>
+                  </a:tcPr>
+                </a:tc>
+                <a:tc hMerge="1">
+                  <a:txBody>
+                    <a:bodyPr/>
+                    <a:lstStyle/>
+                    <a:p>
+                      <a:endParaRPr lang="en-US" dirty="0"/>
+                    </a:p>
+                  </a:txBody>
+                  <a:tcPr>
+                    <a:solidFill>
+                      <a:schemeClr val="tx1">
+                        <a:lumMod val="85000"/>
+                        <a:lumOff val="15000"/>
+                      </a:schemeClr>
+                    </a:solidFill>
+                  </a:tcPr>
+                </a:tc>
+              </a:tr>
+              <a:tr h="370840">
+                <a:tc rowSpan="2">
+                  <a:txBody>
+                    <a:bodyPr/>
+                    <a:lstStyle/>
+                    <a:p>
+                      <a:pPr algn="ctr"/>
+                      <a:r>
+                        <a:rPr lang="en-US" dirty="0" smtClean="0"/>
+                        <a:t>LBP</a:t>
+                      </a:r>
+                      <a:endParaRPr lang="en-US" dirty="0"/>
+                    </a:p>
+                  </a:txBody>
+                  <a:tcPr anchor="ctr"/>
+                </a:tc>
+                <a:tc>
+                  <a:txBody>
+                    <a:bodyPr/>
+                    <a:lstStyle/>
+                    <a:p>
+                      <a:r>
+                        <a:rPr lang="en-US" dirty="0" smtClean="0"/>
+                        <a:t>Replay Attack</a:t>
+                      </a:r>
+                      <a:endParaRPr lang="en-US" dirty="0"/>
+                    </a:p>
+                  </a:txBody>
+                  <a:tcPr/>
+                </a:tc>
+                <a:tc>
+                  <a:txBody>
+                    <a:bodyPr/>
+                    <a:lstStyle/>
+                    <a:p>
+                      <a:pPr algn="ctr"/>
+                      <a:r>
+                        <a:rPr lang="en-US" dirty="0" smtClean="0"/>
+                        <a:t>14.41</a:t>
+                      </a:r>
+                      <a:endParaRPr lang="en-US" dirty="0"/>
+                    </a:p>
+                  </a:txBody>
+                  <a:tcPr/>
+                </a:tc>
+                <a:tc>
+                  <a:txBody>
+                    <a:bodyPr/>
+                    <a:lstStyle/>
+                    <a:p>
+                      <a:pPr algn="ctr"/>
+                      <a:r>
+                        <a:rPr lang="en-US" dirty="0" smtClean="0"/>
+                        <a:t>15.45</a:t>
+                      </a:r>
+                      <a:endParaRPr lang="en-US" dirty="0"/>
+                    </a:p>
+                  </a:txBody>
+                  <a:tcPr/>
+                </a:tc>
+                <a:tc>
+                  <a:txBody>
+                    <a:bodyPr/>
+                    <a:lstStyle/>
+                    <a:p>
+                      <a:pPr algn="ctr"/>
+                      <a:r>
+                        <a:rPr lang="en-US" dirty="0" smtClean="0"/>
+                        <a:t>46.10</a:t>
+                      </a:r>
+                      <a:endParaRPr lang="en-US" dirty="0"/>
+                    </a:p>
+                  </a:txBody>
+                  <a:tcPr/>
+                </a:tc>
+                <a:tc>
+                  <a:txBody>
+                    <a:bodyPr/>
+                    <a:lstStyle/>
+                    <a:p>
+                      <a:pPr algn="ctr"/>
+                      <a:r>
+                        <a:rPr lang="en-US" dirty="0" smtClean="0"/>
+                        <a:t>73.38</a:t>
+                      </a:r>
+                      <a:endParaRPr lang="en-US" dirty="0"/>
+                    </a:p>
+                  </a:txBody>
+                  <a:tcPr/>
+                </a:tc>
+              </a:tr>
+              <a:tr h="370840">
+                <a:tc vMerge="1">
+                  <a:txBody>
+                    <a:bodyPr/>
+                    <a:lstStyle/>
+                    <a:p>
+                      <a:endParaRPr lang="en-US" dirty="0"/>
+                    </a:p>
+                  </a:txBody>
+                  <a:tcPr/>
+                </a:tc>
+                <a:tc>
+                  <a:txBody>
+                    <a:bodyPr/>
+                    <a:lstStyle/>
+                    <a:p>
+                      <a:r>
+                        <a:rPr lang="en-US" dirty="0" smtClean="0"/>
+                        <a:t>CASIA FASD</a:t>
+                      </a:r>
+                      <a:endParaRPr lang="en-US" dirty="0"/>
+                    </a:p>
+                  </a:txBody>
+                  <a:tcPr/>
+                </a:tc>
+                <a:tc>
+                  <a:txBody>
+                    <a:bodyPr/>
+                    <a:lstStyle/>
+                    <a:p>
+                      <a:pPr algn="ctr"/>
+                      <a:r>
+                        <a:rPr lang="en-US" dirty="0" smtClean="0"/>
+                        <a:t>23.00</a:t>
+                      </a:r>
+                      <a:endParaRPr lang="en-US" dirty="0"/>
+                    </a:p>
+                  </a:txBody>
+                  <a:tcPr/>
+                </a:tc>
+                <a:tc>
+                  <a:txBody>
+                    <a:bodyPr/>
+                    <a:lstStyle/>
+                    <a:p>
+                      <a:pPr algn="ctr"/>
+                      <a:r>
+                        <a:rPr lang="en-US" dirty="0" smtClean="0"/>
+                        <a:t>22.54</a:t>
+                      </a:r>
+                      <a:endParaRPr lang="en-US" dirty="0"/>
+                    </a:p>
+                  </a:txBody>
+                  <a:tcPr/>
+                </a:tc>
+                <a:tc>
+                  <a:txBody>
+                    <a:bodyPr/>
+                    <a:lstStyle/>
+                    <a:p>
+                      <a:pPr algn="ctr"/>
+                      <a:r>
+                        <a:rPr lang="en-US" dirty="0" smtClean="0"/>
+                        <a:t>86.48</a:t>
+                      </a:r>
+                      <a:endParaRPr lang="en-US" dirty="0"/>
+                    </a:p>
+                  </a:txBody>
+                  <a:tcPr/>
+                </a:tc>
+                <a:tc>
+                  <a:txBody>
+                    <a:bodyPr/>
+                    <a:lstStyle/>
+                    <a:p>
+                      <a:pPr algn="ctr"/>
+                      <a:r>
+                        <a:rPr lang="en-US" dirty="0" smtClean="0"/>
+                        <a:t>98.84</a:t>
+                      </a:r>
+                      <a:endParaRPr lang="en-US" dirty="0"/>
+                    </a:p>
+                  </a:txBody>
+                  <a:tcPr/>
+                </a:tc>
+              </a:tr>
+              <a:tr h="0">
+                <a:tc gridSpan="6">
+                  <a:txBody>
+                    <a:bodyPr/>
+                    <a:lstStyle/>
+                    <a:p>
+                      <a:pPr algn="ctr"/>
+                      <a:endParaRPr lang="en-US" sz="200" dirty="0"/>
+                    </a:p>
+                  </a:txBody>
+                  <a:tcPr>
+                    <a:solidFill>
+                      <a:srgbClr val="262626"/>
+                    </a:solidFill>
+                  </a:tcPr>
+                </a:tc>
+                <a:tc hMerge="1">
+                  <a:txBody>
+                    <a:bodyPr/>
+                    <a:lstStyle/>
+                    <a:p>
+                      <a:endParaRPr lang="en-US" dirty="0"/>
+                    </a:p>
+                  </a:txBody>
+                  <a:tcPr/>
+                </a:tc>
+                <a:tc hMerge="1">
+                  <a:txBody>
+                    <a:bodyPr/>
+                    <a:lstStyle/>
+                    <a:p>
+                      <a:endParaRPr lang="en-US" dirty="0"/>
+                    </a:p>
+                  </a:txBody>
+                  <a:tcPr/>
+                </a:tc>
+                <a:tc hMerge="1">
+                  <a:txBody>
+                    <a:bodyPr/>
+                    <a:lstStyle/>
+                    <a:p>
+                      <a:endParaRPr lang="en-US" dirty="0"/>
+                    </a:p>
+                  </a:txBody>
+                  <a:tcPr/>
+                </a:tc>
+                <a:tc hMerge="1">
+                  <a:txBody>
+                    <a:bodyPr/>
+                    <a:lstStyle/>
+                    <a:p>
+                      <a:endParaRPr lang="en-US" dirty="0"/>
+                    </a:p>
+                  </a:txBody>
+                  <a:tcPr/>
+                </a:tc>
+                <a:tc hMerge="1">
+                  <a:txBody>
+                    <a:bodyPr/>
+                    <a:lstStyle/>
+                    <a:p>
+                      <a:endParaRPr lang="en-US" dirty="0"/>
+                    </a:p>
+                  </a:txBody>
+                  <a:tcPr/>
+                </a:tc>
+              </a:tr>
+              <a:tr h="370840">
+                <a:tc rowSpan="2">
+                  <a:txBody>
+                    <a:bodyPr/>
+                    <a:lstStyle/>
+                    <a:p>
+                      <a:pPr algn="ctr"/>
+                      <a:r>
+                        <a:rPr lang="en-US" dirty="0" smtClean="0"/>
+                        <a:t>LBPTOP</a:t>
+                      </a:r>
+                      <a:endParaRPr lang="en-US" dirty="0"/>
+                    </a:p>
+                  </a:txBody>
+                  <a:tcPr anchor="ctr"/>
+                </a:tc>
+                <a:tc>
+                  <a:txBody>
+                    <a:bodyPr/>
+                    <a:lstStyle/>
+                    <a:p>
+                      <a:r>
+                        <a:rPr lang="en-US" dirty="0" smtClean="0"/>
+                        <a:t>Replay Attack</a:t>
+                      </a:r>
+                      <a:endParaRPr lang="en-US" dirty="0"/>
+                    </a:p>
+                  </a:txBody>
+                  <a:tcPr/>
+                </a:tc>
+                <a:tc>
+                  <a:txBody>
+                    <a:bodyPr/>
+                    <a:lstStyle/>
+                    <a:p>
+                      <a:pPr algn="ctr"/>
+                      <a:r>
+                        <a:rPr lang="en-US" b="1" dirty="0" smtClean="0">
+                          <a:solidFill>
+                            <a:srgbClr val="FF0000"/>
+                          </a:solidFill>
+                        </a:rPr>
+                        <a:t>8.17</a:t>
+                      </a:r>
+                      <a:endParaRPr lang="en-US" b="1" dirty="0">
+                        <a:solidFill>
+                          <a:srgbClr val="FF0000"/>
+                        </a:solidFill>
+                      </a:endParaRPr>
+                    </a:p>
+                  </a:txBody>
+                  <a:tcPr/>
+                </a:tc>
+                <a:tc>
+                  <a:txBody>
+                    <a:bodyPr/>
+                    <a:lstStyle/>
+                    <a:p>
+                      <a:pPr algn="ctr"/>
+                      <a:r>
+                        <a:rPr lang="en-US" b="1" dirty="0" smtClean="0">
+                          <a:solidFill>
+                            <a:srgbClr val="FF0000"/>
+                          </a:solidFill>
+                        </a:rPr>
+                        <a:t>8.51</a:t>
+                      </a:r>
+                      <a:endParaRPr lang="en-US" b="1" dirty="0">
+                        <a:solidFill>
+                          <a:srgbClr val="FF0000"/>
+                        </a:solidFill>
+                      </a:endParaRPr>
+                    </a:p>
+                  </a:txBody>
+                  <a:tcPr/>
+                </a:tc>
+                <a:tc>
+                  <a:txBody>
+                    <a:bodyPr/>
+                    <a:lstStyle/>
+                    <a:p>
+                      <a:pPr algn="ctr"/>
+                      <a:r>
+                        <a:rPr lang="en-US" dirty="0" smtClean="0"/>
+                        <a:t>28.77</a:t>
+                      </a:r>
+                      <a:endParaRPr lang="en-US" dirty="0"/>
+                    </a:p>
+                  </a:txBody>
+                  <a:tcPr/>
+                </a:tc>
+                <a:tc>
+                  <a:txBody>
+                    <a:bodyPr/>
+                    <a:lstStyle/>
+                    <a:p>
+                      <a:pPr algn="ctr"/>
+                      <a:r>
+                        <a:rPr lang="en-US" dirty="0" smtClean="0"/>
+                        <a:t>53.72</a:t>
+                      </a:r>
+                      <a:endParaRPr lang="en-US" dirty="0"/>
+                    </a:p>
+                  </a:txBody>
+                  <a:tcPr/>
+                </a:tc>
+              </a:tr>
+              <a:tr h="370840">
+                <a:tc vMerge="1">
+                  <a:txBody>
+                    <a:bodyPr/>
+                    <a:lstStyle/>
+                    <a:p>
+                      <a:endParaRPr lang="en-US" dirty="0"/>
+                    </a:p>
+                  </a:txBody>
+                  <a:tcPr/>
+                </a:tc>
+                <a:tc>
+                  <a:txBody>
+                    <a:bodyPr/>
+                    <a:lstStyle/>
+                    <a:p>
+                      <a:r>
+                        <a:rPr lang="en-US" dirty="0" smtClean="0"/>
+                        <a:t>CASIA FASD</a:t>
+                      </a:r>
+                      <a:endParaRPr lang="en-US" dirty="0"/>
+                    </a:p>
+                  </a:txBody>
+                  <a:tcPr/>
+                </a:tc>
+                <a:tc>
+                  <a:txBody>
+                    <a:bodyPr/>
+                    <a:lstStyle/>
+                    <a:p>
+                      <a:pPr algn="ctr"/>
+                      <a:r>
+                        <a:rPr lang="en-US" dirty="0" smtClean="0"/>
+                        <a:t>21.77</a:t>
+                      </a:r>
+                      <a:endParaRPr lang="en-US" dirty="0"/>
+                    </a:p>
+                  </a:txBody>
+                  <a:tcPr/>
+                </a:tc>
+                <a:tc>
+                  <a:txBody>
+                    <a:bodyPr/>
+                    <a:lstStyle/>
+                    <a:p>
+                      <a:pPr algn="ctr"/>
+                      <a:r>
+                        <a:rPr lang="en-US" dirty="0" smtClean="0"/>
+                        <a:t>22.27</a:t>
+                      </a:r>
+                      <a:endParaRPr lang="en-US" dirty="0"/>
+                    </a:p>
+                  </a:txBody>
+                  <a:tcPr/>
+                </a:tc>
+                <a:tc>
+                  <a:txBody>
+                    <a:bodyPr/>
+                    <a:lstStyle/>
+                    <a:p>
+                      <a:pPr algn="ctr"/>
+                      <a:r>
+                        <a:rPr lang="en-US" dirty="0" smtClean="0"/>
+                        <a:t>86.15</a:t>
+                      </a:r>
+                      <a:endParaRPr lang="en-US" dirty="0"/>
+                    </a:p>
+                  </a:txBody>
+                  <a:tcPr/>
+                </a:tc>
+                <a:tc>
+                  <a:txBody>
+                    <a:bodyPr/>
+                    <a:lstStyle/>
+                    <a:p>
+                      <a:pPr algn="ctr"/>
+                      <a:r>
+                        <a:rPr lang="en-US" dirty="0" smtClean="0"/>
+                        <a:t>98.42</a:t>
+                      </a:r>
+                      <a:endParaRPr lang="en-US" dirty="0"/>
+                    </a:p>
+                  </a:txBody>
+                  <a:tcPr/>
+                </a:tc>
+              </a:tr>
+            </a:tbl>
+          </a:graphicData>
+        </a:graphic>
+      </p:graphicFrame>
+    </p:spTree>
+    <p:extLst>
+      <p:ext uri="{BB962C8B-B14F-4D97-AF65-F5344CB8AC3E}">
+        <p14:creationId xmlns:p14="http://schemas.microsoft.com/office/powerpoint/2010/main" val="1661515198"/>
+      </p:ext>
+    </p:extLst>
+  </p:cSld>
+  <p:clrMapOvr>
+    <a:masterClrMapping/>
+  </p:clrMapOvr>
+</p:sld>
+</file>
+
+<file path=ppt/slides/slide36.xml><?xml version="1.0" encoding="utf-8"?>
+<p:sld xmlns:a="http://schemas.openxmlformats.org/drawingml/2006/main" xmlns:r="http://schemas.openxmlformats.org/officeDocument/2006/relationships" xmlns:p="http://schemas.openxmlformats.org/presentationml/2006/main">
+  <p:cSld>
+    <p:spTree>
+      <p:nvGrpSpPr>
+        <p:cNvPr id="1" name=""/>
+        <p:cNvGrpSpPr/>
+        <p:nvPr/>
+      </p:nvGrpSpPr>
+      <p:grpSpPr>
+        <a:xfrm>
+          <a:off x="0" y="0"/>
+          <a:ext cx="0" cy="0"/>
+          <a:chOff x="0" y="0"/>
+          <a:chExt cx="0" cy="0"/>
+        </a:xfrm>
+      </p:grpSpPr>
+      <p:sp>
+        <p:nvSpPr>
+          <p:cNvPr id="2" name="Title 1"/>
+          <p:cNvSpPr>
+            <a:spLocks noGrp="1"/>
+          </p:cNvSpPr>
+          <p:nvPr>
+            <p:ph type="title"/>
+          </p:nvPr>
+        </p:nvSpPr>
+        <p:spPr/>
+        <p:txBody>
+          <a:bodyPr/>
+          <a:lstStyle/>
+          <a:p>
+            <a:r>
+              <a:rPr lang="en-US" dirty="0" err="1" smtClean="0"/>
+              <a:t>Resultados</a:t>
+            </a:r>
+            <a:r>
+              <a:rPr lang="en-US" dirty="0" smtClean="0"/>
+              <a:t> </a:t>
+            </a:r>
+            <a:r>
+              <a:rPr lang="en-US" dirty="0" err="1" smtClean="0"/>
+              <a:t>Parciais</a:t>
+            </a:r>
+            <a:endParaRPr lang="en-US" dirty="0"/>
+          </a:p>
+        </p:txBody>
+      </p:sp>
+      <p:sp>
+        <p:nvSpPr>
+          <p:cNvPr id="3" name="Content Placeholder 2"/>
+          <p:cNvSpPr>
+            <a:spLocks noGrp="1"/>
+          </p:cNvSpPr>
+          <p:nvPr>
+            <p:ph idx="1"/>
+          </p:nvPr>
+        </p:nvSpPr>
+        <p:spPr/>
+        <p:txBody>
+          <a:bodyPr/>
+          <a:lstStyle/>
+          <a:p>
+            <a:pPr marL="0" indent="0">
+              <a:buNone/>
+            </a:pPr>
+            <a:r>
+              <a:rPr lang="en-US" dirty="0" err="1" smtClean="0"/>
+              <a:t>Discuss</a:t>
+            </a:r>
+            <a:r>
+              <a:rPr lang="en-US" dirty="0" err="1" smtClean="0"/>
+              <a:t>ão</a:t>
+            </a:r>
+            <a:endParaRPr lang="en-US" dirty="0"/>
+          </a:p>
+          <a:p>
+            <a:pPr marL="0" indent="0">
+              <a:buNone/>
+            </a:pPr>
+            <a:endParaRPr lang="en-US" dirty="0"/>
+          </a:p>
+        </p:txBody>
+      </p:sp>
+    </p:spTree>
+    <p:extLst>
+      <p:ext uri="{BB962C8B-B14F-4D97-AF65-F5344CB8AC3E}">
+        <p14:creationId xmlns:p14="http://schemas.microsoft.com/office/powerpoint/2010/main" val="850366535"/>
+      </p:ext>
+    </p:extLst>
+  </p:cSld>
+  <p:clrMapOvr>
+    <a:masterClrMapping/>
+  </p:clrMapOvr>
+</p:sld>
+</file>
+
+<file path=ppt/slides/slide37.xml><?xml version="1.0" encoding="utf-8"?>
+<p:sld xmlns:a="http://schemas.openxmlformats.org/drawingml/2006/main" xmlns:r="http://schemas.openxmlformats.org/officeDocument/2006/relationships" xmlns:p="http://schemas.openxmlformats.org/presentationml/2006/main">
+  <p:cSld>
+    <p:spTree>
+      <p:nvGrpSpPr>
+        <p:cNvPr id="1" name=""/>
+        <p:cNvGrpSpPr/>
+        <p:nvPr/>
+      </p:nvGrpSpPr>
+      <p:grpSpPr>
+        <a:xfrm>
+          <a:off x="0" y="0"/>
+          <a:ext cx="0" cy="0"/>
+          <a:chOff x="0" y="0"/>
+          <a:chExt cx="0" cy="0"/>
+        </a:xfrm>
+      </p:grpSpPr>
+      <p:sp>
+        <p:nvSpPr>
+          <p:cNvPr id="2" name="Title 1"/>
+          <p:cNvSpPr>
+            <a:spLocks noGrp="1"/>
+          </p:cNvSpPr>
+          <p:nvPr>
+            <p:ph type="title"/>
+          </p:nvPr>
+        </p:nvSpPr>
+        <p:spPr/>
+        <p:txBody>
+          <a:bodyPr/>
+          <a:lstStyle/>
+          <a:p>
+            <a:r>
+              <a:rPr lang="en-US" dirty="0" err="1" smtClean="0"/>
+              <a:t>Resultados</a:t>
+            </a:r>
+            <a:r>
+              <a:rPr lang="en-US" dirty="0" smtClean="0"/>
+              <a:t> </a:t>
+            </a:r>
+            <a:r>
+              <a:rPr lang="en-US" dirty="0" err="1" smtClean="0"/>
+              <a:t>Parciais</a:t>
+            </a:r>
+            <a:endParaRPr lang="en-US" dirty="0"/>
+          </a:p>
+        </p:txBody>
+      </p:sp>
+      <p:sp>
+        <p:nvSpPr>
+          <p:cNvPr id="3" name="Content Placeholder 2"/>
+          <p:cNvSpPr>
+            <a:spLocks noGrp="1"/>
+          </p:cNvSpPr>
+          <p:nvPr>
+            <p:ph idx="1"/>
+          </p:nvPr>
+        </p:nvSpPr>
+        <p:spPr/>
+        <p:txBody>
+          <a:bodyPr/>
+          <a:lstStyle/>
+          <a:p>
+            <a:pPr marL="0" indent="0">
+              <a:buNone/>
+            </a:pPr>
+            <a:r>
+              <a:rPr lang="en-US" dirty="0" err="1"/>
+              <a:t>Protocolo</a:t>
+            </a:r>
+            <a:r>
+              <a:rPr lang="en-US" dirty="0"/>
+              <a:t> de </a:t>
+            </a:r>
+            <a:r>
+              <a:rPr lang="en-US" dirty="0" err="1"/>
+              <a:t>Avaliação</a:t>
+            </a:r>
+            <a:r>
+              <a:rPr lang="en-US" dirty="0"/>
+              <a:t> </a:t>
+            </a:r>
+            <a:r>
+              <a:rPr lang="en-US" dirty="0" smtClean="0"/>
+              <a:t>Inter </a:t>
+            </a:r>
+            <a:r>
+              <a:rPr lang="en-US" dirty="0"/>
+              <a:t>Base de Dados</a:t>
+            </a:r>
+          </a:p>
+          <a:p>
+            <a:pPr marL="0" indent="0">
+              <a:buNone/>
+            </a:pPr>
+            <a:endParaRPr lang="en-US" dirty="0"/>
+          </a:p>
+        </p:txBody>
+      </p:sp>
+      <p:graphicFrame>
+        <p:nvGraphicFramePr>
+          <p:cNvPr id="4" name="Content Placeholder 3"/>
+          <p:cNvGraphicFramePr>
+            <a:graphicFrameLocks/>
+          </p:cNvGraphicFramePr>
+          <p:nvPr>
+            <p:extLst>
+              <p:ext uri="{D42A27DB-BD31-4B8C-83A1-F6EECF244321}">
+                <p14:modId xmlns:p14="http://schemas.microsoft.com/office/powerpoint/2010/main" val="363560297"/>
+              </p:ext>
+            </p:extLst>
+          </p:nvPr>
+        </p:nvGraphicFramePr>
+        <p:xfrm>
+          <a:off x="457202" y="2624752"/>
+          <a:ext cx="8229598" cy="3210560"/>
+        </p:xfrm>
+        <a:graphic>
+          <a:graphicData uri="http://schemas.openxmlformats.org/drawingml/2006/table">
+            <a:tbl>
+              <a:tblPr firstRow="1" bandRow="1">
+                <a:tableStyleId>{5C22544A-7EE6-4342-B048-85BDC9FD1C3A}</a:tableStyleId>
+              </a:tblPr>
+              <a:tblGrid>
+                <a:gridCol w="1981681"/>
+                <a:gridCol w="1587437"/>
+                <a:gridCol w="764857"/>
+                <a:gridCol w="966893"/>
+                <a:gridCol w="1356538"/>
+                <a:gridCol w="1572192"/>
+              </a:tblGrid>
+              <a:tr h="370840">
+                <a:tc rowSpan="2">
+                  <a:txBody>
+                    <a:bodyPr/>
+                    <a:lstStyle/>
+                    <a:p>
+                      <a:pPr algn="ctr"/>
+                      <a:r>
+                        <a:rPr lang="en-US" dirty="0" err="1" smtClean="0"/>
+                        <a:t>Contramedida</a:t>
+                      </a:r>
+                      <a:endParaRPr lang="en-US" dirty="0"/>
+                    </a:p>
+                  </a:txBody>
+                  <a:tcPr anchor="ctr"/>
+                </a:tc>
+                <a:tc rowSpan="2">
+                  <a:txBody>
+                    <a:bodyPr/>
+                    <a:lstStyle/>
+                    <a:p>
+                      <a:r>
+                        <a:rPr lang="en-US" dirty="0" smtClean="0"/>
+                        <a:t>Base de Dados</a:t>
+                      </a:r>
+                      <a:endParaRPr lang="en-US" dirty="0"/>
+                    </a:p>
+                  </a:txBody>
+                  <a:tcPr anchor="ctr"/>
+                </a:tc>
+                <a:tc gridSpan="2">
+                  <a:txBody>
+                    <a:bodyPr/>
+                    <a:lstStyle/>
+                    <a:p>
+                      <a:pPr algn="ctr"/>
+                      <a:r>
+                        <a:rPr lang="en-US" dirty="0" smtClean="0"/>
+                        <a:t>HTER (%)</a:t>
+                      </a:r>
+                      <a:endParaRPr lang="en-US" dirty="0"/>
+                    </a:p>
+                  </a:txBody>
+                  <a:tcPr/>
+                </a:tc>
+                <a:tc hMerge="1">
+                  <a:txBody>
+                    <a:bodyPr/>
+                    <a:lstStyle/>
+                    <a:p>
+                      <a:endParaRPr lang="en-US" dirty="0"/>
+                    </a:p>
+                  </a:txBody>
+                  <a:tcPr/>
+                </a:tc>
+                <a:tc rowSpan="2">
+                  <a:txBody>
+                    <a:bodyPr/>
+                    <a:lstStyle/>
+                    <a:p>
+                      <a:pPr algn="ctr"/>
+                      <a:r>
+                        <a:rPr lang="en-US" dirty="0" smtClean="0"/>
+                        <a:t>FAR</a:t>
+                      </a:r>
+                      <a:r>
+                        <a:rPr lang="en-US" baseline="0" dirty="0" smtClean="0"/>
+                        <a:t> 100 (%)</a:t>
+                      </a:r>
+                      <a:endParaRPr lang="en-US" dirty="0"/>
+                    </a:p>
+                  </a:txBody>
+                  <a:tcPr anchor="ctr"/>
+                </a:tc>
+                <a:tc rowSpan="2">
+                  <a:txBody>
+                    <a:bodyPr/>
+                    <a:lstStyle/>
+                    <a:p>
+                      <a:pPr algn="ctr"/>
+                      <a:r>
+                        <a:rPr lang="en-US" dirty="0" smtClean="0"/>
+                        <a:t>FAR</a:t>
+                      </a:r>
+                      <a:r>
+                        <a:rPr lang="en-US" baseline="0" dirty="0" smtClean="0"/>
+                        <a:t> 1000 (%)</a:t>
+                      </a:r>
+                      <a:endParaRPr lang="en-US" dirty="0"/>
+                    </a:p>
+                  </a:txBody>
+                  <a:tcPr anchor="ctr"/>
+                </a:tc>
+              </a:tr>
+              <a:tr h="370840">
+                <a:tc vMerge="1">
+                  <a:txBody>
+                    <a:bodyPr/>
+                    <a:lstStyle/>
+                    <a:p>
+                      <a:endParaRPr lang="en-US" dirty="0"/>
+                    </a:p>
+                  </a:txBody>
+                  <a:tcPr>
+                    <a:solidFill>
+                      <a:srgbClr val="4F81BD"/>
+                    </a:solidFill>
+                  </a:tcPr>
+                </a:tc>
+                <a:tc vMerge="1">
+                  <a:txBody>
+                    <a:bodyPr/>
+                    <a:lstStyle/>
+                    <a:p>
+                      <a:endParaRPr lang="en-US" dirty="0"/>
+                    </a:p>
+                  </a:txBody>
+                  <a:tcPr>
+                    <a:solidFill>
+                      <a:srgbClr val="4F81BD"/>
+                    </a:solidFill>
+                  </a:tcPr>
+                </a:tc>
+                <a:tc>
+                  <a:txBody>
+                    <a:bodyPr/>
+                    <a:lstStyle/>
+                    <a:p>
+                      <a:pPr algn="ctr"/>
+                      <a:r>
+                        <a:rPr lang="en-US" b="1" dirty="0" err="1" smtClean="0">
+                          <a:solidFill>
+                            <a:srgbClr val="FFFFFF"/>
+                          </a:solidFill>
+                        </a:rPr>
+                        <a:t>dev</a:t>
+                      </a:r>
+                      <a:endParaRPr lang="en-US" b="1" dirty="0">
+                        <a:solidFill>
+                          <a:srgbClr val="FFFFFF"/>
+                        </a:solidFill>
+                      </a:endParaRPr>
+                    </a:p>
+                  </a:txBody>
+                  <a:tcPr>
+                    <a:solidFill>
+                      <a:srgbClr val="4F81BD"/>
+                    </a:solidFill>
+                  </a:tcPr>
+                </a:tc>
+                <a:tc>
+                  <a:txBody>
+                    <a:bodyPr/>
+                    <a:lstStyle/>
+                    <a:p>
+                      <a:pPr algn="ctr"/>
+                      <a:r>
+                        <a:rPr lang="en-US" b="1" dirty="0" err="1" smtClean="0">
+                          <a:solidFill>
+                            <a:srgbClr val="FFFFFF"/>
+                          </a:solidFill>
+                        </a:rPr>
+                        <a:t>teste</a:t>
+                      </a:r>
+                      <a:endParaRPr lang="en-US" b="1" dirty="0">
+                        <a:solidFill>
+                          <a:srgbClr val="FFFFFF"/>
+                        </a:solidFill>
+                      </a:endParaRPr>
+                    </a:p>
+                  </a:txBody>
+                  <a:tcPr>
+                    <a:solidFill>
+                      <a:srgbClr val="4F81BD"/>
+                    </a:solidFill>
+                  </a:tcPr>
+                </a:tc>
+                <a:tc vMerge="1">
+                  <a:txBody>
+                    <a:bodyPr/>
+                    <a:lstStyle/>
+                    <a:p>
+                      <a:endParaRPr lang="en-US" dirty="0"/>
+                    </a:p>
+                  </a:txBody>
+                  <a:tcPr>
+                    <a:solidFill>
+                      <a:srgbClr val="4F81BD"/>
+                    </a:solidFill>
+                  </a:tcPr>
+                </a:tc>
+                <a:tc vMerge="1">
+                  <a:txBody>
+                    <a:bodyPr/>
+                    <a:lstStyle/>
+                    <a:p>
+                      <a:endParaRPr lang="en-US" dirty="0"/>
+                    </a:p>
+                  </a:txBody>
+                  <a:tcPr>
+                    <a:solidFill>
+                      <a:srgbClr val="4F81BD"/>
+                    </a:solidFill>
+                  </a:tcPr>
+                </a:tc>
+              </a:tr>
+              <a:tr h="370840">
+                <a:tc rowSpan="2">
+                  <a:txBody>
+                    <a:bodyPr/>
+                    <a:lstStyle/>
+                    <a:p>
+                      <a:pPr algn="ctr"/>
+                      <a:r>
+                        <a:rPr lang="en-US" dirty="0" err="1" smtClean="0"/>
+                        <a:t>Correla</a:t>
+                      </a:r>
+                      <a:r>
+                        <a:rPr lang="en-US" dirty="0" err="1" smtClean="0"/>
+                        <a:t>ção</a:t>
+                      </a:r>
+                      <a:r>
+                        <a:rPr lang="en-US" dirty="0" smtClean="0"/>
+                        <a:t> de </a:t>
+                      </a:r>
+                      <a:r>
+                        <a:rPr lang="en-US" dirty="0" err="1" smtClean="0"/>
+                        <a:t>movimento</a:t>
+                      </a:r>
+                      <a:endParaRPr lang="en-US" dirty="0"/>
+                    </a:p>
+                  </a:txBody>
+                  <a:tcPr/>
+                </a:tc>
+                <a:tc>
+                  <a:txBody>
+                    <a:bodyPr/>
+                    <a:lstStyle/>
+                    <a:p>
+                      <a:r>
+                        <a:rPr lang="en-US" dirty="0" smtClean="0"/>
+                        <a:t>Replay Attack</a:t>
+                      </a:r>
+                      <a:endParaRPr lang="en-US" dirty="0"/>
+                    </a:p>
+                  </a:txBody>
+                  <a:tcPr/>
+                </a:tc>
+                <a:tc>
+                  <a:txBody>
+                    <a:bodyPr/>
+                    <a:lstStyle/>
+                    <a:p>
+                      <a:pPr algn="ctr"/>
+                      <a:r>
+                        <a:rPr lang="en-US" dirty="0" smtClean="0"/>
+                        <a:t>11.66</a:t>
+                      </a:r>
+                      <a:endParaRPr lang="en-US" dirty="0"/>
+                    </a:p>
+                  </a:txBody>
+                  <a:tcPr/>
+                </a:tc>
+                <a:tc>
+                  <a:txBody>
+                    <a:bodyPr/>
+                    <a:lstStyle/>
+                    <a:p>
+                      <a:pPr algn="ctr"/>
+                      <a:r>
+                        <a:rPr lang="en-US" dirty="0" smtClean="0"/>
+                        <a:t>11.79</a:t>
+                      </a:r>
+                      <a:endParaRPr lang="en-US" dirty="0"/>
+                    </a:p>
+                  </a:txBody>
+                  <a:tcPr/>
+                </a:tc>
+                <a:tc>
+                  <a:txBody>
+                    <a:bodyPr/>
+                    <a:lstStyle/>
+                    <a:p>
+                      <a:pPr algn="ctr"/>
+                      <a:r>
+                        <a:rPr lang="en-US" dirty="0" smtClean="0"/>
+                        <a:t>41.31</a:t>
+                      </a:r>
+                      <a:endParaRPr lang="en-US" dirty="0"/>
+                    </a:p>
+                  </a:txBody>
+                  <a:tcPr/>
+                </a:tc>
+                <a:tc>
+                  <a:txBody>
+                    <a:bodyPr/>
+                    <a:lstStyle/>
+                    <a:p>
+                      <a:pPr algn="ctr"/>
+                      <a:r>
+                        <a:rPr lang="en-US" dirty="0" smtClean="0"/>
+                        <a:t>66.11</a:t>
+                      </a:r>
+                      <a:endParaRPr lang="en-US" dirty="0"/>
+                    </a:p>
+                  </a:txBody>
+                  <a:tcPr/>
+                </a:tc>
+              </a:tr>
+              <a:tr h="370840">
+                <a:tc vMerge="1">
+                  <a:txBody>
+                    <a:bodyPr/>
+                    <a:lstStyle/>
+                    <a:p>
+                      <a:endParaRPr lang="en-US" dirty="0"/>
+                    </a:p>
+                  </a:txBody>
+                  <a:tcPr/>
+                </a:tc>
+                <a:tc>
+                  <a:txBody>
+                    <a:bodyPr/>
+                    <a:lstStyle/>
+                    <a:p>
+                      <a:r>
+                        <a:rPr lang="en-US" dirty="0" smtClean="0"/>
+                        <a:t>CASIA FASD</a:t>
+                      </a:r>
+                      <a:endParaRPr lang="en-US" dirty="0"/>
+                    </a:p>
+                  </a:txBody>
+                  <a:tcPr/>
+                </a:tc>
+                <a:tc>
+                  <a:txBody>
+                    <a:bodyPr/>
+                    <a:lstStyle/>
+                    <a:p>
+                      <a:pPr algn="ctr"/>
+                      <a:r>
+                        <a:rPr lang="en-US" dirty="0" smtClean="0"/>
+                        <a:t>24.91</a:t>
+                      </a:r>
+                      <a:endParaRPr lang="en-US" dirty="0"/>
+                    </a:p>
+                  </a:txBody>
+                  <a:tcPr/>
+                </a:tc>
+                <a:tc>
+                  <a:txBody>
+                    <a:bodyPr/>
+                    <a:lstStyle/>
+                    <a:p>
+                      <a:pPr algn="ctr"/>
+                      <a:r>
+                        <a:rPr lang="en-US" dirty="0" smtClean="0"/>
+                        <a:t>31.36</a:t>
+                      </a:r>
+                      <a:endParaRPr lang="en-US" dirty="0"/>
+                    </a:p>
+                  </a:txBody>
+                  <a:tcPr/>
+                </a:tc>
+                <a:tc>
+                  <a:txBody>
+                    <a:bodyPr/>
+                    <a:lstStyle/>
+                    <a:p>
+                      <a:pPr algn="ctr"/>
+                      <a:r>
+                        <a:rPr lang="en-US" dirty="0" smtClean="0"/>
+                        <a:t>97.32</a:t>
+                      </a:r>
+                      <a:endParaRPr lang="en-US" dirty="0"/>
+                    </a:p>
+                  </a:txBody>
+                  <a:tcPr/>
+                </a:tc>
+                <a:tc>
+                  <a:txBody>
+                    <a:bodyPr/>
+                    <a:lstStyle/>
+                    <a:p>
+                      <a:pPr algn="ctr"/>
+                      <a:r>
+                        <a:rPr lang="en-US" dirty="0" smtClean="0"/>
+                        <a:t>98.92</a:t>
+                      </a:r>
+                      <a:endParaRPr lang="en-US" dirty="0"/>
+                    </a:p>
+                  </a:txBody>
+                  <a:tcPr/>
+                </a:tc>
+              </a:tr>
+              <a:tr h="0">
+                <a:tc gridSpan="6">
+                  <a:txBody>
+                    <a:bodyPr/>
+                    <a:lstStyle/>
+                    <a:p>
+                      <a:endParaRPr lang="en-US" sz="200" dirty="0"/>
+                    </a:p>
+                  </a:txBody>
+                  <a:tcPr>
+                    <a:solidFill>
+                      <a:schemeClr val="tx1">
+                        <a:lumMod val="85000"/>
+                        <a:lumOff val="15000"/>
+                      </a:schemeClr>
+                    </a:solidFill>
+                  </a:tcPr>
+                </a:tc>
+                <a:tc hMerge="1">
+                  <a:txBody>
+                    <a:bodyPr/>
+                    <a:lstStyle/>
+                    <a:p>
+                      <a:endParaRPr lang="en-US" dirty="0"/>
+                    </a:p>
+                  </a:txBody>
+                  <a:tcPr>
+                    <a:solidFill>
+                      <a:schemeClr val="tx1">
+                        <a:lumMod val="85000"/>
+                        <a:lumOff val="15000"/>
+                      </a:schemeClr>
+                    </a:solidFill>
+                  </a:tcPr>
+                </a:tc>
+                <a:tc hMerge="1">
+                  <a:txBody>
+                    <a:bodyPr/>
+                    <a:lstStyle/>
+                    <a:p>
+                      <a:endParaRPr lang="en-US" dirty="0"/>
+                    </a:p>
+                  </a:txBody>
+                  <a:tcPr>
+                    <a:solidFill>
+                      <a:schemeClr val="tx1">
+                        <a:lumMod val="85000"/>
+                        <a:lumOff val="15000"/>
+                      </a:schemeClr>
+                    </a:solidFill>
+                  </a:tcPr>
+                </a:tc>
+                <a:tc hMerge="1">
+                  <a:txBody>
+                    <a:bodyPr/>
+                    <a:lstStyle/>
+                    <a:p>
+                      <a:endParaRPr lang="en-US" dirty="0"/>
+                    </a:p>
+                  </a:txBody>
+                  <a:tcPr>
+                    <a:solidFill>
+                      <a:schemeClr val="tx1">
+                        <a:lumMod val="85000"/>
+                        <a:lumOff val="15000"/>
+                      </a:schemeClr>
+                    </a:solidFill>
+                  </a:tcPr>
+                </a:tc>
+                <a:tc hMerge="1">
+                  <a:txBody>
+                    <a:bodyPr/>
+                    <a:lstStyle/>
+                    <a:p>
+                      <a:endParaRPr lang="en-US" dirty="0"/>
+                    </a:p>
+                  </a:txBody>
+                  <a:tcPr>
+                    <a:solidFill>
+                      <a:schemeClr val="tx1">
+                        <a:lumMod val="85000"/>
+                        <a:lumOff val="15000"/>
+                      </a:schemeClr>
+                    </a:solidFill>
+                  </a:tcPr>
+                </a:tc>
+                <a:tc hMerge="1">
+                  <a:txBody>
+                    <a:bodyPr/>
+                    <a:lstStyle/>
+                    <a:p>
+                      <a:endParaRPr lang="en-US" dirty="0"/>
+                    </a:p>
+                  </a:txBody>
+                  <a:tcPr>
+                    <a:solidFill>
+                      <a:schemeClr val="tx1">
+                        <a:lumMod val="85000"/>
+                        <a:lumOff val="15000"/>
+                      </a:schemeClr>
+                    </a:solidFill>
+                  </a:tcPr>
+                </a:tc>
+              </a:tr>
+              <a:tr h="370840">
+                <a:tc rowSpan="2">
+                  <a:txBody>
+                    <a:bodyPr/>
+                    <a:lstStyle/>
+                    <a:p>
+                      <a:pPr algn="ctr"/>
+                      <a:r>
+                        <a:rPr lang="en-US" dirty="0" smtClean="0"/>
+                        <a:t>LBP</a:t>
+                      </a:r>
+                      <a:endParaRPr lang="en-US" dirty="0"/>
+                    </a:p>
+                  </a:txBody>
+                  <a:tcPr anchor="ctr"/>
+                </a:tc>
+                <a:tc>
+                  <a:txBody>
+                    <a:bodyPr/>
+                    <a:lstStyle/>
+                    <a:p>
+                      <a:r>
+                        <a:rPr lang="en-US" dirty="0" smtClean="0"/>
+                        <a:t>Replay Attack</a:t>
+                      </a:r>
+                      <a:endParaRPr lang="en-US" dirty="0"/>
+                    </a:p>
+                  </a:txBody>
+                  <a:tcPr/>
+                </a:tc>
+                <a:tc>
+                  <a:txBody>
+                    <a:bodyPr/>
+                    <a:lstStyle/>
+                    <a:p>
+                      <a:pPr algn="ctr"/>
+                      <a:r>
+                        <a:rPr lang="en-US" dirty="0" smtClean="0"/>
+                        <a:t>14.41</a:t>
+                      </a:r>
+                      <a:endParaRPr lang="en-US" dirty="0"/>
+                    </a:p>
+                  </a:txBody>
+                  <a:tcPr/>
+                </a:tc>
+                <a:tc>
+                  <a:txBody>
+                    <a:bodyPr/>
+                    <a:lstStyle/>
+                    <a:p>
+                      <a:pPr algn="ctr"/>
+                      <a:r>
+                        <a:rPr lang="en-US" dirty="0" smtClean="0"/>
+                        <a:t>15.45</a:t>
+                      </a:r>
+                      <a:endParaRPr lang="en-US" dirty="0"/>
+                    </a:p>
+                  </a:txBody>
+                  <a:tcPr/>
+                </a:tc>
+                <a:tc>
+                  <a:txBody>
+                    <a:bodyPr/>
+                    <a:lstStyle/>
+                    <a:p>
+                      <a:pPr algn="ctr"/>
+                      <a:r>
+                        <a:rPr lang="en-US" dirty="0" smtClean="0"/>
+                        <a:t>46.10</a:t>
+                      </a:r>
+                      <a:endParaRPr lang="en-US" dirty="0"/>
+                    </a:p>
+                  </a:txBody>
+                  <a:tcPr/>
+                </a:tc>
+                <a:tc>
+                  <a:txBody>
+                    <a:bodyPr/>
+                    <a:lstStyle/>
+                    <a:p>
+                      <a:pPr algn="ctr"/>
+                      <a:r>
+                        <a:rPr lang="en-US" dirty="0" smtClean="0"/>
+                        <a:t>73.38</a:t>
+                      </a:r>
+                      <a:endParaRPr lang="en-US" dirty="0"/>
+                    </a:p>
+                  </a:txBody>
+                  <a:tcPr/>
+                </a:tc>
+              </a:tr>
+              <a:tr h="370840">
+                <a:tc vMerge="1">
+                  <a:txBody>
+                    <a:bodyPr/>
+                    <a:lstStyle/>
+                    <a:p>
+                      <a:endParaRPr lang="en-US" dirty="0"/>
+                    </a:p>
+                  </a:txBody>
+                  <a:tcPr/>
+                </a:tc>
+                <a:tc>
+                  <a:txBody>
+                    <a:bodyPr/>
+                    <a:lstStyle/>
+                    <a:p>
+                      <a:r>
+                        <a:rPr lang="en-US" dirty="0" smtClean="0"/>
+                        <a:t>CASIA FASD</a:t>
+                      </a:r>
+                      <a:endParaRPr lang="en-US" dirty="0"/>
+                    </a:p>
+                  </a:txBody>
+                  <a:tcPr/>
+                </a:tc>
+                <a:tc>
+                  <a:txBody>
+                    <a:bodyPr/>
+                    <a:lstStyle/>
+                    <a:p>
+                      <a:pPr algn="ctr"/>
+                      <a:r>
+                        <a:rPr lang="en-US" dirty="0" smtClean="0"/>
+                        <a:t>23.00</a:t>
+                      </a:r>
+                      <a:endParaRPr lang="en-US" dirty="0"/>
+                    </a:p>
+                  </a:txBody>
+                  <a:tcPr/>
+                </a:tc>
+                <a:tc>
+                  <a:txBody>
+                    <a:bodyPr/>
+                    <a:lstStyle/>
+                    <a:p>
+                      <a:pPr algn="ctr"/>
+                      <a:r>
+                        <a:rPr lang="en-US" dirty="0" smtClean="0"/>
+                        <a:t>22.54</a:t>
+                      </a:r>
+                      <a:endParaRPr lang="en-US" dirty="0"/>
+                    </a:p>
+                  </a:txBody>
+                  <a:tcPr/>
+                </a:tc>
+                <a:tc>
+                  <a:txBody>
+                    <a:bodyPr/>
+                    <a:lstStyle/>
+                    <a:p>
+                      <a:pPr algn="ctr"/>
+                      <a:r>
+                        <a:rPr lang="en-US" dirty="0" smtClean="0"/>
+                        <a:t>86.48</a:t>
+                      </a:r>
+                      <a:endParaRPr lang="en-US" dirty="0"/>
+                    </a:p>
+                  </a:txBody>
+                  <a:tcPr/>
+                </a:tc>
+                <a:tc>
+                  <a:txBody>
+                    <a:bodyPr/>
+                    <a:lstStyle/>
+                    <a:p>
+                      <a:pPr algn="ctr"/>
+                      <a:r>
+                        <a:rPr lang="en-US" dirty="0" smtClean="0"/>
+                        <a:t>98.84</a:t>
+                      </a:r>
+                      <a:endParaRPr lang="en-US" dirty="0"/>
+                    </a:p>
+                  </a:txBody>
+                  <a:tcPr/>
+                </a:tc>
+              </a:tr>
+              <a:tr h="0">
+                <a:tc gridSpan="6">
+                  <a:txBody>
+                    <a:bodyPr/>
+                    <a:lstStyle/>
+                    <a:p>
+                      <a:pPr algn="ctr"/>
+                      <a:endParaRPr lang="en-US" sz="200" dirty="0"/>
+                    </a:p>
+                  </a:txBody>
+                  <a:tcPr>
+                    <a:solidFill>
+                      <a:srgbClr val="262626"/>
+                    </a:solidFill>
+                  </a:tcPr>
+                </a:tc>
+                <a:tc hMerge="1">
+                  <a:txBody>
+                    <a:bodyPr/>
+                    <a:lstStyle/>
+                    <a:p>
+                      <a:endParaRPr lang="en-US" dirty="0"/>
+                    </a:p>
+                  </a:txBody>
+                  <a:tcPr/>
+                </a:tc>
+                <a:tc hMerge="1">
+                  <a:txBody>
+                    <a:bodyPr/>
+                    <a:lstStyle/>
+                    <a:p>
+                      <a:endParaRPr lang="en-US" dirty="0"/>
+                    </a:p>
+                  </a:txBody>
+                  <a:tcPr/>
+                </a:tc>
+                <a:tc hMerge="1">
+                  <a:txBody>
+                    <a:bodyPr/>
+                    <a:lstStyle/>
+                    <a:p>
+                      <a:endParaRPr lang="en-US" dirty="0"/>
+                    </a:p>
+                  </a:txBody>
+                  <a:tcPr/>
+                </a:tc>
+                <a:tc hMerge="1">
+                  <a:txBody>
+                    <a:bodyPr/>
+                    <a:lstStyle/>
+                    <a:p>
+                      <a:endParaRPr lang="en-US" dirty="0"/>
+                    </a:p>
+                  </a:txBody>
+                  <a:tcPr/>
+                </a:tc>
+                <a:tc hMerge="1">
+                  <a:txBody>
+                    <a:bodyPr/>
+                    <a:lstStyle/>
+                    <a:p>
+                      <a:endParaRPr lang="en-US" dirty="0"/>
+                    </a:p>
+                  </a:txBody>
+                  <a:tcPr/>
+                </a:tc>
+              </a:tr>
+              <a:tr h="370840">
+                <a:tc rowSpan="2">
+                  <a:txBody>
+                    <a:bodyPr/>
+                    <a:lstStyle/>
+                    <a:p>
+                      <a:pPr algn="ctr"/>
+                      <a:r>
+                        <a:rPr lang="en-US" dirty="0" smtClean="0"/>
+                        <a:t>LBPTOP</a:t>
+                      </a:r>
+                      <a:endParaRPr lang="en-US" dirty="0"/>
+                    </a:p>
+                  </a:txBody>
+                  <a:tcPr anchor="ctr"/>
+                </a:tc>
+                <a:tc>
+                  <a:txBody>
+                    <a:bodyPr/>
+                    <a:lstStyle/>
+                    <a:p>
+                      <a:r>
+                        <a:rPr lang="en-US" dirty="0" smtClean="0"/>
+                        <a:t>Replay Attack</a:t>
+                      </a:r>
+                      <a:endParaRPr lang="en-US" dirty="0"/>
+                    </a:p>
+                  </a:txBody>
+                  <a:tcPr/>
+                </a:tc>
+                <a:tc>
+                  <a:txBody>
+                    <a:bodyPr/>
+                    <a:lstStyle/>
+                    <a:p>
+                      <a:pPr algn="ctr"/>
+                      <a:r>
+                        <a:rPr lang="en-US" b="1" dirty="0" smtClean="0">
+                          <a:solidFill>
+                            <a:srgbClr val="FF0000"/>
+                          </a:solidFill>
+                        </a:rPr>
+                        <a:t>8.17</a:t>
+                      </a:r>
+                      <a:endParaRPr lang="en-US" b="1" dirty="0">
+                        <a:solidFill>
+                          <a:srgbClr val="FF0000"/>
+                        </a:solidFill>
+                      </a:endParaRPr>
+                    </a:p>
+                  </a:txBody>
+                  <a:tcPr/>
+                </a:tc>
+                <a:tc>
+                  <a:txBody>
+                    <a:bodyPr/>
+                    <a:lstStyle/>
+                    <a:p>
+                      <a:pPr algn="ctr"/>
+                      <a:r>
+                        <a:rPr lang="en-US" b="1" dirty="0" smtClean="0">
+                          <a:solidFill>
+                            <a:srgbClr val="FF0000"/>
+                          </a:solidFill>
+                        </a:rPr>
+                        <a:t>8.51</a:t>
+                      </a:r>
+                      <a:endParaRPr lang="en-US" b="1" dirty="0">
+                        <a:solidFill>
+                          <a:srgbClr val="FF0000"/>
+                        </a:solidFill>
+                      </a:endParaRPr>
+                    </a:p>
+                  </a:txBody>
+                  <a:tcPr/>
+                </a:tc>
+                <a:tc>
+                  <a:txBody>
+                    <a:bodyPr/>
+                    <a:lstStyle/>
+                    <a:p>
+                      <a:pPr algn="ctr"/>
+                      <a:r>
+                        <a:rPr lang="en-US" dirty="0" smtClean="0"/>
+                        <a:t>28.77</a:t>
+                      </a:r>
+                      <a:endParaRPr lang="en-US" dirty="0"/>
+                    </a:p>
+                  </a:txBody>
+                  <a:tcPr/>
+                </a:tc>
+                <a:tc>
+                  <a:txBody>
+                    <a:bodyPr/>
+                    <a:lstStyle/>
+                    <a:p>
+                      <a:pPr algn="ctr"/>
+                      <a:r>
+                        <a:rPr lang="en-US" dirty="0" smtClean="0"/>
+                        <a:t>53.72</a:t>
+                      </a:r>
+                      <a:endParaRPr lang="en-US" dirty="0"/>
+                    </a:p>
+                  </a:txBody>
+                  <a:tcPr/>
+                </a:tc>
+              </a:tr>
+              <a:tr h="370840">
+                <a:tc vMerge="1">
+                  <a:txBody>
+                    <a:bodyPr/>
+                    <a:lstStyle/>
+                    <a:p>
+                      <a:endParaRPr lang="en-US" dirty="0"/>
+                    </a:p>
+                  </a:txBody>
+                  <a:tcPr/>
+                </a:tc>
+                <a:tc>
+                  <a:txBody>
+                    <a:bodyPr/>
+                    <a:lstStyle/>
+                    <a:p>
+                      <a:r>
+                        <a:rPr lang="en-US" dirty="0" smtClean="0"/>
+                        <a:t>CASIA FASD</a:t>
+                      </a:r>
+                      <a:endParaRPr lang="en-US" dirty="0"/>
+                    </a:p>
+                  </a:txBody>
+                  <a:tcPr/>
+                </a:tc>
+                <a:tc>
+                  <a:txBody>
+                    <a:bodyPr/>
+                    <a:lstStyle/>
+                    <a:p>
+                      <a:pPr algn="ctr"/>
+                      <a:r>
+                        <a:rPr lang="en-US" dirty="0" smtClean="0"/>
+                        <a:t>21.77</a:t>
+                      </a:r>
+                      <a:endParaRPr lang="en-US" dirty="0"/>
+                    </a:p>
+                  </a:txBody>
+                  <a:tcPr/>
+                </a:tc>
+                <a:tc>
+                  <a:txBody>
+                    <a:bodyPr/>
+                    <a:lstStyle/>
+                    <a:p>
+                      <a:pPr algn="ctr"/>
+                      <a:r>
+                        <a:rPr lang="en-US" dirty="0" smtClean="0"/>
+                        <a:t>22.27</a:t>
+                      </a:r>
+                      <a:endParaRPr lang="en-US" dirty="0"/>
+                    </a:p>
+                  </a:txBody>
+                  <a:tcPr/>
+                </a:tc>
+                <a:tc>
+                  <a:txBody>
+                    <a:bodyPr/>
+                    <a:lstStyle/>
+                    <a:p>
+                      <a:pPr algn="ctr"/>
+                      <a:r>
+                        <a:rPr lang="en-US" dirty="0" smtClean="0"/>
+                        <a:t>86.15</a:t>
+                      </a:r>
+                      <a:endParaRPr lang="en-US" dirty="0"/>
+                    </a:p>
+                  </a:txBody>
+                  <a:tcPr/>
+                </a:tc>
+                <a:tc>
+                  <a:txBody>
+                    <a:bodyPr/>
+                    <a:lstStyle/>
+                    <a:p>
+                      <a:pPr algn="ctr"/>
+                      <a:r>
+                        <a:rPr lang="en-US" dirty="0" smtClean="0"/>
+                        <a:t>98.42</a:t>
+                      </a:r>
+                      <a:endParaRPr lang="en-US" dirty="0"/>
+                    </a:p>
+                  </a:txBody>
+                  <a:tcPr/>
+                </a:tc>
+              </a:tr>
+            </a:tbl>
+          </a:graphicData>
+        </a:graphic>
+      </p:graphicFrame>
+    </p:spTree>
+    <p:extLst>
+      <p:ext uri="{BB962C8B-B14F-4D97-AF65-F5344CB8AC3E}">
+        <p14:creationId xmlns:p14="http://schemas.microsoft.com/office/powerpoint/2010/main" val="3204136284"/>
       </p:ext>
     </p:extLst>
   </p:cSld>
@@ -12948,55 +16069,6 @@
           <a:chExt cx="0" cy="0"/>
         </a:xfrm>
       </p:grpSpPr>
-      <p:sp>
-        <p:nvSpPr>
-          <p:cNvPr id="2" name="Title 1"/>
-          <p:cNvSpPr>
-            <a:spLocks noGrp="1"/>
-          </p:cNvSpPr>
-          <p:nvPr>
-            <p:ph type="title"/>
-          </p:nvPr>
-        </p:nvSpPr>
-        <p:spPr/>
-        <p:txBody>
-          <a:bodyPr/>
-          <a:lstStyle/>
-          <a:p>
-            <a:r>
-              <a:rPr lang="en-US" dirty="0" err="1" smtClean="0"/>
-              <a:t>Autentica</a:t>
-            </a:r>
-            <a:r>
-              <a:rPr lang="en-US" dirty="0" err="1" smtClean="0"/>
-              <a:t>ção</a:t>
-            </a:r>
-            <a:endParaRPr lang="en-US" dirty="0"/>
-          </a:p>
-        </p:txBody>
-      </p:sp>
-      <p:sp>
-        <p:nvSpPr>
-          <p:cNvPr id="3" name="Content Placeholder 2"/>
-          <p:cNvSpPr>
-            <a:spLocks noGrp="1"/>
-          </p:cNvSpPr>
-          <p:nvPr>
-            <p:ph idx="1"/>
-          </p:nvPr>
-        </p:nvSpPr>
-        <p:spPr/>
-        <p:txBody>
-          <a:bodyPr/>
-          <a:lstStyle/>
-          <a:p>
-            <a:pPr marL="114300" indent="0">
-              <a:buNone/>
-            </a:pPr>
-            <a:endParaRPr lang="en-US" dirty="0"/>
-          </a:p>
-        </p:txBody>
-      </p:sp>
       <p:pic>
         <p:nvPicPr>
           <p:cNvPr id="5" name="Picture 4" descr="cadeado.jpg"/>
@@ -13019,7 +16091,7 @@
         </p:blipFill>
         <p:spPr>
           <a:xfrm>
-            <a:off x="166980" y="1979085"/>
+            <a:off x="154149" y="3074976"/>
             <a:ext cx="3051187" cy="3051187"/>
           </a:xfrm>
           <a:prstGeom prst="rect">
@@ -13027,6 +16099,91 @@
           </a:prstGeom>
         </p:spPr>
       </p:pic>
+      <p:sp>
+        <p:nvSpPr>
+          <p:cNvPr id="2" name="Title 1"/>
+          <p:cNvSpPr>
+            <a:spLocks noGrp="1"/>
+          </p:cNvSpPr>
+          <p:nvPr>
+            <p:ph type="title"/>
+          </p:nvPr>
+        </p:nvSpPr>
+        <p:spPr/>
+        <p:txBody>
+          <a:bodyPr/>
+          <a:lstStyle/>
+          <a:p>
+            <a:r>
+              <a:rPr lang="en-US" dirty="0" err="1" smtClean="0"/>
+              <a:t>Autenticação</a:t>
+            </a:r>
+            <a:endParaRPr lang="en-US" dirty="0"/>
+          </a:p>
+        </p:txBody>
+      </p:sp>
+      <p:sp>
+        <p:nvSpPr>
+          <p:cNvPr id="3" name="Content Placeholder 2"/>
+          <p:cNvSpPr>
+            <a:spLocks noGrp="1"/>
+          </p:cNvSpPr>
+          <p:nvPr>
+            <p:ph idx="1"/>
+          </p:nvPr>
+        </p:nvSpPr>
+        <p:spPr/>
+        <p:txBody>
+          <a:bodyPr/>
+          <a:lstStyle/>
+          <a:p>
+            <a:pPr marL="114300" indent="0">
+              <a:buNone/>
+            </a:pPr>
+            <a:r>
+              <a:rPr lang="en-US" dirty="0" err="1" smtClean="0"/>
+              <a:t>Consiste</a:t>
+            </a:r>
+            <a:r>
+              <a:rPr lang="en-US" dirty="0" smtClean="0"/>
+              <a:t> da </a:t>
+            </a:r>
+            <a:r>
+              <a:rPr lang="en-US" dirty="0" err="1" smtClean="0"/>
+              <a:t>confirma</a:t>
+            </a:r>
+            <a:r>
+              <a:rPr lang="en-US" dirty="0" err="1" smtClean="0"/>
+              <a:t>ção</a:t>
+            </a:r>
+            <a:r>
+              <a:rPr lang="en-US" dirty="0" smtClean="0"/>
+              <a:t> de </a:t>
+            </a:r>
+            <a:r>
+              <a:rPr lang="en-US" dirty="0" err="1" smtClean="0"/>
+              <a:t>uma</a:t>
+            </a:r>
+            <a:r>
+              <a:rPr lang="en-US" dirty="0" smtClean="0"/>
+              <a:t> </a:t>
+            </a:r>
+            <a:r>
+              <a:rPr lang="en-US" dirty="0" err="1" smtClean="0"/>
+              <a:t>identidade</a:t>
+            </a:r>
+            <a:r>
+              <a:rPr lang="en-US" dirty="0" smtClean="0"/>
+              <a:t> </a:t>
+            </a:r>
+            <a:r>
+              <a:rPr lang="en-US" dirty="0" err="1" smtClean="0"/>
+              <a:t>requirida</a:t>
+            </a:r>
+            <a:endParaRPr lang="en-US" dirty="0"/>
+          </a:p>
+        </p:txBody>
+      </p:sp>
       <p:pic>
         <p:nvPicPr>
           <p:cNvPr id="6" name="Picture 5" descr="cloud.gif"/>
@@ -13049,8 +16206,128 @@
         </p:blipFill>
         <p:spPr>
           <a:xfrm>
-            <a:off x="3355855" y="1518548"/>
-            <a:ext cx="4918007" cy="3707156"/>
+            <a:off x="2839464" y="2225977"/>
+            <a:ext cx="5950789" cy="4485659"/>
+          </a:xfrm>
+          <a:prstGeom prst="rect">
+            <a:avLst/>
+          </a:prstGeom>
+        </p:spPr>
+      </p:pic>
+      <p:pic>
+        <p:nvPicPr>
+          <p:cNvPr id="4" name="Picture 3" descr="argus-hsb-m01.jpg"/>
+          <p:cNvPicPr>
+            <a:picLocks noChangeAspect="1"/>
+          </p:cNvPicPr>
+          <p:nvPr/>
+        </p:nvPicPr>
+        <p:blipFill>
+          <a:blip r:embed="rId4">
+            <a:extLst>
+              <a:ext uri="{28A0092B-C50C-407E-A947-70E740481C1C}">
+                <a14:useLocalDpi xmlns:a14="http://schemas.microsoft.com/office/drawing/2010/main" val="0"/>
+              </a:ext>
+            </a:extLst>
+          </a:blip>
+          <a:stretch>
+            <a:fillRect/>
+          </a:stretch>
+        </p:blipFill>
+        <p:spPr>
+          <a:xfrm>
+            <a:off x="5443513" y="3578716"/>
+            <a:ext cx="2283594" cy="2283594"/>
+          </a:xfrm>
+          <a:prstGeom prst="rect">
+            <a:avLst/>
+          </a:prstGeom>
+        </p:spPr>
+      </p:pic>
+      <p:pic>
+        <p:nvPicPr>
+          <p:cNvPr id="7" name="Picture 6" descr="facebook-large.png"/>
+          <p:cNvPicPr>
+            <a:picLocks noChangeAspect="1"/>
+          </p:cNvPicPr>
+          <p:nvPr/>
+        </p:nvPicPr>
+        <p:blipFill>
+          <a:blip r:embed="rId5" cstate="print">
+            <a:extLst>
+              <a:ext uri="{28A0092B-C50C-407E-A947-70E740481C1C}">
+                <a14:useLocalDpi xmlns:a14="http://schemas.microsoft.com/office/drawing/2010/main" val="0"/>
+              </a:ext>
+            </a:extLst>
+          </a:blip>
+          <a:stretch>
+            <a:fillRect/>
+          </a:stretch>
+        </p:blipFill>
+        <p:spPr>
+          <a:xfrm>
+            <a:off x="4735354" y="3424843"/>
+            <a:ext cx="674437" cy="674437"/>
+          </a:xfrm>
+          <a:prstGeom prst="rect">
+            <a:avLst/>
+          </a:prstGeom>
+        </p:spPr>
+      </p:pic>
+      <p:pic>
+        <p:nvPicPr>
+          <p:cNvPr id="8" name="Picture 7" descr="Active-Instagram-3-icon.png"/>
+          <p:cNvPicPr>
+            <a:picLocks noChangeAspect="1"/>
+          </p:cNvPicPr>
+          <p:nvPr/>
+        </p:nvPicPr>
+        <p:blipFill>
+          <a:blip r:embed="rId6">
+            <a:extLst>
+              <a:ext uri="{28A0092B-C50C-407E-A947-70E740481C1C}">
+                <a14:useLocalDpi xmlns:a14="http://schemas.microsoft.com/office/drawing/2010/main" val="0"/>
+              </a:ext>
+            </a:extLst>
+          </a:blip>
+          <a:stretch>
+            <a:fillRect/>
+          </a:stretch>
+        </p:blipFill>
+        <p:spPr>
+          <a:xfrm>
+            <a:off x="4572000" y="5154755"/>
+            <a:ext cx="707555" cy="707555"/>
+          </a:xfrm>
+          <a:prstGeom prst="rect">
+            <a:avLst/>
+          </a:prstGeom>
+        </p:spPr>
+      </p:pic>
+      <p:pic>
+        <p:nvPicPr>
+          <p:cNvPr id="9" name="Picture 8" descr="1959012464.png"/>
+          <p:cNvPicPr>
+            <a:picLocks noChangeAspect="1"/>
+          </p:cNvPicPr>
+          <p:nvPr/>
+        </p:nvPicPr>
+        <p:blipFill>
+          <a:blip r:embed="rId7">
+            <a:extLst>
+              <a:ext uri="{28A0092B-C50C-407E-A947-70E740481C1C}">
+                <a14:useLocalDpi xmlns:a14="http://schemas.microsoft.com/office/drawing/2010/main" val="0"/>
+              </a:ext>
+            </a:extLst>
+          </a:blip>
+          <a:stretch>
+            <a:fillRect/>
+          </a:stretch>
+        </p:blipFill>
+        <p:spPr>
+          <a:xfrm>
+            <a:off x="3730317" y="4239951"/>
+            <a:ext cx="724309" cy="724309"/>
           </a:xfrm>
           <a:prstGeom prst="rect">
             <a:avLst/>
@@ -13111,11 +16388,7 @@
           <a:p>
             <a:r>
               <a:rPr lang="en-US" dirty="0" err="1" smtClean="0"/>
-              <a:t>Autentica</a:t>
-            </a:r>
-            <a:r>
-              <a:rPr lang="en-US" dirty="0" err="1" smtClean="0"/>
-              <a:t>ção</a:t>
+              <a:t>Autenticação</a:t>
             </a:r>
             <a:endParaRPr lang="en-US" dirty="0"/>
           </a:p>
@@ -13143,7 +16416,7 @@
         </p:blipFill>
         <p:spPr>
           <a:xfrm>
-            <a:off x="2927543" y="4472835"/>
+            <a:off x="2913112" y="4472835"/>
             <a:ext cx="2246477" cy="2401036"/>
           </a:xfrm>
           <a:prstGeom prst="rect">
@@ -13173,8 +16446,8 @@
         </p:blipFill>
         <p:spPr>
           <a:xfrm rot="18842153">
-            <a:off x="1248317" y="3258002"/>
-            <a:ext cx="2173974" cy="1062781"/>
+            <a:off x="1233886" y="3258001"/>
+            <a:ext cx="2173974" cy="1062782"/>
           </a:xfrm>
           <a:prstGeom prst="rect">
             <a:avLst/>
@@ -13203,7 +16476,7 @@
         </p:blipFill>
         <p:spPr>
           <a:xfrm rot="1264593">
-            <a:off x="4562276" y="2093484"/>
+            <a:off x="4576707" y="2093484"/>
             <a:ext cx="2678322" cy="3124735"/>
           </a:xfrm>
           <a:prstGeom prst="rect">
@@ -13219,8 +16492,8 @@
         </p:nvSpPr>
         <p:spPr>
           <a:xfrm rot="2226756">
-            <a:off x="5424185" y="3034842"/>
-            <a:ext cx="1091311" cy="478048"/>
+            <a:off x="5355188" y="3056572"/>
+            <a:ext cx="1200442" cy="434589"/>
           </a:xfrm>
           <a:prstGeom prst="rect">
             <a:avLst/>
@@ -13249,8 +16522,8 @@
         </p:nvCxnSpPr>
         <p:spPr>
           <a:xfrm flipH="1" flipV="1">
-            <a:off x="2815457" y="4284086"/>
-            <a:ext cx="608804" cy="492318"/>
+            <a:off x="2770586" y="4306464"/>
+            <a:ext cx="669684" cy="447562"/>
           </a:xfrm>
           <a:prstGeom prst="line">
             <a:avLst/>
@@ -13279,8 +16552,8 @@
         </p:nvSpPr>
         <p:spPr>
           <a:xfrm>
-            <a:off x="457200" y="1531756"/>
-            <a:ext cx="3511393" cy="461665"/>
+            <a:off x="257097" y="1531756"/>
+            <a:ext cx="4402262" cy="830997"/>
           </a:xfrm>
           <a:prstGeom prst="rect">
             <a:avLst/>
@@ -13295,19 +16568,39 @@
           <a:p>
             <a:r>
               <a:rPr lang="en-US" sz="2400" dirty="0" err="1" smtClean="0"/>
-              <a:t>Fatores</a:t>
+              <a:t>Os</a:t>
             </a:r>
             <a:r>
               <a:rPr lang="en-US" sz="2400" dirty="0" smtClean="0"/>
-              <a:t> de </a:t>
+              <a:t> </a:t>
             </a:r>
             <a:r>
               <a:rPr lang="en-US" sz="2400" dirty="0" err="1" smtClean="0"/>
-              <a:t>autentica</a:t>
+              <a:t>tr</a:t>
             </a:r>
             <a:r>
               <a:rPr lang="en-US" sz="2400" dirty="0" err="1" smtClean="0"/>
-              <a:t>ção</a:t>
+              <a:t>ês</a:t>
+            </a:r>
+            <a:r>
+              <a:rPr lang="en-US" sz="2400" dirty="0" smtClean="0"/>
+              <a:t> </a:t>
+            </a:r>
+            <a:r>
+              <a:rPr lang="en-US" sz="2400" dirty="0" err="1" smtClean="0"/>
+              <a:t>fatores</a:t>
+            </a:r>
+            <a:r>
+              <a:rPr lang="en-US" sz="2400" dirty="0" smtClean="0"/>
+              <a:t> </a:t>
+            </a:r>
+            <a:r>
+              <a:rPr lang="en-US" sz="2400" dirty="0" smtClean="0"/>
+              <a:t>de </a:t>
+            </a:r>
+            <a:r>
+              <a:rPr lang="en-US" sz="2400" dirty="0" err="1" smtClean="0"/>
+              <a:t>autenticação</a:t>
             </a:r>
             <a:endParaRPr lang="en-US" sz="2400" dirty="0"/>
           </a:p>
@@ -13367,11 +16660,7 @@
           <a:p>
             <a:r>
               <a:rPr lang="en-US" dirty="0" err="1" smtClean="0"/>
-              <a:t>Autentica</a:t>
-            </a:r>
-            <a:r>
-              <a:rPr lang="en-US" dirty="0" err="1" smtClean="0"/>
-              <a:t>ção</a:t>
+              <a:t>Autenticação</a:t>
             </a:r>
             <a:endParaRPr lang="en-US" dirty="0"/>
           </a:p>
@@ -13557,14 +16846,14 @@
       </p:cxnSp>
       <p:sp>
         <p:nvSpPr>
-          <p:cNvPr id="10" name="TextBox 9"/>
+          <p:cNvPr id="3" name="TextBox 2"/>
           <p:cNvSpPr txBox="1"/>
           <p:nvPr/>
         </p:nvSpPr>
         <p:spPr>
           <a:xfrm>
-            <a:off x="457200" y="1531756"/>
-            <a:ext cx="3511393" cy="461665"/>
+            <a:off x="851446" y="2027908"/>
+            <a:ext cx="2276434" cy="461665"/>
           </a:xfrm>
           <a:prstGeom prst="rect">
             <a:avLst/>
@@ -13572,6 +16861,60 @@
           <a:noFill/>
         </p:spPr>
         <p:txBody>
+          <a:bodyPr wrap="none" rtlCol="0">
+            <a:spAutoFit/>
+          </a:bodyPr>
+          <a:lstStyle/>
+          <a:p>
+            <a:r>
+              <a:rPr lang="en-US" sz="2400" b="1" dirty="0" smtClean="0"/>
+              <a:t>O </a:t>
+            </a:r>
+            <a:r>
+              <a:rPr lang="en-US" sz="2400" b="1" dirty="0" err="1" smtClean="0"/>
+              <a:t>que</a:t>
+            </a:r>
+            <a:r>
+              <a:rPr lang="en-US" sz="2400" b="1" dirty="0" smtClean="0"/>
+              <a:t> </a:t>
+            </a:r>
+            <a:r>
+              <a:rPr lang="en-US" sz="2400" b="1" dirty="0" err="1" smtClean="0"/>
+              <a:t>voc</a:t>
+            </a:r>
+            <a:r>
+              <a:rPr lang="en-US" sz="2400" b="1" dirty="0" err="1" smtClean="0"/>
+              <a:t>ê</a:t>
+            </a:r>
+            <a:r>
+              <a:rPr lang="en-US" sz="2400" b="1" dirty="0" smtClean="0"/>
+              <a:t> </a:t>
+            </a:r>
+            <a:r>
+              <a:rPr lang="en-US" sz="2400" b="1" dirty="0" err="1" smtClean="0"/>
+              <a:t>sabe</a:t>
+            </a:r>
+            <a:endParaRPr lang="en-US" sz="2400" b="1" dirty="0"/>
+          </a:p>
+        </p:txBody>
+      </p:sp>
+      <p:sp>
+        <p:nvSpPr>
+          <p:cNvPr id="12" name="TextBox 11"/>
+          <p:cNvSpPr txBox="1"/>
+          <p:nvPr/>
+        </p:nvSpPr>
+        <p:spPr>
+          <a:xfrm>
+            <a:off x="257097" y="1531756"/>
+            <a:ext cx="4402262" cy="830997"/>
+          </a:xfrm>
+          <a:prstGeom prst="rect">
+            <a:avLst/>
+          </a:prstGeom>
+          <a:noFill/>
+        </p:spPr>
+        <p:txBody>
           <a:bodyPr wrap="square" rtlCol="0">
             <a:spAutoFit/>
           </a:bodyPr>
@@ -13579,19 +16922,39 @@
           <a:p>
             <a:r>
               <a:rPr lang="en-US" sz="2400" dirty="0" err="1" smtClean="0"/>
-              <a:t>Fatores</a:t>
+              <a:t>Os</a:t>
             </a:r>
             <a:r>
               <a:rPr lang="en-US" sz="2400" dirty="0" smtClean="0"/>
-              <a:t> de </a:t>
+              <a:t> </a:t>
             </a:r>
             <a:r>
               <a:rPr lang="en-US" sz="2400" dirty="0" err="1" smtClean="0"/>
-              <a:t>autentica</a:t>
+              <a:t>tr</a:t>
             </a:r>
             <a:r>
               <a:rPr lang="en-US" sz="2400" dirty="0" err="1" smtClean="0"/>
-              <a:t>ção</a:t>
+              <a:t>ês</a:t>
+            </a:r>
+            <a:r>
+              <a:rPr lang="en-US" sz="2400" dirty="0" smtClean="0"/>
+              <a:t> </a:t>
+            </a:r>
+            <a:r>
+              <a:rPr lang="en-US" sz="2400" dirty="0" err="1" smtClean="0"/>
+              <a:t>fatores</a:t>
+            </a:r>
+            <a:r>
+              <a:rPr lang="en-US" sz="2400" dirty="0" smtClean="0"/>
+              <a:t> </a:t>
+            </a:r>
+            <a:r>
+              <a:rPr lang="en-US" sz="2400" dirty="0" smtClean="0"/>
+              <a:t>de </a:t>
+            </a:r>
+            <a:r>
+              <a:rPr lang="en-US" sz="2400" dirty="0" err="1" smtClean="0"/>
+              <a:t>autenticação</a:t>
             </a:r>
             <a:endParaRPr lang="en-US" sz="2400" dirty="0"/>
           </a:p>
@@ -13651,11 +17014,7 @@
           <a:p>
             <a:r>
               <a:rPr lang="en-US" dirty="0" err="1" smtClean="0"/>
-              <a:t>Autentica</a:t>
-            </a:r>
-            <a:r>
-              <a:rPr lang="en-US" dirty="0" err="1" smtClean="0"/>
-              <a:t>ção</a:t>
+              <a:t>Autenticação</a:t>
             </a:r>
             <a:endParaRPr lang="en-US" dirty="0"/>
           </a:p>
@@ -13769,14 +17128,14 @@
       </p:sp>
       <p:sp>
         <p:nvSpPr>
-          <p:cNvPr id="10" name="TextBox 9"/>
+          <p:cNvPr id="7" name="TextBox 6"/>
           <p:cNvSpPr txBox="1"/>
           <p:nvPr/>
         </p:nvSpPr>
         <p:spPr>
           <a:xfrm>
-            <a:off x="457200" y="1531756"/>
-            <a:ext cx="3511393" cy="461665"/>
+            <a:off x="257097" y="1531756"/>
+            <a:ext cx="4402262" cy="830997"/>
           </a:xfrm>
           <a:prstGeom prst="rect">
             <a:avLst/>
@@ -13791,21 +17150,91 @@
           <a:p>
             <a:r>
               <a:rPr lang="en-US" sz="2400" dirty="0" err="1" smtClean="0"/>
-              <a:t>Fatores</a:t>
+              <a:t>Os</a:t>
             </a:r>
             <a:r>
               <a:rPr lang="en-US" sz="2400" dirty="0" smtClean="0"/>
-              <a:t> de </a:t>
+              <a:t> </a:t>
             </a:r>
             <a:r>
               <a:rPr lang="en-US" sz="2400" dirty="0" err="1" smtClean="0"/>
-              <a:t>autentica</a:t>
+              <a:t>tr</a:t>
             </a:r>
             <a:r>
               <a:rPr lang="en-US" sz="2400" dirty="0" err="1" smtClean="0"/>
-              <a:t>ção</a:t>
+              <a:t>ês</a:t>
+            </a:r>
+            <a:r>
+              <a:rPr lang="en-US" sz="2400" dirty="0" smtClean="0"/>
+              <a:t> </a:t>
+            </a:r>
+            <a:r>
+              <a:rPr lang="en-US" sz="2400" dirty="0" err="1" smtClean="0"/>
+              <a:t>fatores</a:t>
+            </a:r>
+            <a:r>
+              <a:rPr lang="en-US" sz="2400" dirty="0" smtClean="0"/>
+              <a:t> </a:t>
+            </a:r>
+            <a:r>
+              <a:rPr lang="en-US" sz="2400" dirty="0" smtClean="0"/>
+              <a:t>de </a:t>
+            </a:r>
+            <a:r>
+              <a:rPr lang="en-US" sz="2400" dirty="0" err="1" smtClean="0"/>
+              <a:t>autenticação</a:t>
             </a:r>
             <a:endParaRPr lang="en-US" sz="2400" dirty="0"/>
+          </a:p>
+        </p:txBody>
+      </p:sp>
+      <p:sp>
+        <p:nvSpPr>
+          <p:cNvPr id="11" name="TextBox 10"/>
+          <p:cNvSpPr txBox="1"/>
+          <p:nvPr/>
+        </p:nvSpPr>
+        <p:spPr>
+          <a:xfrm>
+            <a:off x="851446" y="2027908"/>
+            <a:ext cx="2193629" cy="461665"/>
+          </a:xfrm>
+          <a:prstGeom prst="rect">
+            <a:avLst/>
+          </a:prstGeom>
+          <a:noFill/>
+        </p:spPr>
+        <p:txBody>
+          <a:bodyPr wrap="none" rtlCol="0">
+            <a:spAutoFit/>
+          </a:bodyPr>
+          <a:lstStyle/>
+          <a:p>
+            <a:r>
+              <a:rPr lang="en-US" sz="2400" b="1" dirty="0" smtClean="0"/>
+              <a:t>O </a:t>
+            </a:r>
+            <a:r>
+              <a:rPr lang="en-US" sz="2400" b="1" dirty="0" err="1" smtClean="0"/>
+              <a:t>que</a:t>
+            </a:r>
+            <a:r>
+              <a:rPr lang="en-US" sz="2400" b="1" dirty="0" smtClean="0"/>
+              <a:t> </a:t>
+            </a:r>
+            <a:r>
+              <a:rPr lang="en-US" sz="2400" b="1" dirty="0" err="1" smtClean="0"/>
+              <a:t>voc</a:t>
+            </a:r>
+            <a:r>
+              <a:rPr lang="en-US" sz="2400" b="1" dirty="0" err="1" smtClean="0"/>
+              <a:t>ê</a:t>
+            </a:r>
+            <a:r>
+              <a:rPr lang="en-US" sz="2400" b="1" dirty="0" smtClean="0"/>
+              <a:t> tem</a:t>
+            </a:r>
+            <a:endParaRPr lang="en-US" sz="2400" b="1" dirty="0"/>
           </a:p>
         </p:txBody>
       </p:sp>
@@ -13863,11 +17292,7 @@
           <a:p>
             <a:r>
               <a:rPr lang="en-US" dirty="0" err="1" smtClean="0"/>
-              <a:t>Autentica</a:t>
-            </a:r>
-            <a:r>
-              <a:rPr lang="en-US" dirty="0" err="1" smtClean="0"/>
-              <a:t>ção</a:t>
+              <a:t>Autenticação</a:t>
             </a:r>
             <a:endParaRPr lang="en-US" dirty="0"/>
           </a:p>
@@ -14041,14 +17466,14 @@
       </p:cxnSp>
       <p:sp>
         <p:nvSpPr>
-          <p:cNvPr id="3" name="TextBox 2"/>
+          <p:cNvPr id="10" name="TextBox 9"/>
           <p:cNvSpPr txBox="1"/>
           <p:nvPr/>
         </p:nvSpPr>
         <p:spPr>
           <a:xfrm>
-            <a:off x="457200" y="1531756"/>
-            <a:ext cx="3511393" cy="461665"/>
+            <a:off x="257097" y="1531756"/>
+            <a:ext cx="4402262" cy="830997"/>
           </a:xfrm>
           <a:prstGeom prst="rect">
             <a:avLst/>
@@ -14063,21 +17488,95 @@
           <a:p>
             <a:r>
               <a:rPr lang="en-US" sz="2400" dirty="0" err="1" smtClean="0"/>
-              <a:t>Fatores</a:t>
+              <a:t>Os</a:t>
             </a:r>
             <a:r>
               <a:rPr lang="en-US" sz="2400" dirty="0" smtClean="0"/>
-              <a:t> de </a:t>
+              <a:t> </a:t>
             </a:r>
             <a:r>
               <a:rPr lang="en-US" sz="2400" dirty="0" err="1" smtClean="0"/>
-              <a:t>autentica</a:t>
+              <a:t>tr</a:t>
             </a:r>
             <a:r>
               <a:rPr lang="en-US" sz="2400" dirty="0" err="1" smtClean="0"/>
-              <a:t>ção</a:t>
+              <a:t>ês</a:t>
+            </a:r>
+            <a:r>
+              <a:rPr lang="en-US" sz="2400" dirty="0" smtClean="0"/>
+              <a:t> </a:t>
+            </a:r>
+            <a:r>
+              <a:rPr lang="en-US" sz="2400" dirty="0" err="1" smtClean="0"/>
+              <a:t>fatores</a:t>
+            </a:r>
+            <a:r>
+              <a:rPr lang="en-US" sz="2400" dirty="0" smtClean="0"/>
+              <a:t> </a:t>
+            </a:r>
+            <a:r>
+              <a:rPr lang="en-US" sz="2400" dirty="0" smtClean="0"/>
+              <a:t>de </a:t>
+            </a:r>
+            <a:r>
+              <a:rPr lang="en-US" sz="2400" dirty="0" err="1" smtClean="0"/>
+              <a:t>autenticação</a:t>
             </a:r>
             <a:endParaRPr lang="en-US" sz="2400" dirty="0"/>
+          </a:p>
+        </p:txBody>
+      </p:sp>
+      <p:sp>
+        <p:nvSpPr>
+          <p:cNvPr id="12" name="TextBox 11"/>
+          <p:cNvSpPr txBox="1"/>
+          <p:nvPr/>
+        </p:nvSpPr>
+        <p:spPr>
+          <a:xfrm>
+            <a:off x="851446" y="2027908"/>
+            <a:ext cx="1836560" cy="461665"/>
+          </a:xfrm>
+          <a:prstGeom prst="rect">
+            <a:avLst/>
+          </a:prstGeom>
+          <a:noFill/>
+        </p:spPr>
+        <p:txBody>
+          <a:bodyPr wrap="none" rtlCol="0">
+            <a:spAutoFit/>
+          </a:bodyPr>
+          <a:lstStyle/>
+          <a:p>
+            <a:r>
+              <a:rPr lang="en-US" sz="2400" b="1" dirty="0" smtClean="0"/>
+              <a:t>O </a:t>
+            </a:r>
+            <a:r>
+              <a:rPr lang="en-US" sz="2400" b="1" dirty="0" err="1" smtClean="0"/>
+              <a:t>que</a:t>
+            </a:r>
+            <a:r>
+              <a:rPr lang="en-US" sz="2400" b="1" dirty="0" smtClean="0"/>
+              <a:t> </a:t>
+            </a:r>
+            <a:r>
+              <a:rPr lang="en-US" sz="2400" b="1" dirty="0" err="1" smtClean="0"/>
+              <a:t>voc</a:t>
+            </a:r>
+            <a:r>
+              <a:rPr lang="en-US" sz="2400" b="1" dirty="0" err="1" smtClean="0"/>
+              <a:t>ê</a:t>
+            </a:r>
+            <a:r>
+              <a:rPr lang="en-US" sz="2400" b="1" dirty="0" smtClean="0"/>
+              <a:t> </a:t>
+            </a:r>
+            <a:r>
+              <a:rPr lang="en-US" sz="2400" b="1" dirty="0" err="1" smtClean="0"/>
+              <a:t>é</a:t>
+            </a:r>
+            <a:endParaRPr lang="en-US" sz="2400" b="1" dirty="0"/>
           </a:p>
         </p:txBody>
       </p:sp>
@@ -14161,11 +17660,7 @@
             </a:pPr>
             <a:r>
               <a:rPr lang="en-US" dirty="0" err="1" smtClean="0"/>
-              <a:t>Ci</a:t>
-            </a:r>
-            <a:r>
-              <a:rPr lang="en-US" dirty="0" err="1" smtClean="0"/>
-              <a:t>ência</a:t>
+              <a:t>Ciência</a:t>
             </a:r>
             <a:r>
               <a:rPr lang="en-US" dirty="0" smtClean="0"/>
@@ -14315,7 +17810,7 @@
         </p:blipFill>
         <p:spPr>
           <a:xfrm rot="429252">
-            <a:off x="5116497" y="3230301"/>
+            <a:off x="5015480" y="3316881"/>
             <a:ext cx="1061645" cy="1416814"/>
           </a:xfrm>
           <a:prstGeom prst="rect">
